--- a/ppt/AWS Rekognition Slide.pptx
+++ b/ppt/AWS Rekognition Slide.pptx
@@ -34,10 +34,9 @@
     <p:sldId id="314" r:id="rId28"/>
     <p:sldId id="316" r:id="rId29"/>
     <p:sldId id="317" r:id="rId30"/>
-    <p:sldId id="318" r:id="rId31"/>
-    <p:sldId id="319" r:id="rId32"/>
-    <p:sldId id="321" r:id="rId33"/>
-    <p:sldId id="320" r:id="rId34"/>
+    <p:sldId id="319" r:id="rId31"/>
+    <p:sldId id="321" r:id="rId32"/>
+    <p:sldId id="320" r:id="rId33"/>
   </p:sldIdLst>
   <p:sldSz cx="9144000" cy="6858000" type="screen4x3"/>
   <p:notesSz cx="9144000" cy="6858000"/>
@@ -1572,6 +1571,10 @@
           </p:nvPr>
         </p:nvSpPr>
         <p:spPr>
+          <a:xfrm>
+            <a:off x="1920875" y="2507406"/>
+            <a:ext cx="5302250" cy="697230"/>
+          </a:xfrm>
           <a:prstGeom prst="rect">
             <a:avLst/>
           </a:prstGeom>
@@ -1582,7 +1585,7 @@
           </a:bodyPr>
           <a:lstStyle/>
           <a:p>
-            <a:pPr marL="13970">
+            <a:pPr marL="13970" algn="ctr">
               <a:lnSpc>
                 <a:spcPct val="100000"/>
               </a:lnSpc>
@@ -1595,78 +1598,10 @@
               <a:t>AWS </a:t>
             </a:r>
             <a:r>
-              <a:rPr spc="-235" dirty="0"/>
-              <a:t>Storage </a:t>
-            </a:r>
-            <a:r>
-              <a:rPr spc="-229" dirty="0"/>
-              <a:t>Services</a:t>
-            </a:r>
-            <a:r>
-              <a:rPr spc="-969" dirty="0"/>
-              <a:t> </a:t>
-            </a:r>
-            <a:r>
-              <a:rPr spc="-290" dirty="0"/>
-              <a:t>1:</a:t>
-            </a:r>
-          </a:p>
-        </p:txBody>
-      </p:sp>
-      <p:sp>
-        <p:nvSpPr>
-          <p:cNvPr id="4" name="object 4"/>
-          <p:cNvSpPr txBox="1"/>
-          <p:nvPr/>
-        </p:nvSpPr>
-        <p:spPr>
-          <a:xfrm>
-            <a:off x="3726941" y="2709798"/>
-            <a:ext cx="1693545" cy="635000"/>
-          </a:xfrm>
-          <a:prstGeom prst="rect">
-            <a:avLst/>
-          </a:prstGeom>
-        </p:spPr>
-        <p:txBody>
-          <a:bodyPr vert="horz" wrap="square" lIns="0" tIns="12065" rIns="0" bIns="0" rtlCol="0">
-            <a:spAutoFit/>
-          </a:bodyPr>
-          <a:lstStyle/>
-          <a:p>
-            <a:pPr marL="12700">
-              <a:lnSpc>
-                <a:spcPct val="100000"/>
-              </a:lnSpc>
-              <a:spcBef>
-                <a:spcPts val="95"/>
-              </a:spcBef>
-            </a:pPr>
-            <a:r>
-              <a:rPr sz="4000" spc="-254" dirty="0">
-                <a:latin typeface="Trebuchet MS"/>
-                <a:cs typeface="Trebuchet MS"/>
-              </a:rPr>
-              <a:t>EBS,</a:t>
-            </a:r>
-            <a:r>
-              <a:rPr sz="4000" spc="-445" dirty="0">
-                <a:latin typeface="Trebuchet MS"/>
-                <a:cs typeface="Trebuchet MS"/>
-              </a:rPr>
-              <a:t> </a:t>
-            </a:r>
-            <a:r>
-              <a:rPr sz="4000" spc="-225" dirty="0">
-                <a:latin typeface="Trebuchet MS"/>
-                <a:cs typeface="Trebuchet MS"/>
-              </a:rPr>
-              <a:t>EFS</a:t>
-            </a:r>
-            <a:endParaRPr sz="4000">
-              <a:latin typeface="Trebuchet MS"/>
-              <a:cs typeface="Trebuchet MS"/>
-            </a:endParaRPr>
+              <a:rPr lang="en-US" spc="-235" dirty="0" err="1"/>
+              <a:t>Rekognition</a:t>
+            </a:r>
+            <a:endParaRPr spc="-290" dirty="0"/>
           </a:p>
         </p:txBody>
       </p:sp>
@@ -12091,7 +12026,7 @@
                 <a:latin typeface="UKIJ CJK"/>
                 <a:cs typeface="UKIJ CJK"/>
               </a:rPr>
-              <a:t>를 눌러서 저장 및 편집기 나가기</a:t>
+              <a:t>를 눌러서 저장 후 편집기 종료</a:t>
             </a:r>
             <a:endParaRPr lang="en-US" altLang="ko-KR" sz="2000" dirty="0">
               <a:latin typeface="UKIJ CJK"/>
@@ -12103,7 +12038,7 @@
     </p:spTree>
     <p:extLst>
       <p:ext uri="{BB962C8B-B14F-4D97-AF65-F5344CB8AC3E}">
-        <p14:creationId xmlns:p14="http://schemas.microsoft.com/office/powerpoint/2010/main" val="2168902580"/>
+        <p14:creationId xmlns:p14="http://schemas.microsoft.com/office/powerpoint/2010/main" val="3875967245"/>
       </p:ext>
     </p:extLst>
   </p:cSld>
@@ -12209,309 +12144,6 @@
             <a:fld id="{81D60167-4931-47E6-BA6A-407CBD079E47}" type="slidenum">
               <a:rPr dirty="0"/>
               <a:t>31</a:t>
-            </a:fld>
-            <a:endParaRPr dirty="0"/>
-          </a:p>
-        </p:txBody>
-      </p:sp>
-      <p:sp>
-        <p:nvSpPr>
-          <p:cNvPr id="3" name="TextBox 2">
-            <a:extLst>
-              <a:ext uri="{FF2B5EF4-FFF2-40B4-BE49-F238E27FC236}">
-                <a16:creationId xmlns:a16="http://schemas.microsoft.com/office/drawing/2014/main" id="{FCA84D2F-CEA3-4229-A914-5FE613CEEF77}"/>
-              </a:ext>
-            </a:extLst>
-          </p:cNvPr>
-          <p:cNvSpPr txBox="1"/>
-          <p:nvPr/>
-        </p:nvSpPr>
-        <p:spPr>
-          <a:xfrm>
-            <a:off x="533400" y="1295400"/>
-            <a:ext cx="4536114" cy="2585323"/>
-          </a:xfrm>
-          <a:prstGeom prst="rect">
-            <a:avLst/>
-          </a:prstGeom>
-          <a:noFill/>
-        </p:spPr>
-        <p:txBody>
-          <a:bodyPr wrap="none" rtlCol="0">
-            <a:spAutoFit/>
-          </a:bodyPr>
-          <a:lstStyle/>
-          <a:p>
-            <a:r>
-              <a:rPr lang="en-US" altLang="ko-KR" dirty="0"/>
-              <a:t>def main():</a:t>
-            </a:r>
-          </a:p>
-          <a:p>
-            <a:r>
-              <a:rPr lang="en-US" altLang="ko-KR" dirty="0"/>
-              <a:t>    photo='test.jpg'</a:t>
-            </a:r>
-          </a:p>
-          <a:p>
-            <a:endParaRPr lang="en-US" altLang="ko-KR" dirty="0"/>
-          </a:p>
-          <a:p>
-            <a:r>
-              <a:rPr lang="en-US" altLang="ko-KR" dirty="0"/>
-              <a:t>    </a:t>
-            </a:r>
-            <a:r>
-              <a:rPr lang="en-US" altLang="ko-KR" dirty="0" err="1"/>
-              <a:t>label_count</a:t>
-            </a:r>
-            <a:r>
-              <a:rPr lang="en-US" altLang="ko-KR" dirty="0"/>
-              <a:t>=</a:t>
-            </a:r>
-            <a:r>
-              <a:rPr lang="en-US" altLang="ko-KR" dirty="0" err="1"/>
-              <a:t>detect_labels_local_file</a:t>
-            </a:r>
-            <a:r>
-              <a:rPr lang="en-US" altLang="ko-KR" dirty="0"/>
-              <a:t>(photo)</a:t>
-            </a:r>
-          </a:p>
-          <a:p>
-            <a:r>
-              <a:rPr lang="en-US" altLang="ko-KR" dirty="0"/>
-              <a:t>    print("Labels detected: " + str(</a:t>
-            </a:r>
-            <a:r>
-              <a:rPr lang="en-US" altLang="ko-KR" dirty="0" err="1"/>
-              <a:t>label_count</a:t>
-            </a:r>
-            <a:r>
-              <a:rPr lang="en-US" altLang="ko-KR" dirty="0"/>
-              <a:t>))</a:t>
-            </a:r>
-          </a:p>
-          <a:p>
-            <a:endParaRPr lang="en-US" altLang="ko-KR" dirty="0"/>
-          </a:p>
-          <a:p>
-            <a:endParaRPr lang="en-US" altLang="ko-KR" dirty="0"/>
-          </a:p>
-          <a:p>
-            <a:r>
-              <a:rPr lang="en-US" altLang="ko-KR" dirty="0"/>
-              <a:t>if __name__ == "__main__":</a:t>
-            </a:r>
-          </a:p>
-          <a:p>
-            <a:r>
-              <a:rPr lang="en-US" altLang="ko-KR" dirty="0"/>
-              <a:t>    main()</a:t>
-            </a:r>
-            <a:endParaRPr lang="ko-KR" altLang="en-US" dirty="0"/>
-          </a:p>
-        </p:txBody>
-      </p:sp>
-      <p:sp>
-        <p:nvSpPr>
-          <p:cNvPr id="5" name="object 3">
-            <a:extLst>
-              <a:ext uri="{FF2B5EF4-FFF2-40B4-BE49-F238E27FC236}">
-                <a16:creationId xmlns:a16="http://schemas.microsoft.com/office/drawing/2014/main" id="{A401EC2B-521F-48FB-9566-90DAFC8FBC8A}"/>
-              </a:ext>
-            </a:extLst>
-          </p:cNvPr>
-          <p:cNvSpPr txBox="1"/>
-          <p:nvPr/>
-        </p:nvSpPr>
-        <p:spPr>
-          <a:xfrm>
-            <a:off x="468085" y="4431755"/>
-            <a:ext cx="7837715" cy="321242"/>
-          </a:xfrm>
-          <a:prstGeom prst="rect">
-            <a:avLst/>
-          </a:prstGeom>
-        </p:spPr>
-        <p:txBody>
-          <a:bodyPr vert="horz" wrap="square" lIns="0" tIns="13335" rIns="0" bIns="0" rtlCol="0">
-            <a:spAutoFit/>
-          </a:bodyPr>
-          <a:lstStyle/>
-          <a:p>
-            <a:pPr marL="241300" indent="-228600">
-              <a:lnSpc>
-                <a:spcPct val="100000"/>
-              </a:lnSpc>
-              <a:spcBef>
-                <a:spcPts val="105"/>
-              </a:spcBef>
-              <a:buFont typeface="Arial"/>
-              <a:buChar char="•"/>
-              <a:tabLst>
-                <a:tab pos="240665" algn="l"/>
-                <a:tab pos="241300" algn="l"/>
-              </a:tabLst>
-            </a:pPr>
-            <a:r>
-              <a:rPr lang="ko-KR" altLang="en-US" sz="2000" dirty="0">
-                <a:latin typeface="UKIJ CJK"/>
-                <a:cs typeface="UKIJ CJK"/>
-              </a:rPr>
-              <a:t>다 입력했다면 </a:t>
-            </a:r>
-            <a:r>
-              <a:rPr lang="en-US" altLang="ko-KR" sz="2000" dirty="0">
-                <a:latin typeface="UKIJ CJK"/>
-                <a:cs typeface="UKIJ CJK"/>
-              </a:rPr>
-              <a:t>:</a:t>
-            </a:r>
-            <a:r>
-              <a:rPr lang="en-US" altLang="ko-KR" sz="2000" dirty="0" err="1">
-                <a:latin typeface="UKIJ CJK"/>
-                <a:cs typeface="UKIJ CJK"/>
-              </a:rPr>
-              <a:t>wq</a:t>
-            </a:r>
-            <a:r>
-              <a:rPr lang="ko-KR" altLang="en-US" sz="2000" dirty="0">
-                <a:latin typeface="UKIJ CJK"/>
-                <a:cs typeface="UKIJ CJK"/>
-              </a:rPr>
-              <a:t>를 입력하고 </a:t>
-            </a:r>
-            <a:r>
-              <a:rPr lang="en-US" altLang="ko-KR" sz="2000" dirty="0">
-                <a:latin typeface="UKIJ CJK"/>
-                <a:cs typeface="UKIJ CJK"/>
-              </a:rPr>
-              <a:t>enter</a:t>
-            </a:r>
-            <a:r>
-              <a:rPr lang="ko-KR" altLang="en-US" sz="2000" dirty="0">
-                <a:latin typeface="UKIJ CJK"/>
-                <a:cs typeface="UKIJ CJK"/>
-              </a:rPr>
-              <a:t>를 눌러서 저장 및 편집기 나가기</a:t>
-            </a:r>
-            <a:endParaRPr lang="en-US" altLang="ko-KR" sz="2000" dirty="0">
-              <a:latin typeface="UKIJ CJK"/>
-              <a:cs typeface="UKIJ CJK"/>
-            </a:endParaRPr>
-          </a:p>
-        </p:txBody>
-      </p:sp>
-    </p:spTree>
-    <p:extLst>
-      <p:ext uri="{BB962C8B-B14F-4D97-AF65-F5344CB8AC3E}">
-        <p14:creationId xmlns:p14="http://schemas.microsoft.com/office/powerpoint/2010/main" val="3875967245"/>
-      </p:ext>
-    </p:extLst>
-  </p:cSld>
-  <p:clrMapOvr>
-    <a:masterClrMapping/>
-  </p:clrMapOvr>
-</p:sld>
-</file>
-
-<file path=ppt/slides/slide32.xml><?xml version="1.0" encoding="utf-8"?>
-<p:sld xmlns:a="http://schemas.openxmlformats.org/drawingml/2006/main" xmlns:r="http://schemas.openxmlformats.org/officeDocument/2006/relationships" xmlns:p="http://schemas.openxmlformats.org/presentationml/2006/main">
-  <p:cSld>
-    <p:spTree>
-      <p:nvGrpSpPr>
-        <p:cNvPr id="1" name=""/>
-        <p:cNvGrpSpPr/>
-        <p:nvPr/>
-      </p:nvGrpSpPr>
-      <p:grpSpPr>
-        <a:xfrm>
-          <a:off x="0" y="0"/>
-          <a:ext cx="0" cy="0"/>
-          <a:chOff x="0" y="0"/>
-          <a:chExt cx="0" cy="0"/>
-        </a:xfrm>
-      </p:grpSpPr>
-      <p:sp>
-        <p:nvSpPr>
-          <p:cNvPr id="2" name="object 2"/>
-          <p:cNvSpPr txBox="1"/>
-          <p:nvPr/>
-        </p:nvSpPr>
-        <p:spPr>
-          <a:xfrm>
-            <a:off x="474370" y="177546"/>
-            <a:ext cx="8364830" cy="566822"/>
-          </a:xfrm>
-          <a:prstGeom prst="rect">
-            <a:avLst/>
-          </a:prstGeom>
-        </p:spPr>
-        <p:txBody>
-          <a:bodyPr vert="horz" wrap="square" lIns="0" tIns="12700" rIns="0" bIns="0" rtlCol="0">
-            <a:spAutoFit/>
-          </a:bodyPr>
-          <a:lstStyle/>
-          <a:p>
-            <a:pPr marL="12700">
-              <a:lnSpc>
-                <a:spcPct val="100000"/>
-              </a:lnSpc>
-              <a:spcBef>
-                <a:spcPts val="100"/>
-              </a:spcBef>
-            </a:pPr>
-            <a:r>
-              <a:rPr lang="en-US" sz="3600" b="1" spc="-185" dirty="0" err="1">
-                <a:latin typeface="Trebuchet MS"/>
-                <a:cs typeface="UnDinaru"/>
-              </a:rPr>
-              <a:t>Rekognition</a:t>
-            </a:r>
-            <a:r>
-              <a:rPr lang="ko-KR" altLang="en-US" sz="3600" b="1" spc="-185" dirty="0">
-                <a:latin typeface="Trebuchet MS"/>
-                <a:cs typeface="UnDinaru"/>
-              </a:rPr>
-              <a:t>을 이용한 사진 분석</a:t>
-            </a:r>
-            <a:endParaRPr sz="3600" b="1" dirty="0">
-              <a:latin typeface="UnDinaru"/>
-              <a:cs typeface="UnDinaru"/>
-            </a:endParaRPr>
-          </a:p>
-        </p:txBody>
-      </p:sp>
-      <p:sp>
-        <p:nvSpPr>
-          <p:cNvPr id="7" name="object 7"/>
-          <p:cNvSpPr txBox="1">
-            <a:spLocks noGrp="1"/>
-          </p:cNvSpPr>
-          <p:nvPr>
-            <p:ph type="sldNum" sz="quarter" idx="7"/>
-          </p:nvPr>
-        </p:nvSpPr>
-        <p:spPr>
-          <a:prstGeom prst="rect">
-            <a:avLst/>
-          </a:prstGeom>
-        </p:spPr>
-        <p:txBody>
-          <a:bodyPr vert="horz" wrap="square" lIns="0" tIns="0" rIns="0" bIns="0" rtlCol="0">
-            <a:spAutoFit/>
-          </a:bodyPr>
-          <a:lstStyle/>
-          <a:p>
-            <a:pPr marL="38100">
-              <a:lnSpc>
-                <a:spcPts val="1240"/>
-              </a:lnSpc>
-            </a:pPr>
-            <a:fld id="{81D60167-4931-47E6-BA6A-407CBD079E47}" type="slidenum">
-              <a:rPr dirty="0"/>
-              <a:t>32</a:t>
             </a:fld>
             <a:endParaRPr dirty="0"/>
           </a:p>
@@ -12613,7 +12245,7 @@
 </p:sld>
 </file>
 
-<file path=ppt/slides/slide33.xml><?xml version="1.0" encoding="utf-8"?>
+<file path=ppt/slides/slide32.xml><?xml version="1.0" encoding="utf-8"?>
 <p:sld xmlns:a="http://schemas.openxmlformats.org/drawingml/2006/main" xmlns:r="http://schemas.openxmlformats.org/officeDocument/2006/relationships" xmlns:p="http://schemas.openxmlformats.org/presentationml/2006/main">
   <p:cSld>
     <p:spTree>
@@ -12708,7 +12340,7 @@
             </a:pPr>
             <a:fld id="{81D60167-4931-47E6-BA6A-407CBD079E47}" type="slidenum">
               <a:rPr dirty="0"/>
-              <a:t>33</a:t>
+              <a:t>32</a:t>
             </a:fld>
             <a:endParaRPr dirty="0"/>
           </a:p>
@@ -13528,7 +13160,7 @@
                         </a:rPr>
                         <a:t>.</a:t>
                       </a:r>
-                      <a:endParaRPr sz="1600">
+                      <a:endParaRPr sz="1600" dirty="0">
                         <a:latin typeface="Carlito"/>
                         <a:cs typeface="Carlito"/>
                       </a:endParaRPr>
@@ -15083,7 +14715,7 @@
                           <a:spcPts val="30"/>
                         </a:spcBef>
                       </a:pPr>
-                      <a:endParaRPr sz="1750">
+                      <a:endParaRPr sz="1750" dirty="0">
                         <a:latin typeface="Times New Roman"/>
                         <a:cs typeface="Times New Roman"/>
                       </a:endParaRPr>
@@ -15126,7 +14758,7 @@
                         </a:rPr>
                         <a:t> Backup</a:t>
                       </a:r>
-                      <a:endParaRPr sz="1600">
+                      <a:endParaRPr sz="1600" dirty="0">
                         <a:latin typeface="Carlito"/>
                         <a:cs typeface="Carlito"/>
                       </a:endParaRPr>

--- a/ppt/AWS Rekognition Slide.pptx
+++ b/ppt/AWS Rekognition Slide.pptx
@@ -35,6 +35,35 @@
     <p:sldId id="319" r:id="rId29"/>
     <p:sldId id="321" r:id="rId30"/>
     <p:sldId id="320" r:id="rId31"/>
+    <p:sldId id="336" r:id="rId32"/>
+    <p:sldId id="328" r:id="rId33"/>
+    <p:sldId id="329" r:id="rId34"/>
+    <p:sldId id="318" r:id="rId35"/>
+    <p:sldId id="330" r:id="rId36"/>
+    <p:sldId id="331" r:id="rId37"/>
+    <p:sldId id="332" r:id="rId38"/>
+    <p:sldId id="333" r:id="rId39"/>
+    <p:sldId id="334" r:id="rId40"/>
+    <p:sldId id="337" r:id="rId41"/>
+    <p:sldId id="338" r:id="rId42"/>
+    <p:sldId id="339" r:id="rId43"/>
+    <p:sldId id="341" r:id="rId44"/>
+    <p:sldId id="342" r:id="rId45"/>
+    <p:sldId id="343" r:id="rId46"/>
+    <p:sldId id="340" r:id="rId47"/>
+    <p:sldId id="344" r:id="rId48"/>
+    <p:sldId id="345" r:id="rId49"/>
+    <p:sldId id="346" r:id="rId50"/>
+    <p:sldId id="347" r:id="rId51"/>
+    <p:sldId id="348" r:id="rId52"/>
+    <p:sldId id="349" r:id="rId53"/>
+    <p:sldId id="350" r:id="rId54"/>
+    <p:sldId id="351" r:id="rId55"/>
+    <p:sldId id="355" r:id="rId56"/>
+    <p:sldId id="352" r:id="rId57"/>
+    <p:sldId id="353" r:id="rId58"/>
+    <p:sldId id="354" r:id="rId59"/>
+    <p:sldId id="335" r:id="rId60"/>
   </p:sldIdLst>
   <p:sldSz cx="9144000" cy="6858000" type="screen4x3"/>
   <p:notesSz cx="9144000" cy="6858000"/>
@@ -295,7 +324,7 @@
           <a:p>
             <a:fld id="{1D8BD707-D9CF-40AE-B4C6-C98DA3205C09}" type="datetimeFigureOut">
               <a:rPr lang="en-US"/>
-              <a:t>1/19/2020</a:t>
+              <a:t>1/21/2020</a:t>
             </a:fld>
             <a:endParaRPr lang="en-US"/>
           </a:p>
@@ -476,7 +505,7 @@
           <a:p>
             <a:fld id="{1D8BD707-D9CF-40AE-B4C6-C98DA3205C09}" type="datetimeFigureOut">
               <a:rPr lang="en-US"/>
-              <a:t>1/19/2020</a:t>
+              <a:t>1/21/2020</a:t>
             </a:fld>
             <a:endParaRPr lang="en-US"/>
           </a:p>
@@ -696,7 +725,7 @@
           <a:p>
             <a:fld id="{1D8BD707-D9CF-40AE-B4C6-C98DA3205C09}" type="datetimeFigureOut">
               <a:rPr lang="en-US"/>
-              <a:t>1/19/2020</a:t>
+              <a:t>1/21/2020</a:t>
             </a:fld>
             <a:endParaRPr lang="en-US"/>
           </a:p>
@@ -850,7 +879,7 @@
           <a:p>
             <a:fld id="{1D8BD707-D9CF-40AE-B4C6-C98DA3205C09}" type="datetimeFigureOut">
               <a:rPr lang="en-US"/>
-              <a:t>1/19/2020</a:t>
+              <a:t>1/21/2020</a:t>
             </a:fld>
             <a:endParaRPr lang="en-US"/>
           </a:p>
@@ -975,7 +1004,7 @@
           <a:p>
             <a:fld id="{1D8BD707-D9CF-40AE-B4C6-C98DA3205C09}" type="datetimeFigureOut">
               <a:rPr lang="en-US"/>
-              <a:t>1/19/2020</a:t>
+              <a:t>1/21/2020</a:t>
             </a:fld>
             <a:endParaRPr lang="en-US"/>
           </a:p>
@@ -1283,7 +1312,7 @@
           <a:p>
             <a:fld id="{1D8BD707-D9CF-40AE-B4C6-C98DA3205C09}" type="datetimeFigureOut">
               <a:rPr lang="en-US"/>
-              <a:t>1/19/2020</a:t>
+              <a:t>1/21/2020</a:t>
             </a:fld>
             <a:endParaRPr lang="en-US"/>
           </a:p>
@@ -2427,7 +2456,7 @@
         <p:spPr>
           <a:xfrm>
             <a:off x="474370" y="916431"/>
-            <a:ext cx="6534150" cy="2933495"/>
+            <a:ext cx="6534150" cy="3520836"/>
           </a:xfrm>
           <a:prstGeom prst="rect">
             <a:avLst/>
@@ -2636,6 +2665,53 @@
                 <a:cs typeface="UKIJ CJK"/>
               </a:rPr>
               <a:t>Amazon </a:t>
+            </a:r>
+            <a:r>
+              <a:rPr lang="en-US" altLang="ko-KR" sz="2400" dirty="0" err="1">
+                <a:latin typeface="UKIJ CJK"/>
+                <a:cs typeface="UKIJ CJK"/>
+              </a:rPr>
+              <a:t>Rekognition</a:t>
+            </a:r>
+            <a:r>
+              <a:rPr lang="ko-KR" altLang="en-US" sz="2400" dirty="0">
+                <a:latin typeface="UKIJ CJK"/>
+                <a:cs typeface="UKIJ CJK"/>
+              </a:rPr>
+              <a:t>을 이용한 사진 분석</a:t>
+            </a:r>
+            <a:endParaRPr lang="en-US" altLang="ko-KR" sz="2400" dirty="0">
+              <a:latin typeface="UKIJ CJK"/>
+              <a:cs typeface="UKIJ CJK"/>
+            </a:endParaRPr>
+          </a:p>
+          <a:p>
+            <a:pPr marL="241300" indent="-228600">
+              <a:lnSpc>
+                <a:spcPct val="100000"/>
+              </a:lnSpc>
+              <a:spcBef>
+                <a:spcPts val="1675"/>
+              </a:spcBef>
+              <a:buFont typeface="Arial"/>
+              <a:buChar char="•"/>
+              <a:tabLst>
+                <a:tab pos="241300" algn="l"/>
+              </a:tabLst>
+            </a:pPr>
+            <a:r>
+              <a:rPr lang="en-US" altLang="ko-KR" sz="2400" dirty="0">
+                <a:latin typeface="UKIJ CJK"/>
+                <a:cs typeface="UKIJ CJK"/>
+              </a:rPr>
+              <a:t>Lambda</a:t>
+            </a:r>
+            <a:r>
+              <a:rPr lang="ko-KR" altLang="en-US" sz="2400" dirty="0">
+                <a:latin typeface="UKIJ CJK"/>
+                <a:cs typeface="UKIJ CJK"/>
+              </a:rPr>
+              <a:t>와 </a:t>
             </a:r>
             <a:r>
               <a:rPr lang="en-US" altLang="ko-KR" sz="2400" dirty="0" err="1">
@@ -4459,7 +4535,7 @@
         </p:nvSpPr>
         <p:spPr>
           <a:xfrm>
-            <a:off x="3659171" y="3429000"/>
+            <a:off x="3581400" y="3445382"/>
             <a:ext cx="3976025" cy="1200329"/>
           </a:xfrm>
           <a:prstGeom prst="rect">
@@ -9638,6 +9714,2638 @@
     <p:extLst>
       <p:ext uri="{BB962C8B-B14F-4D97-AF65-F5344CB8AC3E}">
         <p14:creationId xmlns:p14="http://schemas.microsoft.com/office/powerpoint/2010/main" val="2274756926"/>
+      </p:ext>
+    </p:extLst>
+  </p:cSld>
+  <p:clrMapOvr>
+    <a:masterClrMapping/>
+  </p:clrMapOvr>
+</p:sld>
+</file>
+
+<file path=ppt/slides/slide31.xml><?xml version="1.0" encoding="utf-8"?>
+<p:sld xmlns:a="http://schemas.openxmlformats.org/drawingml/2006/main" xmlns:r="http://schemas.openxmlformats.org/officeDocument/2006/relationships" xmlns:p="http://schemas.openxmlformats.org/presentationml/2006/main">
+  <p:cSld>
+    <p:spTree>
+      <p:nvGrpSpPr>
+        <p:cNvPr id="1" name=""/>
+        <p:cNvGrpSpPr/>
+        <p:nvPr/>
+      </p:nvGrpSpPr>
+      <p:grpSpPr>
+        <a:xfrm>
+          <a:off x="0" y="0"/>
+          <a:ext cx="0" cy="0"/>
+          <a:chOff x="0" y="0"/>
+          <a:chExt cx="0" cy="0"/>
+        </a:xfrm>
+      </p:grpSpPr>
+      <p:sp>
+        <p:nvSpPr>
+          <p:cNvPr id="2" name="object 2"/>
+          <p:cNvSpPr txBox="1"/>
+          <p:nvPr/>
+        </p:nvSpPr>
+        <p:spPr>
+          <a:xfrm>
+            <a:off x="702665" y="3541598"/>
+            <a:ext cx="6993535" cy="936154"/>
+          </a:xfrm>
+          <a:prstGeom prst="rect">
+            <a:avLst/>
+          </a:prstGeom>
+        </p:spPr>
+        <p:txBody>
+          <a:bodyPr vert="horz" wrap="square" lIns="0" tIns="12700" rIns="0" bIns="0" rtlCol="0">
+            <a:spAutoFit/>
+          </a:bodyPr>
+          <a:lstStyle/>
+          <a:p>
+            <a:pPr marL="12700">
+              <a:lnSpc>
+                <a:spcPct val="100000"/>
+              </a:lnSpc>
+              <a:spcBef>
+                <a:spcPts val="100"/>
+              </a:spcBef>
+            </a:pPr>
+            <a:r>
+              <a:rPr lang="en-US" sz="6000" spc="-254" dirty="0">
+                <a:latin typeface="Trebuchet MS"/>
+                <a:cs typeface="Trebuchet MS"/>
+              </a:rPr>
+              <a:t>Lambda + </a:t>
+            </a:r>
+            <a:r>
+              <a:rPr lang="en-US" sz="6000" spc="-254" dirty="0" err="1">
+                <a:latin typeface="Trebuchet MS"/>
+                <a:cs typeface="Trebuchet MS"/>
+              </a:rPr>
+              <a:t>Rekognition</a:t>
+            </a:r>
+            <a:endParaRPr sz="6000" dirty="0">
+              <a:latin typeface="Trebuchet MS"/>
+              <a:cs typeface="Trebuchet MS"/>
+            </a:endParaRPr>
+          </a:p>
+        </p:txBody>
+      </p:sp>
+      <p:sp>
+        <p:nvSpPr>
+          <p:cNvPr id="3" name="object 3"/>
+          <p:cNvSpPr txBox="1">
+            <a:spLocks noGrp="1"/>
+          </p:cNvSpPr>
+          <p:nvPr>
+            <p:ph type="sldNum" sz="quarter" idx="7"/>
+          </p:nvPr>
+        </p:nvSpPr>
+        <p:spPr>
+          <a:prstGeom prst="rect">
+            <a:avLst/>
+          </a:prstGeom>
+        </p:spPr>
+        <p:txBody>
+          <a:bodyPr vert="horz" wrap="square" lIns="0" tIns="0" rIns="0" bIns="0" rtlCol="0">
+            <a:spAutoFit/>
+          </a:bodyPr>
+          <a:lstStyle/>
+          <a:p>
+            <a:pPr marL="38100">
+              <a:lnSpc>
+                <a:spcPts val="1240"/>
+              </a:lnSpc>
+            </a:pPr>
+            <a:fld id="{81D60167-4931-47E6-BA6A-407CBD079E47}" type="slidenum">
+              <a:rPr dirty="0"/>
+              <a:t>31</a:t>
+            </a:fld>
+            <a:endParaRPr dirty="0"/>
+          </a:p>
+        </p:txBody>
+      </p:sp>
+    </p:spTree>
+    <p:extLst>
+      <p:ext uri="{BB962C8B-B14F-4D97-AF65-F5344CB8AC3E}">
+        <p14:creationId xmlns:p14="http://schemas.microsoft.com/office/powerpoint/2010/main" val="3407456777"/>
+      </p:ext>
+    </p:extLst>
+  </p:cSld>
+  <p:clrMapOvr>
+    <a:masterClrMapping/>
+  </p:clrMapOvr>
+</p:sld>
+</file>
+
+<file path=ppt/slides/slide32.xml><?xml version="1.0" encoding="utf-8"?>
+<p:sld xmlns:a="http://schemas.openxmlformats.org/drawingml/2006/main" xmlns:r="http://schemas.openxmlformats.org/officeDocument/2006/relationships" xmlns:p="http://schemas.openxmlformats.org/presentationml/2006/main">
+  <p:cSld>
+    <p:spTree>
+      <p:nvGrpSpPr>
+        <p:cNvPr id="1" name=""/>
+        <p:cNvGrpSpPr/>
+        <p:nvPr/>
+      </p:nvGrpSpPr>
+      <p:grpSpPr>
+        <a:xfrm>
+          <a:off x="0" y="0"/>
+          <a:ext cx="0" cy="0"/>
+          <a:chOff x="0" y="0"/>
+          <a:chExt cx="0" cy="0"/>
+        </a:xfrm>
+      </p:grpSpPr>
+      <p:sp>
+        <p:nvSpPr>
+          <p:cNvPr id="2" name="object 2"/>
+          <p:cNvSpPr txBox="1"/>
+          <p:nvPr/>
+        </p:nvSpPr>
+        <p:spPr>
+          <a:xfrm>
+            <a:off x="474370" y="177546"/>
+            <a:ext cx="8364830" cy="566822"/>
+          </a:xfrm>
+          <a:prstGeom prst="rect">
+            <a:avLst/>
+          </a:prstGeom>
+        </p:spPr>
+        <p:txBody>
+          <a:bodyPr vert="horz" wrap="square" lIns="0" tIns="12700" rIns="0" bIns="0" rtlCol="0">
+            <a:spAutoFit/>
+          </a:bodyPr>
+          <a:lstStyle/>
+          <a:p>
+            <a:pPr marL="12700">
+              <a:lnSpc>
+                <a:spcPct val="100000"/>
+              </a:lnSpc>
+              <a:spcBef>
+                <a:spcPts val="100"/>
+              </a:spcBef>
+            </a:pPr>
+            <a:r>
+              <a:rPr lang="en-US" sz="3600" b="1" spc="-185" dirty="0">
+                <a:latin typeface="Trebuchet MS"/>
+                <a:cs typeface="UnDinaru"/>
+              </a:rPr>
+              <a:t>AWS Lambda </a:t>
+            </a:r>
+            <a:r>
+              <a:rPr lang="ko-KR" altLang="en-US" sz="3600" b="1" spc="-185" dirty="0">
+                <a:latin typeface="Trebuchet MS"/>
+                <a:cs typeface="UnDinaru"/>
+              </a:rPr>
+              <a:t>함수 생성</a:t>
+            </a:r>
+            <a:endParaRPr sz="3600" b="1" dirty="0">
+              <a:latin typeface="UnDinaru"/>
+              <a:cs typeface="UnDinaru"/>
+            </a:endParaRPr>
+          </a:p>
+        </p:txBody>
+      </p:sp>
+      <p:sp>
+        <p:nvSpPr>
+          <p:cNvPr id="7" name="object 7"/>
+          <p:cNvSpPr txBox="1">
+            <a:spLocks noGrp="1"/>
+          </p:cNvSpPr>
+          <p:nvPr>
+            <p:ph type="sldNum" sz="quarter" idx="7"/>
+          </p:nvPr>
+        </p:nvSpPr>
+        <p:spPr>
+          <a:prstGeom prst="rect">
+            <a:avLst/>
+          </a:prstGeom>
+        </p:spPr>
+        <p:txBody>
+          <a:bodyPr vert="horz" wrap="square" lIns="0" tIns="0" rIns="0" bIns="0" rtlCol="0">
+            <a:spAutoFit/>
+          </a:bodyPr>
+          <a:lstStyle/>
+          <a:p>
+            <a:pPr marL="38100">
+              <a:lnSpc>
+                <a:spcPts val="1240"/>
+              </a:lnSpc>
+            </a:pPr>
+            <a:fld id="{81D60167-4931-47E6-BA6A-407CBD079E47}" type="slidenum">
+              <a:rPr dirty="0"/>
+              <a:t>32</a:t>
+            </a:fld>
+            <a:endParaRPr dirty="0"/>
+          </a:p>
+        </p:txBody>
+      </p:sp>
+      <p:pic>
+        <p:nvPicPr>
+          <p:cNvPr id="3" name="그림 2">
+            <a:extLst>
+              <a:ext uri="{FF2B5EF4-FFF2-40B4-BE49-F238E27FC236}">
+                <a16:creationId xmlns:a16="http://schemas.microsoft.com/office/drawing/2014/main" id="{9ACD552B-DAE5-4D12-A782-51DB2C7F01B6}"/>
+              </a:ext>
+            </a:extLst>
+          </p:cNvPr>
+          <p:cNvPicPr>
+            <a:picLocks noChangeAspect="1"/>
+          </p:cNvPicPr>
+          <p:nvPr/>
+        </p:nvPicPr>
+        <p:blipFill>
+          <a:blip r:embed="rId2"/>
+          <a:stretch>
+            <a:fillRect/>
+          </a:stretch>
+        </p:blipFill>
+        <p:spPr>
+          <a:xfrm>
+            <a:off x="-76200" y="1295400"/>
+            <a:ext cx="9144000" cy="1175232"/>
+          </a:xfrm>
+          <a:prstGeom prst="rect">
+            <a:avLst/>
+          </a:prstGeom>
+        </p:spPr>
+      </p:pic>
+      <p:sp>
+        <p:nvSpPr>
+          <p:cNvPr id="9" name="액자 8">
+            <a:extLst>
+              <a:ext uri="{FF2B5EF4-FFF2-40B4-BE49-F238E27FC236}">
+                <a16:creationId xmlns:a16="http://schemas.microsoft.com/office/drawing/2014/main" id="{96871174-84DB-4DFE-982F-4F858B664BED}"/>
+              </a:ext>
+            </a:extLst>
+          </p:cNvPr>
+          <p:cNvSpPr/>
+          <p:nvPr/>
+        </p:nvSpPr>
+        <p:spPr>
+          <a:xfrm>
+            <a:off x="8077200" y="1676400"/>
+            <a:ext cx="990600" cy="228600"/>
+          </a:xfrm>
+          <a:prstGeom prst="frame">
+            <a:avLst>
+              <a:gd name="adj1" fmla="val 0"/>
+            </a:avLst>
+          </a:prstGeom>
+          <a:solidFill>
+            <a:srgbClr val="FF0000"/>
+          </a:solidFill>
+          <a:ln>
+            <a:solidFill>
+              <a:srgbClr val="FF0000"/>
+            </a:solidFill>
+          </a:ln>
+        </p:spPr>
+        <p:style>
+          <a:lnRef idx="2">
+            <a:schemeClr val="accent1">
+              <a:shade val="50000"/>
+            </a:schemeClr>
+          </a:lnRef>
+          <a:fillRef idx="1">
+            <a:schemeClr val="accent1"/>
+          </a:fillRef>
+          <a:effectRef idx="0">
+            <a:schemeClr val="accent1"/>
+          </a:effectRef>
+          <a:fontRef idx="minor">
+            <a:schemeClr val="lt1"/>
+          </a:fontRef>
+        </p:style>
+        <p:txBody>
+          <a:bodyPr rtlCol="0" anchor="ctr"/>
+          <a:lstStyle/>
+          <a:p>
+            <a:pPr algn="ctr"/>
+            <a:endParaRPr lang="ko-KR" altLang="en-US">
+              <a:solidFill>
+                <a:schemeClr val="tx1"/>
+              </a:solidFill>
+            </a:endParaRPr>
+          </a:p>
+        </p:txBody>
+      </p:sp>
+      <p:pic>
+        <p:nvPicPr>
+          <p:cNvPr id="11" name="그림 10">
+            <a:extLst>
+              <a:ext uri="{FF2B5EF4-FFF2-40B4-BE49-F238E27FC236}">
+                <a16:creationId xmlns:a16="http://schemas.microsoft.com/office/drawing/2014/main" id="{924E3D43-88B0-4CD2-894C-448D57336526}"/>
+              </a:ext>
+            </a:extLst>
+          </p:cNvPr>
+          <p:cNvPicPr>
+            <a:picLocks noChangeAspect="1"/>
+          </p:cNvPicPr>
+          <p:nvPr/>
+        </p:nvPicPr>
+        <p:blipFill>
+          <a:blip r:embed="rId3"/>
+          <a:stretch>
+            <a:fillRect/>
+          </a:stretch>
+        </p:blipFill>
+        <p:spPr>
+          <a:xfrm>
+            <a:off x="385292" y="2675188"/>
+            <a:ext cx="8221015" cy="3859520"/>
+          </a:xfrm>
+          <a:prstGeom prst="rect">
+            <a:avLst/>
+          </a:prstGeom>
+        </p:spPr>
+      </p:pic>
+      <p:sp>
+        <p:nvSpPr>
+          <p:cNvPr id="12" name="액자 11">
+            <a:extLst>
+              <a:ext uri="{FF2B5EF4-FFF2-40B4-BE49-F238E27FC236}">
+                <a16:creationId xmlns:a16="http://schemas.microsoft.com/office/drawing/2014/main" id="{98D961E6-BF30-4E23-BBAD-218D70BBC95A}"/>
+              </a:ext>
+            </a:extLst>
+          </p:cNvPr>
+          <p:cNvSpPr/>
+          <p:nvPr/>
+        </p:nvSpPr>
+        <p:spPr>
+          <a:xfrm>
+            <a:off x="7734934" y="6348660"/>
+            <a:ext cx="990600" cy="228600"/>
+          </a:xfrm>
+          <a:prstGeom prst="frame">
+            <a:avLst>
+              <a:gd name="adj1" fmla="val 0"/>
+            </a:avLst>
+          </a:prstGeom>
+          <a:solidFill>
+            <a:srgbClr val="FF0000"/>
+          </a:solidFill>
+          <a:ln>
+            <a:solidFill>
+              <a:srgbClr val="FF0000"/>
+            </a:solidFill>
+          </a:ln>
+        </p:spPr>
+        <p:style>
+          <a:lnRef idx="2">
+            <a:schemeClr val="accent1">
+              <a:shade val="50000"/>
+            </a:schemeClr>
+          </a:lnRef>
+          <a:fillRef idx="1">
+            <a:schemeClr val="accent1"/>
+          </a:fillRef>
+          <a:effectRef idx="0">
+            <a:schemeClr val="accent1"/>
+          </a:effectRef>
+          <a:fontRef idx="minor">
+            <a:schemeClr val="lt1"/>
+          </a:fontRef>
+        </p:style>
+        <p:txBody>
+          <a:bodyPr rtlCol="0" anchor="ctr"/>
+          <a:lstStyle/>
+          <a:p>
+            <a:pPr algn="ctr"/>
+            <a:endParaRPr lang="ko-KR" altLang="en-US">
+              <a:solidFill>
+                <a:schemeClr val="tx1"/>
+              </a:solidFill>
+            </a:endParaRPr>
+          </a:p>
+        </p:txBody>
+      </p:sp>
+      <p:sp>
+        <p:nvSpPr>
+          <p:cNvPr id="13" name="액자 12">
+            <a:extLst>
+              <a:ext uri="{FF2B5EF4-FFF2-40B4-BE49-F238E27FC236}">
+                <a16:creationId xmlns:a16="http://schemas.microsoft.com/office/drawing/2014/main" id="{2D660E06-C30F-49C3-80C5-F944D2D54F9F}"/>
+              </a:ext>
+            </a:extLst>
+          </p:cNvPr>
+          <p:cNvSpPr/>
+          <p:nvPr/>
+        </p:nvSpPr>
+        <p:spPr>
+          <a:xfrm>
+            <a:off x="474370" y="4800600"/>
+            <a:ext cx="990600" cy="228600"/>
+          </a:xfrm>
+          <a:prstGeom prst="frame">
+            <a:avLst>
+              <a:gd name="adj1" fmla="val 0"/>
+            </a:avLst>
+          </a:prstGeom>
+          <a:solidFill>
+            <a:srgbClr val="FF0000"/>
+          </a:solidFill>
+          <a:ln>
+            <a:solidFill>
+              <a:srgbClr val="FF0000"/>
+            </a:solidFill>
+          </a:ln>
+        </p:spPr>
+        <p:style>
+          <a:lnRef idx="2">
+            <a:schemeClr val="accent1">
+              <a:shade val="50000"/>
+            </a:schemeClr>
+          </a:lnRef>
+          <a:fillRef idx="1">
+            <a:schemeClr val="accent1"/>
+          </a:fillRef>
+          <a:effectRef idx="0">
+            <a:schemeClr val="accent1"/>
+          </a:effectRef>
+          <a:fontRef idx="minor">
+            <a:schemeClr val="lt1"/>
+          </a:fontRef>
+        </p:style>
+        <p:txBody>
+          <a:bodyPr rtlCol="0" anchor="ctr"/>
+          <a:lstStyle/>
+          <a:p>
+            <a:pPr algn="ctr"/>
+            <a:endParaRPr lang="ko-KR" altLang="en-US">
+              <a:solidFill>
+                <a:schemeClr val="tx1"/>
+              </a:solidFill>
+            </a:endParaRPr>
+          </a:p>
+        </p:txBody>
+      </p:sp>
+      <p:sp>
+        <p:nvSpPr>
+          <p:cNvPr id="14" name="액자 13">
+            <a:extLst>
+              <a:ext uri="{FF2B5EF4-FFF2-40B4-BE49-F238E27FC236}">
+                <a16:creationId xmlns:a16="http://schemas.microsoft.com/office/drawing/2014/main" id="{EA4ACDCA-39EA-42C2-BC3D-5C84B5666895}"/>
+              </a:ext>
+            </a:extLst>
+          </p:cNvPr>
+          <p:cNvSpPr/>
+          <p:nvPr/>
+        </p:nvSpPr>
+        <p:spPr>
+          <a:xfrm>
+            <a:off x="474370" y="5334000"/>
+            <a:ext cx="990600" cy="228600"/>
+          </a:xfrm>
+          <a:prstGeom prst="frame">
+            <a:avLst>
+              <a:gd name="adj1" fmla="val 0"/>
+            </a:avLst>
+          </a:prstGeom>
+          <a:solidFill>
+            <a:srgbClr val="FF0000"/>
+          </a:solidFill>
+          <a:ln>
+            <a:solidFill>
+              <a:srgbClr val="FF0000"/>
+            </a:solidFill>
+          </a:ln>
+        </p:spPr>
+        <p:style>
+          <a:lnRef idx="2">
+            <a:schemeClr val="accent1">
+              <a:shade val="50000"/>
+            </a:schemeClr>
+          </a:lnRef>
+          <a:fillRef idx="1">
+            <a:schemeClr val="accent1"/>
+          </a:fillRef>
+          <a:effectRef idx="0">
+            <a:schemeClr val="accent1"/>
+          </a:effectRef>
+          <a:fontRef idx="minor">
+            <a:schemeClr val="lt1"/>
+          </a:fontRef>
+        </p:style>
+        <p:txBody>
+          <a:bodyPr rtlCol="0" anchor="ctr"/>
+          <a:lstStyle/>
+          <a:p>
+            <a:pPr algn="ctr"/>
+            <a:endParaRPr lang="ko-KR" altLang="en-US">
+              <a:solidFill>
+                <a:schemeClr val="tx1"/>
+              </a:solidFill>
+            </a:endParaRPr>
+          </a:p>
+        </p:txBody>
+      </p:sp>
+      <p:sp>
+        <p:nvSpPr>
+          <p:cNvPr id="15" name="TextBox 14">
+            <a:extLst>
+              <a:ext uri="{FF2B5EF4-FFF2-40B4-BE49-F238E27FC236}">
+                <a16:creationId xmlns:a16="http://schemas.microsoft.com/office/drawing/2014/main" id="{CEE0B34F-65D9-4404-BDF9-6255CD406D57}"/>
+              </a:ext>
+            </a:extLst>
+          </p:cNvPr>
+          <p:cNvSpPr txBox="1"/>
+          <p:nvPr/>
+        </p:nvSpPr>
+        <p:spPr>
+          <a:xfrm>
+            <a:off x="1828800" y="5334000"/>
+            <a:ext cx="2133600" cy="369332"/>
+          </a:xfrm>
+          <a:prstGeom prst="rect">
+            <a:avLst/>
+          </a:prstGeom>
+          <a:noFill/>
+        </p:spPr>
+        <p:txBody>
+          <a:bodyPr wrap="square" rtlCol="0">
+            <a:spAutoFit/>
+          </a:bodyPr>
+          <a:lstStyle/>
+          <a:p>
+            <a:r>
+              <a:rPr lang="en-US" altLang="ko-KR" dirty="0"/>
+              <a:t>Python 3.6</a:t>
+            </a:r>
+            <a:r>
+              <a:rPr lang="ko-KR" altLang="en-US" dirty="0"/>
+              <a:t>버전</a:t>
+            </a:r>
+          </a:p>
+        </p:txBody>
+      </p:sp>
+    </p:spTree>
+    <p:extLst>
+      <p:ext uri="{BB962C8B-B14F-4D97-AF65-F5344CB8AC3E}">
+        <p14:creationId xmlns:p14="http://schemas.microsoft.com/office/powerpoint/2010/main" val="1219032658"/>
+      </p:ext>
+    </p:extLst>
+  </p:cSld>
+  <p:clrMapOvr>
+    <a:masterClrMapping/>
+  </p:clrMapOvr>
+</p:sld>
+</file>
+
+<file path=ppt/slides/slide33.xml><?xml version="1.0" encoding="utf-8"?>
+<p:sld xmlns:a="http://schemas.openxmlformats.org/drawingml/2006/main" xmlns:r="http://schemas.openxmlformats.org/officeDocument/2006/relationships" xmlns:p="http://schemas.openxmlformats.org/presentationml/2006/main">
+  <p:cSld>
+    <p:spTree>
+      <p:nvGrpSpPr>
+        <p:cNvPr id="1" name=""/>
+        <p:cNvGrpSpPr/>
+        <p:nvPr/>
+      </p:nvGrpSpPr>
+      <p:grpSpPr>
+        <a:xfrm>
+          <a:off x="0" y="0"/>
+          <a:ext cx="0" cy="0"/>
+          <a:chOff x="0" y="0"/>
+          <a:chExt cx="0" cy="0"/>
+        </a:xfrm>
+      </p:grpSpPr>
+      <p:sp>
+        <p:nvSpPr>
+          <p:cNvPr id="2" name="object 2"/>
+          <p:cNvSpPr txBox="1"/>
+          <p:nvPr/>
+        </p:nvSpPr>
+        <p:spPr>
+          <a:xfrm>
+            <a:off x="474370" y="177546"/>
+            <a:ext cx="8364830" cy="566822"/>
+          </a:xfrm>
+          <a:prstGeom prst="rect">
+            <a:avLst/>
+          </a:prstGeom>
+        </p:spPr>
+        <p:txBody>
+          <a:bodyPr vert="horz" wrap="square" lIns="0" tIns="12700" rIns="0" bIns="0" rtlCol="0">
+            <a:spAutoFit/>
+          </a:bodyPr>
+          <a:lstStyle/>
+          <a:p>
+            <a:pPr marL="12700">
+              <a:lnSpc>
+                <a:spcPct val="100000"/>
+              </a:lnSpc>
+              <a:spcBef>
+                <a:spcPts val="100"/>
+              </a:spcBef>
+            </a:pPr>
+            <a:r>
+              <a:rPr lang="en-US" sz="3600" b="1" spc="-185" dirty="0">
+                <a:latin typeface="Trebuchet MS"/>
+                <a:cs typeface="UnDinaru"/>
+              </a:rPr>
+              <a:t>AWS Lambda </a:t>
+            </a:r>
+            <a:r>
+              <a:rPr lang="ko-KR" altLang="en-US" sz="3600" b="1" spc="-185" dirty="0">
+                <a:latin typeface="Trebuchet MS"/>
+                <a:cs typeface="UnDinaru"/>
+              </a:rPr>
+              <a:t>함수 </a:t>
+            </a:r>
+            <a:r>
+              <a:rPr lang="en-US" altLang="ko-KR" sz="3600" b="1" spc="-185" dirty="0">
+                <a:latin typeface="Trebuchet MS"/>
+                <a:cs typeface="UnDinaru"/>
+              </a:rPr>
+              <a:t>HTTP API </a:t>
+            </a:r>
+            <a:r>
+              <a:rPr lang="ko-KR" altLang="en-US" sz="3600" b="1" spc="-185" dirty="0">
+                <a:latin typeface="Trebuchet MS"/>
+                <a:cs typeface="UnDinaru"/>
+              </a:rPr>
+              <a:t>트리거 생성</a:t>
+            </a:r>
+            <a:endParaRPr sz="3600" b="1" dirty="0">
+              <a:latin typeface="UnDinaru"/>
+              <a:cs typeface="UnDinaru"/>
+            </a:endParaRPr>
+          </a:p>
+        </p:txBody>
+      </p:sp>
+      <p:sp>
+        <p:nvSpPr>
+          <p:cNvPr id="7" name="object 7"/>
+          <p:cNvSpPr txBox="1">
+            <a:spLocks noGrp="1"/>
+          </p:cNvSpPr>
+          <p:nvPr>
+            <p:ph type="sldNum" sz="quarter" idx="7"/>
+          </p:nvPr>
+        </p:nvSpPr>
+        <p:spPr>
+          <a:prstGeom prst="rect">
+            <a:avLst/>
+          </a:prstGeom>
+        </p:spPr>
+        <p:txBody>
+          <a:bodyPr vert="horz" wrap="square" lIns="0" tIns="0" rIns="0" bIns="0" rtlCol="0">
+            <a:spAutoFit/>
+          </a:bodyPr>
+          <a:lstStyle/>
+          <a:p>
+            <a:pPr marL="38100">
+              <a:lnSpc>
+                <a:spcPts val="1240"/>
+              </a:lnSpc>
+            </a:pPr>
+            <a:fld id="{81D60167-4931-47E6-BA6A-407CBD079E47}" type="slidenum">
+              <a:rPr dirty="0"/>
+              <a:t>33</a:t>
+            </a:fld>
+            <a:endParaRPr dirty="0"/>
+          </a:p>
+        </p:txBody>
+      </p:sp>
+      <p:pic>
+        <p:nvPicPr>
+          <p:cNvPr id="3" name="그림 2">
+            <a:extLst>
+              <a:ext uri="{FF2B5EF4-FFF2-40B4-BE49-F238E27FC236}">
+                <a16:creationId xmlns:a16="http://schemas.microsoft.com/office/drawing/2014/main" id="{96ECBC0F-A8D6-424E-A362-62BBF2AB91EE}"/>
+              </a:ext>
+            </a:extLst>
+          </p:cNvPr>
+          <p:cNvPicPr>
+            <a:picLocks noChangeAspect="1"/>
+          </p:cNvPicPr>
+          <p:nvPr/>
+        </p:nvPicPr>
+        <p:blipFill>
+          <a:blip r:embed="rId2"/>
+          <a:stretch>
+            <a:fillRect/>
+          </a:stretch>
+        </p:blipFill>
+        <p:spPr>
+          <a:xfrm>
+            <a:off x="381000" y="1495716"/>
+            <a:ext cx="3667125" cy="3590925"/>
+          </a:xfrm>
+          <a:prstGeom prst="rect">
+            <a:avLst/>
+          </a:prstGeom>
+        </p:spPr>
+      </p:pic>
+      <p:sp>
+        <p:nvSpPr>
+          <p:cNvPr id="13" name="TextBox 12">
+            <a:extLst>
+              <a:ext uri="{FF2B5EF4-FFF2-40B4-BE49-F238E27FC236}">
+                <a16:creationId xmlns:a16="http://schemas.microsoft.com/office/drawing/2014/main" id="{B611EA4E-E38A-4B42-A8EE-66E68EA073B8}"/>
+              </a:ext>
+            </a:extLst>
+          </p:cNvPr>
+          <p:cNvSpPr txBox="1"/>
+          <p:nvPr/>
+        </p:nvSpPr>
+        <p:spPr>
+          <a:xfrm>
+            <a:off x="4495800" y="1676400"/>
+            <a:ext cx="4648200" cy="2031325"/>
+          </a:xfrm>
+          <a:prstGeom prst="rect">
+            <a:avLst/>
+          </a:prstGeom>
+          <a:noFill/>
+        </p:spPr>
+        <p:txBody>
+          <a:bodyPr wrap="square" rtlCol="0">
+            <a:spAutoFit/>
+          </a:bodyPr>
+          <a:lstStyle/>
+          <a:p>
+            <a:r>
+              <a:rPr lang="ko-KR" altLang="en-US" dirty="0" err="1"/>
+              <a:t>트리거란</a:t>
+            </a:r>
+            <a:r>
+              <a:rPr lang="en-US" altLang="ko-KR" dirty="0"/>
+              <a:t>? </a:t>
+            </a:r>
+          </a:p>
+          <a:p>
+            <a:endParaRPr lang="en-US" altLang="ko-KR" dirty="0"/>
+          </a:p>
+          <a:p>
+            <a:r>
+              <a:rPr lang="en-US" altLang="ko-KR" dirty="0"/>
+              <a:t>AWS Lambda</a:t>
+            </a:r>
+            <a:r>
+              <a:rPr lang="ko-KR" altLang="en-US" dirty="0"/>
+              <a:t>에 등록한 이벤트</a:t>
+            </a:r>
+            <a:r>
+              <a:rPr lang="en-US" altLang="ko-KR" dirty="0"/>
+              <a:t>(</a:t>
+            </a:r>
+            <a:r>
+              <a:rPr lang="ko-KR" altLang="en-US" dirty="0"/>
+              <a:t>함수</a:t>
+            </a:r>
+            <a:r>
+              <a:rPr lang="en-US" altLang="ko-KR" dirty="0"/>
+              <a:t>) </a:t>
+            </a:r>
+            <a:r>
+              <a:rPr lang="ko-KR" altLang="en-US" dirty="0"/>
+              <a:t>가 실행될 수 있도록 하는 촉발</a:t>
+            </a:r>
+            <a:r>
+              <a:rPr lang="en-US" altLang="ko-KR" dirty="0"/>
+              <a:t>(trigger)</a:t>
+            </a:r>
+          </a:p>
+          <a:p>
+            <a:endParaRPr lang="en-US" altLang="ko-KR" dirty="0"/>
+          </a:p>
+          <a:p>
+            <a:r>
+              <a:rPr lang="ko-KR" altLang="en-US" dirty="0"/>
+              <a:t>본</a:t>
+            </a:r>
+            <a:r>
+              <a:rPr lang="en-US" altLang="ko-KR" dirty="0"/>
+              <a:t> </a:t>
+            </a:r>
+            <a:r>
+              <a:rPr lang="ko-KR" altLang="en-US" dirty="0"/>
+              <a:t>실습에서는 </a:t>
+            </a:r>
+            <a:r>
+              <a:rPr lang="en-US" altLang="ko-KR" dirty="0"/>
+              <a:t>HTTP </a:t>
+            </a:r>
+            <a:r>
+              <a:rPr lang="ko-KR" altLang="en-US" dirty="0"/>
+              <a:t>요청을 통해 트리거를 구성할 예정</a:t>
+            </a:r>
+          </a:p>
+        </p:txBody>
+      </p:sp>
+      <p:sp>
+        <p:nvSpPr>
+          <p:cNvPr id="14" name="액자 13">
+            <a:extLst>
+              <a:ext uri="{FF2B5EF4-FFF2-40B4-BE49-F238E27FC236}">
+                <a16:creationId xmlns:a16="http://schemas.microsoft.com/office/drawing/2014/main" id="{261FA0B8-BB25-45DC-B90B-96A5A9738C17}"/>
+              </a:ext>
+            </a:extLst>
+          </p:cNvPr>
+          <p:cNvSpPr/>
+          <p:nvPr/>
+        </p:nvSpPr>
+        <p:spPr>
+          <a:xfrm>
+            <a:off x="533400" y="4495800"/>
+            <a:ext cx="1676400" cy="381000"/>
+          </a:xfrm>
+          <a:prstGeom prst="frame">
+            <a:avLst>
+              <a:gd name="adj1" fmla="val 0"/>
+            </a:avLst>
+          </a:prstGeom>
+          <a:solidFill>
+            <a:srgbClr val="FF0000"/>
+          </a:solidFill>
+          <a:ln>
+            <a:solidFill>
+              <a:srgbClr val="FF0000"/>
+            </a:solidFill>
+          </a:ln>
+        </p:spPr>
+        <p:style>
+          <a:lnRef idx="2">
+            <a:schemeClr val="accent1">
+              <a:shade val="50000"/>
+            </a:schemeClr>
+          </a:lnRef>
+          <a:fillRef idx="1">
+            <a:schemeClr val="accent1"/>
+          </a:fillRef>
+          <a:effectRef idx="0">
+            <a:schemeClr val="accent1"/>
+          </a:effectRef>
+          <a:fontRef idx="minor">
+            <a:schemeClr val="lt1"/>
+          </a:fontRef>
+        </p:style>
+        <p:txBody>
+          <a:bodyPr rtlCol="0" anchor="ctr"/>
+          <a:lstStyle/>
+          <a:p>
+            <a:pPr algn="ctr"/>
+            <a:endParaRPr lang="ko-KR" altLang="en-US">
+              <a:solidFill>
+                <a:schemeClr val="tx1"/>
+              </a:solidFill>
+            </a:endParaRPr>
+          </a:p>
+        </p:txBody>
+      </p:sp>
+    </p:spTree>
+    <p:extLst>
+      <p:ext uri="{BB962C8B-B14F-4D97-AF65-F5344CB8AC3E}">
+        <p14:creationId xmlns:p14="http://schemas.microsoft.com/office/powerpoint/2010/main" val="1523631282"/>
+      </p:ext>
+    </p:extLst>
+  </p:cSld>
+  <p:clrMapOvr>
+    <a:masterClrMapping/>
+  </p:clrMapOvr>
+</p:sld>
+</file>
+
+<file path=ppt/slides/slide34.xml><?xml version="1.0" encoding="utf-8"?>
+<p:sld xmlns:a="http://schemas.openxmlformats.org/drawingml/2006/main" xmlns:r="http://schemas.openxmlformats.org/officeDocument/2006/relationships" xmlns:p="http://schemas.openxmlformats.org/presentationml/2006/main">
+  <p:cSld>
+    <p:spTree>
+      <p:nvGrpSpPr>
+        <p:cNvPr id="1" name=""/>
+        <p:cNvGrpSpPr/>
+        <p:nvPr/>
+      </p:nvGrpSpPr>
+      <p:grpSpPr>
+        <a:xfrm>
+          <a:off x="0" y="0"/>
+          <a:ext cx="0" cy="0"/>
+          <a:chOff x="0" y="0"/>
+          <a:chExt cx="0" cy="0"/>
+        </a:xfrm>
+      </p:grpSpPr>
+      <p:sp>
+        <p:nvSpPr>
+          <p:cNvPr id="2" name="object 2"/>
+          <p:cNvSpPr txBox="1"/>
+          <p:nvPr/>
+        </p:nvSpPr>
+        <p:spPr>
+          <a:xfrm>
+            <a:off x="474370" y="177546"/>
+            <a:ext cx="8364830" cy="566822"/>
+          </a:xfrm>
+          <a:prstGeom prst="rect">
+            <a:avLst/>
+          </a:prstGeom>
+        </p:spPr>
+        <p:txBody>
+          <a:bodyPr vert="horz" wrap="square" lIns="0" tIns="12700" rIns="0" bIns="0" rtlCol="0">
+            <a:spAutoFit/>
+          </a:bodyPr>
+          <a:lstStyle/>
+          <a:p>
+            <a:pPr marL="12700">
+              <a:lnSpc>
+                <a:spcPct val="100000"/>
+              </a:lnSpc>
+              <a:spcBef>
+                <a:spcPts val="100"/>
+              </a:spcBef>
+            </a:pPr>
+            <a:r>
+              <a:rPr lang="en-US" sz="3600" b="1" spc="-185" dirty="0">
+                <a:latin typeface="Trebuchet MS"/>
+                <a:cs typeface="UnDinaru"/>
+              </a:rPr>
+              <a:t>AWS Lambda </a:t>
+            </a:r>
+            <a:r>
+              <a:rPr lang="ko-KR" altLang="en-US" sz="3600" b="1" spc="-185" dirty="0">
+                <a:latin typeface="Trebuchet MS"/>
+                <a:cs typeface="UnDinaru"/>
+              </a:rPr>
+              <a:t>함수 </a:t>
+            </a:r>
+            <a:r>
+              <a:rPr lang="en-US" altLang="ko-KR" sz="3600" b="1" spc="-185" dirty="0">
+                <a:latin typeface="Trebuchet MS"/>
+                <a:cs typeface="UnDinaru"/>
+              </a:rPr>
+              <a:t>HTTP API </a:t>
+            </a:r>
+            <a:r>
+              <a:rPr lang="ko-KR" altLang="en-US" sz="3600" b="1" spc="-185" dirty="0">
+                <a:latin typeface="Trebuchet MS"/>
+                <a:cs typeface="UnDinaru"/>
+              </a:rPr>
+              <a:t>트리거 생성</a:t>
+            </a:r>
+            <a:endParaRPr sz="3600" b="1" dirty="0">
+              <a:latin typeface="UnDinaru"/>
+              <a:cs typeface="UnDinaru"/>
+            </a:endParaRPr>
+          </a:p>
+        </p:txBody>
+      </p:sp>
+      <p:sp>
+        <p:nvSpPr>
+          <p:cNvPr id="7" name="object 7"/>
+          <p:cNvSpPr txBox="1">
+            <a:spLocks noGrp="1"/>
+          </p:cNvSpPr>
+          <p:nvPr>
+            <p:ph type="sldNum" sz="quarter" idx="7"/>
+          </p:nvPr>
+        </p:nvSpPr>
+        <p:spPr>
+          <a:prstGeom prst="rect">
+            <a:avLst/>
+          </a:prstGeom>
+        </p:spPr>
+        <p:txBody>
+          <a:bodyPr vert="horz" wrap="square" lIns="0" tIns="0" rIns="0" bIns="0" rtlCol="0">
+            <a:spAutoFit/>
+          </a:bodyPr>
+          <a:lstStyle/>
+          <a:p>
+            <a:pPr marL="38100">
+              <a:lnSpc>
+                <a:spcPts val="1240"/>
+              </a:lnSpc>
+            </a:pPr>
+            <a:fld id="{81D60167-4931-47E6-BA6A-407CBD079E47}" type="slidenum">
+              <a:rPr dirty="0"/>
+              <a:t>34</a:t>
+            </a:fld>
+            <a:endParaRPr dirty="0"/>
+          </a:p>
+        </p:txBody>
+      </p:sp>
+      <p:pic>
+        <p:nvPicPr>
+          <p:cNvPr id="6" name="그림 5">
+            <a:extLst>
+              <a:ext uri="{FF2B5EF4-FFF2-40B4-BE49-F238E27FC236}">
+                <a16:creationId xmlns:a16="http://schemas.microsoft.com/office/drawing/2014/main" id="{91DC8CB3-E6E2-4061-BF76-08AE7AE2A6EE}"/>
+              </a:ext>
+            </a:extLst>
+          </p:cNvPr>
+          <p:cNvPicPr>
+            <a:picLocks noChangeAspect="1"/>
+          </p:cNvPicPr>
+          <p:nvPr/>
+        </p:nvPicPr>
+        <p:blipFill>
+          <a:blip r:embed="rId2"/>
+          <a:stretch>
+            <a:fillRect/>
+          </a:stretch>
+        </p:blipFill>
+        <p:spPr>
+          <a:xfrm>
+            <a:off x="714985" y="990600"/>
+            <a:ext cx="5012030" cy="1689723"/>
+          </a:xfrm>
+          <a:prstGeom prst="rect">
+            <a:avLst/>
+          </a:prstGeom>
+        </p:spPr>
+      </p:pic>
+      <p:pic>
+        <p:nvPicPr>
+          <p:cNvPr id="8" name="그림 7">
+            <a:extLst>
+              <a:ext uri="{FF2B5EF4-FFF2-40B4-BE49-F238E27FC236}">
+                <a16:creationId xmlns:a16="http://schemas.microsoft.com/office/drawing/2014/main" id="{2878DD05-A71D-45CB-B5B1-159BEBCBEAD1}"/>
+              </a:ext>
+            </a:extLst>
+          </p:cNvPr>
+          <p:cNvPicPr>
+            <a:picLocks noChangeAspect="1"/>
+          </p:cNvPicPr>
+          <p:nvPr/>
+        </p:nvPicPr>
+        <p:blipFill>
+          <a:blip r:embed="rId3"/>
+          <a:stretch>
+            <a:fillRect/>
+          </a:stretch>
+        </p:blipFill>
+        <p:spPr>
+          <a:xfrm>
+            <a:off x="864761" y="2793378"/>
+            <a:ext cx="5690217" cy="3753899"/>
+          </a:xfrm>
+          <a:prstGeom prst="rect">
+            <a:avLst/>
+          </a:prstGeom>
+        </p:spPr>
+      </p:pic>
+      <p:sp>
+        <p:nvSpPr>
+          <p:cNvPr id="9" name="TextBox 8">
+            <a:extLst>
+              <a:ext uri="{FF2B5EF4-FFF2-40B4-BE49-F238E27FC236}">
+                <a16:creationId xmlns:a16="http://schemas.microsoft.com/office/drawing/2014/main" id="{A16E93BA-BDD8-44C8-BFED-835F9E80D116}"/>
+              </a:ext>
+            </a:extLst>
+          </p:cNvPr>
+          <p:cNvSpPr txBox="1"/>
+          <p:nvPr/>
+        </p:nvSpPr>
+        <p:spPr>
+          <a:xfrm>
+            <a:off x="3276600" y="2680323"/>
+            <a:ext cx="4426212" cy="369332"/>
+          </a:xfrm>
+          <a:prstGeom prst="rect">
+            <a:avLst/>
+          </a:prstGeom>
+          <a:noFill/>
+        </p:spPr>
+        <p:txBody>
+          <a:bodyPr wrap="none" rtlCol="0">
+            <a:spAutoFit/>
+          </a:bodyPr>
+          <a:lstStyle/>
+          <a:p>
+            <a:r>
+              <a:rPr lang="ko-KR" altLang="en-US" dirty="0">
+                <a:solidFill>
+                  <a:srgbClr val="FF0000"/>
+                </a:solidFill>
+              </a:rPr>
+              <a:t>추가 세팅을 눌러서 이진 미디어 형식 추가</a:t>
+            </a:r>
+          </a:p>
+        </p:txBody>
+      </p:sp>
+    </p:spTree>
+    <p:extLst>
+      <p:ext uri="{BB962C8B-B14F-4D97-AF65-F5344CB8AC3E}">
+        <p14:creationId xmlns:p14="http://schemas.microsoft.com/office/powerpoint/2010/main" val="1088635437"/>
+      </p:ext>
+    </p:extLst>
+  </p:cSld>
+  <p:clrMapOvr>
+    <a:masterClrMapping/>
+  </p:clrMapOvr>
+</p:sld>
+</file>
+
+<file path=ppt/slides/slide35.xml><?xml version="1.0" encoding="utf-8"?>
+<p:sld xmlns:a="http://schemas.openxmlformats.org/drawingml/2006/main" xmlns:r="http://schemas.openxmlformats.org/officeDocument/2006/relationships" xmlns:p="http://schemas.openxmlformats.org/presentationml/2006/main">
+  <p:cSld>
+    <p:spTree>
+      <p:nvGrpSpPr>
+        <p:cNvPr id="1" name=""/>
+        <p:cNvGrpSpPr/>
+        <p:nvPr/>
+      </p:nvGrpSpPr>
+      <p:grpSpPr>
+        <a:xfrm>
+          <a:off x="0" y="0"/>
+          <a:ext cx="0" cy="0"/>
+          <a:chOff x="0" y="0"/>
+          <a:chExt cx="0" cy="0"/>
+        </a:xfrm>
+      </p:grpSpPr>
+      <p:sp>
+        <p:nvSpPr>
+          <p:cNvPr id="2" name="object 2"/>
+          <p:cNvSpPr txBox="1"/>
+          <p:nvPr/>
+        </p:nvSpPr>
+        <p:spPr>
+          <a:xfrm>
+            <a:off x="474370" y="177546"/>
+            <a:ext cx="8364830" cy="566822"/>
+          </a:xfrm>
+          <a:prstGeom prst="rect">
+            <a:avLst/>
+          </a:prstGeom>
+        </p:spPr>
+        <p:txBody>
+          <a:bodyPr vert="horz" wrap="square" lIns="0" tIns="12700" rIns="0" bIns="0" rtlCol="0">
+            <a:spAutoFit/>
+          </a:bodyPr>
+          <a:lstStyle/>
+          <a:p>
+            <a:pPr marL="12700">
+              <a:lnSpc>
+                <a:spcPct val="100000"/>
+              </a:lnSpc>
+              <a:spcBef>
+                <a:spcPts val="100"/>
+              </a:spcBef>
+            </a:pPr>
+            <a:r>
+              <a:rPr lang="en-US" sz="3600" b="1" spc="-185" dirty="0">
+                <a:latin typeface="Trebuchet MS"/>
+                <a:cs typeface="UnDinaru"/>
+              </a:rPr>
+              <a:t>AWS Lambda </a:t>
+            </a:r>
+            <a:r>
+              <a:rPr lang="ko-KR" altLang="en-US" sz="3600" b="1" spc="-185" dirty="0">
+                <a:latin typeface="Trebuchet MS"/>
+                <a:cs typeface="UnDinaru"/>
+              </a:rPr>
+              <a:t>함수 트리거 테스트</a:t>
+            </a:r>
+            <a:endParaRPr sz="3600" b="1" dirty="0">
+              <a:latin typeface="UnDinaru"/>
+              <a:cs typeface="UnDinaru"/>
+            </a:endParaRPr>
+          </a:p>
+        </p:txBody>
+      </p:sp>
+      <p:sp>
+        <p:nvSpPr>
+          <p:cNvPr id="7" name="object 7"/>
+          <p:cNvSpPr txBox="1">
+            <a:spLocks noGrp="1"/>
+          </p:cNvSpPr>
+          <p:nvPr>
+            <p:ph type="sldNum" sz="quarter" idx="7"/>
+          </p:nvPr>
+        </p:nvSpPr>
+        <p:spPr>
+          <a:prstGeom prst="rect">
+            <a:avLst/>
+          </a:prstGeom>
+        </p:spPr>
+        <p:txBody>
+          <a:bodyPr vert="horz" wrap="square" lIns="0" tIns="0" rIns="0" bIns="0" rtlCol="0">
+            <a:spAutoFit/>
+          </a:bodyPr>
+          <a:lstStyle/>
+          <a:p>
+            <a:pPr marL="38100">
+              <a:lnSpc>
+                <a:spcPts val="1240"/>
+              </a:lnSpc>
+            </a:pPr>
+            <a:fld id="{81D60167-4931-47E6-BA6A-407CBD079E47}" type="slidenum">
+              <a:rPr dirty="0"/>
+              <a:t>35</a:t>
+            </a:fld>
+            <a:endParaRPr dirty="0"/>
+          </a:p>
+        </p:txBody>
+      </p:sp>
+      <p:pic>
+        <p:nvPicPr>
+          <p:cNvPr id="4" name="그림 3">
+            <a:extLst>
+              <a:ext uri="{FF2B5EF4-FFF2-40B4-BE49-F238E27FC236}">
+                <a16:creationId xmlns:a16="http://schemas.microsoft.com/office/drawing/2014/main" id="{3B261D2A-C98D-4228-B832-FE7C51CA12A6}"/>
+              </a:ext>
+            </a:extLst>
+          </p:cNvPr>
+          <p:cNvPicPr>
+            <a:picLocks noChangeAspect="1"/>
+          </p:cNvPicPr>
+          <p:nvPr/>
+        </p:nvPicPr>
+        <p:blipFill>
+          <a:blip r:embed="rId2"/>
+          <a:stretch>
+            <a:fillRect/>
+          </a:stretch>
+        </p:blipFill>
+        <p:spPr>
+          <a:xfrm>
+            <a:off x="838200" y="1371600"/>
+            <a:ext cx="6786415" cy="3605516"/>
+          </a:xfrm>
+          <a:prstGeom prst="rect">
+            <a:avLst/>
+          </a:prstGeom>
+        </p:spPr>
+      </p:pic>
+      <p:pic>
+        <p:nvPicPr>
+          <p:cNvPr id="5" name="그림 4">
+            <a:extLst>
+              <a:ext uri="{FF2B5EF4-FFF2-40B4-BE49-F238E27FC236}">
+                <a16:creationId xmlns:a16="http://schemas.microsoft.com/office/drawing/2014/main" id="{9D95E5B8-25D1-4EF8-BD9D-EEB71872A032}"/>
+              </a:ext>
+            </a:extLst>
+          </p:cNvPr>
+          <p:cNvPicPr>
+            <a:picLocks noChangeAspect="1"/>
+          </p:cNvPicPr>
+          <p:nvPr/>
+        </p:nvPicPr>
+        <p:blipFill>
+          <a:blip r:embed="rId3"/>
+          <a:stretch>
+            <a:fillRect/>
+          </a:stretch>
+        </p:blipFill>
+        <p:spPr>
+          <a:xfrm>
+            <a:off x="380060" y="5299633"/>
+            <a:ext cx="8553450" cy="1323975"/>
+          </a:xfrm>
+          <a:prstGeom prst="rect">
+            <a:avLst/>
+          </a:prstGeom>
+        </p:spPr>
+      </p:pic>
+      <p:sp>
+        <p:nvSpPr>
+          <p:cNvPr id="6" name="액자 5">
+            <a:extLst>
+              <a:ext uri="{FF2B5EF4-FFF2-40B4-BE49-F238E27FC236}">
+                <a16:creationId xmlns:a16="http://schemas.microsoft.com/office/drawing/2014/main" id="{94D46BAE-84E5-4CDB-B899-3BEFFDA38138}"/>
+              </a:ext>
+            </a:extLst>
+          </p:cNvPr>
+          <p:cNvSpPr/>
+          <p:nvPr/>
+        </p:nvSpPr>
+        <p:spPr>
+          <a:xfrm>
+            <a:off x="1143000" y="3886200"/>
+            <a:ext cx="6695388" cy="304800"/>
+          </a:xfrm>
+          <a:prstGeom prst="frame">
+            <a:avLst>
+              <a:gd name="adj1" fmla="val 0"/>
+            </a:avLst>
+          </a:prstGeom>
+          <a:solidFill>
+            <a:srgbClr val="FF0000"/>
+          </a:solidFill>
+          <a:ln>
+            <a:solidFill>
+              <a:srgbClr val="FF0000"/>
+            </a:solidFill>
+          </a:ln>
+        </p:spPr>
+        <p:style>
+          <a:lnRef idx="2">
+            <a:schemeClr val="accent1">
+              <a:shade val="50000"/>
+            </a:schemeClr>
+          </a:lnRef>
+          <a:fillRef idx="1">
+            <a:schemeClr val="accent1"/>
+          </a:fillRef>
+          <a:effectRef idx="0">
+            <a:schemeClr val="accent1"/>
+          </a:effectRef>
+          <a:fontRef idx="minor">
+            <a:schemeClr val="lt1"/>
+          </a:fontRef>
+        </p:style>
+        <p:txBody>
+          <a:bodyPr rtlCol="0" anchor="ctr"/>
+          <a:lstStyle/>
+          <a:p>
+            <a:pPr algn="ctr"/>
+            <a:endParaRPr lang="ko-KR" altLang="en-US">
+              <a:solidFill>
+                <a:schemeClr val="tx1"/>
+              </a:solidFill>
+            </a:endParaRPr>
+          </a:p>
+        </p:txBody>
+      </p:sp>
+      <p:sp>
+        <p:nvSpPr>
+          <p:cNvPr id="8" name="액자 7">
+            <a:extLst>
+              <a:ext uri="{FF2B5EF4-FFF2-40B4-BE49-F238E27FC236}">
+                <a16:creationId xmlns:a16="http://schemas.microsoft.com/office/drawing/2014/main" id="{9CF2AF09-EDBE-4CB2-83FF-79B175B51BF7}"/>
+              </a:ext>
+            </a:extLst>
+          </p:cNvPr>
+          <p:cNvSpPr/>
+          <p:nvPr/>
+        </p:nvSpPr>
+        <p:spPr>
+          <a:xfrm>
+            <a:off x="1828800" y="5334000"/>
+            <a:ext cx="6695388" cy="304800"/>
+          </a:xfrm>
+          <a:prstGeom prst="frame">
+            <a:avLst>
+              <a:gd name="adj1" fmla="val 0"/>
+            </a:avLst>
+          </a:prstGeom>
+          <a:solidFill>
+            <a:srgbClr val="FF0000"/>
+          </a:solidFill>
+          <a:ln>
+            <a:solidFill>
+              <a:srgbClr val="FF0000"/>
+            </a:solidFill>
+          </a:ln>
+        </p:spPr>
+        <p:style>
+          <a:lnRef idx="2">
+            <a:schemeClr val="accent1">
+              <a:shade val="50000"/>
+            </a:schemeClr>
+          </a:lnRef>
+          <a:fillRef idx="1">
+            <a:schemeClr val="accent1"/>
+          </a:fillRef>
+          <a:effectRef idx="0">
+            <a:schemeClr val="accent1"/>
+          </a:effectRef>
+          <a:fontRef idx="minor">
+            <a:schemeClr val="lt1"/>
+          </a:fontRef>
+        </p:style>
+        <p:txBody>
+          <a:bodyPr rtlCol="0" anchor="ctr"/>
+          <a:lstStyle/>
+          <a:p>
+            <a:pPr algn="ctr"/>
+            <a:endParaRPr lang="ko-KR" altLang="en-US">
+              <a:solidFill>
+                <a:schemeClr val="tx1"/>
+              </a:solidFill>
+            </a:endParaRPr>
+          </a:p>
+        </p:txBody>
+      </p:sp>
+      <p:cxnSp>
+        <p:nvCxnSpPr>
+          <p:cNvPr id="9" name="직선 연결선 8">
+            <a:extLst>
+              <a:ext uri="{FF2B5EF4-FFF2-40B4-BE49-F238E27FC236}">
+                <a16:creationId xmlns:a16="http://schemas.microsoft.com/office/drawing/2014/main" id="{6FBEED3C-945E-44C6-9AD6-F5DE85688599}"/>
+              </a:ext>
+            </a:extLst>
+          </p:cNvPr>
+          <p:cNvCxnSpPr/>
+          <p:nvPr/>
+        </p:nvCxnSpPr>
+        <p:spPr>
+          <a:xfrm>
+            <a:off x="457200" y="6019800"/>
+            <a:ext cx="1600200" cy="0"/>
+          </a:xfrm>
+          <a:prstGeom prst="line">
+            <a:avLst/>
+          </a:prstGeom>
+          <a:ln w="38100"/>
+        </p:spPr>
+        <p:style>
+          <a:lnRef idx="1">
+            <a:schemeClr val="accent2"/>
+          </a:lnRef>
+          <a:fillRef idx="0">
+            <a:schemeClr val="accent2"/>
+          </a:fillRef>
+          <a:effectRef idx="0">
+            <a:schemeClr val="accent2"/>
+          </a:effectRef>
+          <a:fontRef idx="minor">
+            <a:schemeClr val="tx1"/>
+          </a:fontRef>
+        </p:style>
+      </p:cxnSp>
+    </p:spTree>
+    <p:extLst>
+      <p:ext uri="{BB962C8B-B14F-4D97-AF65-F5344CB8AC3E}">
+        <p14:creationId xmlns:p14="http://schemas.microsoft.com/office/powerpoint/2010/main" val="2855921718"/>
+      </p:ext>
+    </p:extLst>
+  </p:cSld>
+  <p:clrMapOvr>
+    <a:masterClrMapping/>
+  </p:clrMapOvr>
+</p:sld>
+</file>
+
+<file path=ppt/slides/slide36.xml><?xml version="1.0" encoding="utf-8"?>
+<p:sld xmlns:a="http://schemas.openxmlformats.org/drawingml/2006/main" xmlns:r="http://schemas.openxmlformats.org/officeDocument/2006/relationships" xmlns:p="http://schemas.openxmlformats.org/presentationml/2006/main">
+  <p:cSld>
+    <p:spTree>
+      <p:nvGrpSpPr>
+        <p:cNvPr id="1" name=""/>
+        <p:cNvGrpSpPr/>
+        <p:nvPr/>
+      </p:nvGrpSpPr>
+      <p:grpSpPr>
+        <a:xfrm>
+          <a:off x="0" y="0"/>
+          <a:ext cx="0" cy="0"/>
+          <a:chOff x="0" y="0"/>
+          <a:chExt cx="0" cy="0"/>
+        </a:xfrm>
+      </p:grpSpPr>
+      <p:sp>
+        <p:nvSpPr>
+          <p:cNvPr id="2" name="object 2"/>
+          <p:cNvSpPr txBox="1"/>
+          <p:nvPr/>
+        </p:nvSpPr>
+        <p:spPr>
+          <a:xfrm>
+            <a:off x="474370" y="177546"/>
+            <a:ext cx="8364830" cy="566822"/>
+          </a:xfrm>
+          <a:prstGeom prst="rect">
+            <a:avLst/>
+          </a:prstGeom>
+        </p:spPr>
+        <p:txBody>
+          <a:bodyPr vert="horz" wrap="square" lIns="0" tIns="12700" rIns="0" bIns="0" rtlCol="0">
+            <a:spAutoFit/>
+          </a:bodyPr>
+          <a:lstStyle/>
+          <a:p>
+            <a:pPr marL="12700">
+              <a:lnSpc>
+                <a:spcPct val="100000"/>
+              </a:lnSpc>
+              <a:spcBef>
+                <a:spcPts val="100"/>
+              </a:spcBef>
+            </a:pPr>
+            <a:r>
+              <a:rPr lang="en-US" sz="3600" b="1" spc="-185" dirty="0" err="1">
+                <a:latin typeface="Trebuchet MS"/>
+                <a:cs typeface="UnDinaru"/>
+              </a:rPr>
+              <a:t>Rekognition</a:t>
+            </a:r>
+            <a:r>
+              <a:rPr lang="en-US" sz="3600" b="1" spc="-185" dirty="0">
+                <a:latin typeface="Trebuchet MS"/>
+                <a:cs typeface="UnDinaru"/>
+              </a:rPr>
+              <a:t> </a:t>
+            </a:r>
+            <a:r>
+              <a:rPr lang="ko-KR" altLang="en-US" sz="3600" b="1" spc="-185" dirty="0">
+                <a:latin typeface="Trebuchet MS"/>
+                <a:cs typeface="UnDinaru"/>
+              </a:rPr>
+              <a:t>사용을 위한 권한 설정</a:t>
+            </a:r>
+            <a:endParaRPr sz="3600" b="1" dirty="0">
+              <a:latin typeface="UnDinaru"/>
+              <a:cs typeface="UnDinaru"/>
+            </a:endParaRPr>
+          </a:p>
+        </p:txBody>
+      </p:sp>
+      <p:sp>
+        <p:nvSpPr>
+          <p:cNvPr id="7" name="object 7"/>
+          <p:cNvSpPr txBox="1">
+            <a:spLocks noGrp="1"/>
+          </p:cNvSpPr>
+          <p:nvPr>
+            <p:ph type="sldNum" sz="quarter" idx="7"/>
+          </p:nvPr>
+        </p:nvSpPr>
+        <p:spPr>
+          <a:prstGeom prst="rect">
+            <a:avLst/>
+          </a:prstGeom>
+        </p:spPr>
+        <p:txBody>
+          <a:bodyPr vert="horz" wrap="square" lIns="0" tIns="0" rIns="0" bIns="0" rtlCol="0">
+            <a:spAutoFit/>
+          </a:bodyPr>
+          <a:lstStyle/>
+          <a:p>
+            <a:pPr marL="38100">
+              <a:lnSpc>
+                <a:spcPts val="1240"/>
+              </a:lnSpc>
+            </a:pPr>
+            <a:fld id="{81D60167-4931-47E6-BA6A-407CBD079E47}" type="slidenum">
+              <a:rPr dirty="0"/>
+              <a:t>36</a:t>
+            </a:fld>
+            <a:endParaRPr dirty="0"/>
+          </a:p>
+        </p:txBody>
+      </p:sp>
+      <p:pic>
+        <p:nvPicPr>
+          <p:cNvPr id="3" name="그림 2">
+            <a:extLst>
+              <a:ext uri="{FF2B5EF4-FFF2-40B4-BE49-F238E27FC236}">
+                <a16:creationId xmlns:a16="http://schemas.microsoft.com/office/drawing/2014/main" id="{B62C0058-3024-44E2-8225-E7E95FACF411}"/>
+              </a:ext>
+            </a:extLst>
+          </p:cNvPr>
+          <p:cNvPicPr>
+            <a:picLocks noChangeAspect="1"/>
+          </p:cNvPicPr>
+          <p:nvPr/>
+        </p:nvPicPr>
+        <p:blipFill>
+          <a:blip r:embed="rId2"/>
+          <a:stretch>
+            <a:fillRect/>
+          </a:stretch>
+        </p:blipFill>
+        <p:spPr>
+          <a:xfrm>
+            <a:off x="228600" y="1219200"/>
+            <a:ext cx="7299378" cy="2251936"/>
+          </a:xfrm>
+          <a:prstGeom prst="rect">
+            <a:avLst/>
+          </a:prstGeom>
+        </p:spPr>
+      </p:pic>
+      <p:pic>
+        <p:nvPicPr>
+          <p:cNvPr id="10" name="그림 9">
+            <a:extLst>
+              <a:ext uri="{FF2B5EF4-FFF2-40B4-BE49-F238E27FC236}">
+                <a16:creationId xmlns:a16="http://schemas.microsoft.com/office/drawing/2014/main" id="{BC09FF27-6A13-48A8-B512-057B3E59382D}"/>
+              </a:ext>
+            </a:extLst>
+          </p:cNvPr>
+          <p:cNvPicPr>
+            <a:picLocks noChangeAspect="1"/>
+          </p:cNvPicPr>
+          <p:nvPr/>
+        </p:nvPicPr>
+        <p:blipFill>
+          <a:blip r:embed="rId3"/>
+          <a:stretch>
+            <a:fillRect/>
+          </a:stretch>
+        </p:blipFill>
+        <p:spPr>
+          <a:xfrm>
+            <a:off x="1727721" y="3256623"/>
+            <a:ext cx="6593262" cy="2933699"/>
+          </a:xfrm>
+          <a:prstGeom prst="rect">
+            <a:avLst/>
+          </a:prstGeom>
+        </p:spPr>
+      </p:pic>
+      <p:sp>
+        <p:nvSpPr>
+          <p:cNvPr id="6" name="액자 5">
+            <a:extLst>
+              <a:ext uri="{FF2B5EF4-FFF2-40B4-BE49-F238E27FC236}">
+                <a16:creationId xmlns:a16="http://schemas.microsoft.com/office/drawing/2014/main" id="{94D46BAE-84E5-4CDB-B899-3BEFFDA38138}"/>
+              </a:ext>
+            </a:extLst>
+          </p:cNvPr>
+          <p:cNvSpPr/>
+          <p:nvPr/>
+        </p:nvSpPr>
+        <p:spPr>
+          <a:xfrm>
+            <a:off x="2667000" y="1981200"/>
+            <a:ext cx="2286000" cy="304800"/>
+          </a:xfrm>
+          <a:prstGeom prst="frame">
+            <a:avLst>
+              <a:gd name="adj1" fmla="val 0"/>
+            </a:avLst>
+          </a:prstGeom>
+          <a:solidFill>
+            <a:srgbClr val="FF0000"/>
+          </a:solidFill>
+          <a:ln>
+            <a:solidFill>
+              <a:srgbClr val="FF0000"/>
+            </a:solidFill>
+          </a:ln>
+        </p:spPr>
+        <p:style>
+          <a:lnRef idx="2">
+            <a:schemeClr val="accent1">
+              <a:shade val="50000"/>
+            </a:schemeClr>
+          </a:lnRef>
+          <a:fillRef idx="1">
+            <a:schemeClr val="accent1"/>
+          </a:fillRef>
+          <a:effectRef idx="0">
+            <a:schemeClr val="accent1"/>
+          </a:effectRef>
+          <a:fontRef idx="minor">
+            <a:schemeClr val="lt1"/>
+          </a:fontRef>
+        </p:style>
+        <p:txBody>
+          <a:bodyPr rtlCol="0" anchor="ctr"/>
+          <a:lstStyle/>
+          <a:p>
+            <a:pPr algn="ctr"/>
+            <a:endParaRPr lang="ko-KR" altLang="en-US">
+              <a:solidFill>
+                <a:schemeClr val="tx1"/>
+              </a:solidFill>
+            </a:endParaRPr>
+          </a:p>
+        </p:txBody>
+      </p:sp>
+      <p:sp>
+        <p:nvSpPr>
+          <p:cNvPr id="8" name="액자 7">
+            <a:extLst>
+              <a:ext uri="{FF2B5EF4-FFF2-40B4-BE49-F238E27FC236}">
+                <a16:creationId xmlns:a16="http://schemas.microsoft.com/office/drawing/2014/main" id="{9CF2AF09-EDBE-4CB2-83FF-79B175B51BF7}"/>
+              </a:ext>
+            </a:extLst>
+          </p:cNvPr>
+          <p:cNvSpPr/>
+          <p:nvPr/>
+        </p:nvSpPr>
+        <p:spPr>
+          <a:xfrm>
+            <a:off x="2514600" y="5410200"/>
+            <a:ext cx="2438400" cy="228600"/>
+          </a:xfrm>
+          <a:prstGeom prst="frame">
+            <a:avLst>
+              <a:gd name="adj1" fmla="val 0"/>
+            </a:avLst>
+          </a:prstGeom>
+          <a:solidFill>
+            <a:srgbClr val="FF0000"/>
+          </a:solidFill>
+          <a:ln>
+            <a:solidFill>
+              <a:srgbClr val="FF0000"/>
+            </a:solidFill>
+          </a:ln>
+        </p:spPr>
+        <p:style>
+          <a:lnRef idx="2">
+            <a:schemeClr val="accent1">
+              <a:shade val="50000"/>
+            </a:schemeClr>
+          </a:lnRef>
+          <a:fillRef idx="1">
+            <a:schemeClr val="accent1"/>
+          </a:fillRef>
+          <a:effectRef idx="0">
+            <a:schemeClr val="accent1"/>
+          </a:effectRef>
+          <a:fontRef idx="minor">
+            <a:schemeClr val="lt1"/>
+          </a:fontRef>
+        </p:style>
+        <p:txBody>
+          <a:bodyPr rtlCol="0" anchor="ctr"/>
+          <a:lstStyle/>
+          <a:p>
+            <a:pPr algn="ctr"/>
+            <a:endParaRPr lang="ko-KR" altLang="en-US">
+              <a:solidFill>
+                <a:schemeClr val="tx1"/>
+              </a:solidFill>
+            </a:endParaRPr>
+          </a:p>
+        </p:txBody>
+      </p:sp>
+    </p:spTree>
+    <p:extLst>
+      <p:ext uri="{BB962C8B-B14F-4D97-AF65-F5344CB8AC3E}">
+        <p14:creationId xmlns:p14="http://schemas.microsoft.com/office/powerpoint/2010/main" val="751966321"/>
+      </p:ext>
+    </p:extLst>
+  </p:cSld>
+  <p:clrMapOvr>
+    <a:masterClrMapping/>
+  </p:clrMapOvr>
+</p:sld>
+</file>
+
+<file path=ppt/slides/slide37.xml><?xml version="1.0" encoding="utf-8"?>
+<p:sld xmlns:a="http://schemas.openxmlformats.org/drawingml/2006/main" xmlns:r="http://schemas.openxmlformats.org/officeDocument/2006/relationships" xmlns:p="http://schemas.openxmlformats.org/presentationml/2006/main">
+  <p:cSld>
+    <p:spTree>
+      <p:nvGrpSpPr>
+        <p:cNvPr id="1" name=""/>
+        <p:cNvGrpSpPr/>
+        <p:nvPr/>
+      </p:nvGrpSpPr>
+      <p:grpSpPr>
+        <a:xfrm>
+          <a:off x="0" y="0"/>
+          <a:ext cx="0" cy="0"/>
+          <a:chOff x="0" y="0"/>
+          <a:chExt cx="0" cy="0"/>
+        </a:xfrm>
+      </p:grpSpPr>
+      <p:sp>
+        <p:nvSpPr>
+          <p:cNvPr id="2" name="object 2"/>
+          <p:cNvSpPr txBox="1"/>
+          <p:nvPr/>
+        </p:nvSpPr>
+        <p:spPr>
+          <a:xfrm>
+            <a:off x="474370" y="177546"/>
+            <a:ext cx="8364830" cy="566822"/>
+          </a:xfrm>
+          <a:prstGeom prst="rect">
+            <a:avLst/>
+          </a:prstGeom>
+        </p:spPr>
+        <p:txBody>
+          <a:bodyPr vert="horz" wrap="square" lIns="0" tIns="12700" rIns="0" bIns="0" rtlCol="0">
+            <a:spAutoFit/>
+          </a:bodyPr>
+          <a:lstStyle/>
+          <a:p>
+            <a:pPr marL="12700">
+              <a:lnSpc>
+                <a:spcPct val="100000"/>
+              </a:lnSpc>
+              <a:spcBef>
+                <a:spcPts val="100"/>
+              </a:spcBef>
+            </a:pPr>
+            <a:r>
+              <a:rPr lang="en-US" sz="3600" b="1" spc="-185" dirty="0" err="1">
+                <a:latin typeface="Trebuchet MS"/>
+                <a:cs typeface="UnDinaru"/>
+              </a:rPr>
+              <a:t>Rekognition</a:t>
+            </a:r>
+            <a:r>
+              <a:rPr lang="en-US" sz="3600" b="1" spc="-185" dirty="0">
+                <a:latin typeface="Trebuchet MS"/>
+                <a:cs typeface="UnDinaru"/>
+              </a:rPr>
+              <a:t> </a:t>
+            </a:r>
+            <a:r>
+              <a:rPr lang="ko-KR" altLang="en-US" sz="3600" b="1" spc="-185" dirty="0">
+                <a:latin typeface="Trebuchet MS"/>
+                <a:cs typeface="UnDinaru"/>
+              </a:rPr>
+              <a:t>사용을 위한 권한 설정</a:t>
+            </a:r>
+            <a:endParaRPr sz="3600" b="1" dirty="0">
+              <a:latin typeface="UnDinaru"/>
+              <a:cs typeface="UnDinaru"/>
+            </a:endParaRPr>
+          </a:p>
+        </p:txBody>
+      </p:sp>
+      <p:sp>
+        <p:nvSpPr>
+          <p:cNvPr id="7" name="object 7"/>
+          <p:cNvSpPr txBox="1">
+            <a:spLocks noGrp="1"/>
+          </p:cNvSpPr>
+          <p:nvPr>
+            <p:ph type="sldNum" sz="quarter" idx="7"/>
+          </p:nvPr>
+        </p:nvSpPr>
+        <p:spPr>
+          <a:prstGeom prst="rect">
+            <a:avLst/>
+          </a:prstGeom>
+        </p:spPr>
+        <p:txBody>
+          <a:bodyPr vert="horz" wrap="square" lIns="0" tIns="0" rIns="0" bIns="0" rtlCol="0">
+            <a:spAutoFit/>
+          </a:bodyPr>
+          <a:lstStyle/>
+          <a:p>
+            <a:pPr marL="38100">
+              <a:lnSpc>
+                <a:spcPts val="1240"/>
+              </a:lnSpc>
+            </a:pPr>
+            <a:fld id="{81D60167-4931-47E6-BA6A-407CBD079E47}" type="slidenum">
+              <a:rPr dirty="0"/>
+              <a:t>37</a:t>
+            </a:fld>
+            <a:endParaRPr dirty="0"/>
+          </a:p>
+        </p:txBody>
+      </p:sp>
+      <p:sp>
+        <p:nvSpPr>
+          <p:cNvPr id="6" name="액자 5">
+            <a:extLst>
+              <a:ext uri="{FF2B5EF4-FFF2-40B4-BE49-F238E27FC236}">
+                <a16:creationId xmlns:a16="http://schemas.microsoft.com/office/drawing/2014/main" id="{94D46BAE-84E5-4CDB-B899-3BEFFDA38138}"/>
+              </a:ext>
+            </a:extLst>
+          </p:cNvPr>
+          <p:cNvSpPr/>
+          <p:nvPr/>
+        </p:nvSpPr>
+        <p:spPr>
+          <a:xfrm>
+            <a:off x="1143000" y="3886200"/>
+            <a:ext cx="6695388" cy="304800"/>
+          </a:xfrm>
+          <a:prstGeom prst="frame">
+            <a:avLst>
+              <a:gd name="adj1" fmla="val 0"/>
+            </a:avLst>
+          </a:prstGeom>
+          <a:solidFill>
+            <a:srgbClr val="FF0000"/>
+          </a:solidFill>
+          <a:ln>
+            <a:solidFill>
+              <a:srgbClr val="FF0000"/>
+            </a:solidFill>
+          </a:ln>
+        </p:spPr>
+        <p:style>
+          <a:lnRef idx="2">
+            <a:schemeClr val="accent1">
+              <a:shade val="50000"/>
+            </a:schemeClr>
+          </a:lnRef>
+          <a:fillRef idx="1">
+            <a:schemeClr val="accent1"/>
+          </a:fillRef>
+          <a:effectRef idx="0">
+            <a:schemeClr val="accent1"/>
+          </a:effectRef>
+          <a:fontRef idx="minor">
+            <a:schemeClr val="lt1"/>
+          </a:fontRef>
+        </p:style>
+        <p:txBody>
+          <a:bodyPr rtlCol="0" anchor="ctr"/>
+          <a:lstStyle/>
+          <a:p>
+            <a:pPr algn="ctr"/>
+            <a:endParaRPr lang="ko-KR" altLang="en-US">
+              <a:solidFill>
+                <a:schemeClr val="tx1"/>
+              </a:solidFill>
+            </a:endParaRPr>
+          </a:p>
+        </p:txBody>
+      </p:sp>
+      <p:pic>
+        <p:nvPicPr>
+          <p:cNvPr id="4" name="그림 3">
+            <a:extLst>
+              <a:ext uri="{FF2B5EF4-FFF2-40B4-BE49-F238E27FC236}">
+                <a16:creationId xmlns:a16="http://schemas.microsoft.com/office/drawing/2014/main" id="{C251ADA6-E8B0-4817-BF77-204A24C53B51}"/>
+              </a:ext>
+            </a:extLst>
+          </p:cNvPr>
+          <p:cNvPicPr>
+            <a:picLocks noChangeAspect="1"/>
+          </p:cNvPicPr>
+          <p:nvPr/>
+        </p:nvPicPr>
+        <p:blipFill>
+          <a:blip r:embed="rId2"/>
+          <a:stretch>
+            <a:fillRect/>
+          </a:stretch>
+        </p:blipFill>
+        <p:spPr>
+          <a:xfrm>
+            <a:off x="304113" y="1295400"/>
+            <a:ext cx="7534275" cy="3267075"/>
+          </a:xfrm>
+          <a:prstGeom prst="rect">
+            <a:avLst/>
+          </a:prstGeom>
+        </p:spPr>
+      </p:pic>
+      <p:sp>
+        <p:nvSpPr>
+          <p:cNvPr id="8" name="액자 7">
+            <a:extLst>
+              <a:ext uri="{FF2B5EF4-FFF2-40B4-BE49-F238E27FC236}">
+                <a16:creationId xmlns:a16="http://schemas.microsoft.com/office/drawing/2014/main" id="{9CF2AF09-EDBE-4CB2-83FF-79B175B51BF7}"/>
+              </a:ext>
+            </a:extLst>
+          </p:cNvPr>
+          <p:cNvSpPr/>
+          <p:nvPr/>
+        </p:nvSpPr>
+        <p:spPr>
+          <a:xfrm>
+            <a:off x="434419" y="2204721"/>
+            <a:ext cx="1454477" cy="448307"/>
+          </a:xfrm>
+          <a:prstGeom prst="frame">
+            <a:avLst>
+              <a:gd name="adj1" fmla="val 0"/>
+            </a:avLst>
+          </a:prstGeom>
+          <a:solidFill>
+            <a:srgbClr val="FF0000"/>
+          </a:solidFill>
+          <a:ln>
+            <a:solidFill>
+              <a:srgbClr val="FF0000"/>
+            </a:solidFill>
+          </a:ln>
+        </p:spPr>
+        <p:style>
+          <a:lnRef idx="2">
+            <a:schemeClr val="accent1">
+              <a:shade val="50000"/>
+            </a:schemeClr>
+          </a:lnRef>
+          <a:fillRef idx="1">
+            <a:schemeClr val="accent1"/>
+          </a:fillRef>
+          <a:effectRef idx="0">
+            <a:schemeClr val="accent1"/>
+          </a:effectRef>
+          <a:fontRef idx="minor">
+            <a:schemeClr val="lt1"/>
+          </a:fontRef>
+        </p:style>
+        <p:txBody>
+          <a:bodyPr rtlCol="0" anchor="ctr"/>
+          <a:lstStyle/>
+          <a:p>
+            <a:pPr algn="ctr"/>
+            <a:endParaRPr lang="ko-KR" altLang="en-US">
+              <a:solidFill>
+                <a:schemeClr val="tx1"/>
+              </a:solidFill>
+            </a:endParaRPr>
+          </a:p>
+        </p:txBody>
+      </p:sp>
+    </p:spTree>
+    <p:extLst>
+      <p:ext uri="{BB962C8B-B14F-4D97-AF65-F5344CB8AC3E}">
+        <p14:creationId xmlns:p14="http://schemas.microsoft.com/office/powerpoint/2010/main" val="1067332593"/>
+      </p:ext>
+    </p:extLst>
+  </p:cSld>
+  <p:clrMapOvr>
+    <a:masterClrMapping/>
+  </p:clrMapOvr>
+</p:sld>
+</file>
+
+<file path=ppt/slides/slide38.xml><?xml version="1.0" encoding="utf-8"?>
+<p:sld xmlns:a="http://schemas.openxmlformats.org/drawingml/2006/main" xmlns:r="http://schemas.openxmlformats.org/officeDocument/2006/relationships" xmlns:p="http://schemas.openxmlformats.org/presentationml/2006/main">
+  <p:cSld>
+    <p:spTree>
+      <p:nvGrpSpPr>
+        <p:cNvPr id="1" name=""/>
+        <p:cNvGrpSpPr/>
+        <p:nvPr/>
+      </p:nvGrpSpPr>
+      <p:grpSpPr>
+        <a:xfrm>
+          <a:off x="0" y="0"/>
+          <a:ext cx="0" cy="0"/>
+          <a:chOff x="0" y="0"/>
+          <a:chExt cx="0" cy="0"/>
+        </a:xfrm>
+      </p:grpSpPr>
+      <p:sp>
+        <p:nvSpPr>
+          <p:cNvPr id="2" name="object 2"/>
+          <p:cNvSpPr txBox="1"/>
+          <p:nvPr/>
+        </p:nvSpPr>
+        <p:spPr>
+          <a:xfrm>
+            <a:off x="474370" y="177546"/>
+            <a:ext cx="8364830" cy="566822"/>
+          </a:xfrm>
+          <a:prstGeom prst="rect">
+            <a:avLst/>
+          </a:prstGeom>
+        </p:spPr>
+        <p:txBody>
+          <a:bodyPr vert="horz" wrap="square" lIns="0" tIns="12700" rIns="0" bIns="0" rtlCol="0">
+            <a:spAutoFit/>
+          </a:bodyPr>
+          <a:lstStyle/>
+          <a:p>
+            <a:pPr marL="12700">
+              <a:lnSpc>
+                <a:spcPct val="100000"/>
+              </a:lnSpc>
+              <a:spcBef>
+                <a:spcPts val="100"/>
+              </a:spcBef>
+            </a:pPr>
+            <a:r>
+              <a:rPr lang="en-US" sz="3600" b="1" spc="-185" dirty="0" err="1">
+                <a:latin typeface="Trebuchet MS"/>
+                <a:cs typeface="UnDinaru"/>
+              </a:rPr>
+              <a:t>Rekognition</a:t>
+            </a:r>
+            <a:r>
+              <a:rPr lang="en-US" sz="3600" b="1" spc="-185" dirty="0">
+                <a:latin typeface="Trebuchet MS"/>
+                <a:cs typeface="UnDinaru"/>
+              </a:rPr>
+              <a:t> </a:t>
+            </a:r>
+            <a:r>
+              <a:rPr lang="ko-KR" altLang="en-US" sz="3600" b="1" spc="-185" dirty="0">
+                <a:latin typeface="Trebuchet MS"/>
+                <a:cs typeface="UnDinaru"/>
+              </a:rPr>
+              <a:t>사용을 위한 권한 설정</a:t>
+            </a:r>
+            <a:endParaRPr sz="3600" b="1" dirty="0">
+              <a:latin typeface="UnDinaru"/>
+              <a:cs typeface="UnDinaru"/>
+            </a:endParaRPr>
+          </a:p>
+        </p:txBody>
+      </p:sp>
+      <p:sp>
+        <p:nvSpPr>
+          <p:cNvPr id="7" name="object 7"/>
+          <p:cNvSpPr txBox="1">
+            <a:spLocks noGrp="1"/>
+          </p:cNvSpPr>
+          <p:nvPr>
+            <p:ph type="sldNum" sz="quarter" idx="7"/>
+          </p:nvPr>
+        </p:nvSpPr>
+        <p:spPr>
+          <a:prstGeom prst="rect">
+            <a:avLst/>
+          </a:prstGeom>
+        </p:spPr>
+        <p:txBody>
+          <a:bodyPr vert="horz" wrap="square" lIns="0" tIns="0" rIns="0" bIns="0" rtlCol="0">
+            <a:spAutoFit/>
+          </a:bodyPr>
+          <a:lstStyle/>
+          <a:p>
+            <a:pPr marL="38100">
+              <a:lnSpc>
+                <a:spcPts val="1240"/>
+              </a:lnSpc>
+            </a:pPr>
+            <a:fld id="{81D60167-4931-47E6-BA6A-407CBD079E47}" type="slidenum">
+              <a:rPr dirty="0"/>
+              <a:t>38</a:t>
+            </a:fld>
+            <a:endParaRPr dirty="0"/>
+          </a:p>
+        </p:txBody>
+      </p:sp>
+      <p:pic>
+        <p:nvPicPr>
+          <p:cNvPr id="4" name="그림 3">
+            <a:extLst>
+              <a:ext uri="{FF2B5EF4-FFF2-40B4-BE49-F238E27FC236}">
+                <a16:creationId xmlns:a16="http://schemas.microsoft.com/office/drawing/2014/main" id="{10C6CB17-D608-4C56-9354-CE51084B87DF}"/>
+              </a:ext>
+            </a:extLst>
+          </p:cNvPr>
+          <p:cNvPicPr>
+            <a:picLocks noChangeAspect="1"/>
+          </p:cNvPicPr>
+          <p:nvPr/>
+        </p:nvPicPr>
+        <p:blipFill>
+          <a:blip r:embed="rId2"/>
+          <a:stretch>
+            <a:fillRect/>
+          </a:stretch>
+        </p:blipFill>
+        <p:spPr>
+          <a:xfrm>
+            <a:off x="609600" y="1447800"/>
+            <a:ext cx="7670800" cy="3352800"/>
+          </a:xfrm>
+          <a:prstGeom prst="rect">
+            <a:avLst/>
+          </a:prstGeom>
+        </p:spPr>
+      </p:pic>
+    </p:spTree>
+    <p:extLst>
+      <p:ext uri="{BB962C8B-B14F-4D97-AF65-F5344CB8AC3E}">
+        <p14:creationId xmlns:p14="http://schemas.microsoft.com/office/powerpoint/2010/main" val="592164141"/>
+      </p:ext>
+    </p:extLst>
+  </p:cSld>
+  <p:clrMapOvr>
+    <a:masterClrMapping/>
+  </p:clrMapOvr>
+</p:sld>
+</file>
+
+<file path=ppt/slides/slide39.xml><?xml version="1.0" encoding="utf-8"?>
+<p:sld xmlns:a="http://schemas.openxmlformats.org/drawingml/2006/main" xmlns:r="http://schemas.openxmlformats.org/officeDocument/2006/relationships" xmlns:p="http://schemas.openxmlformats.org/presentationml/2006/main">
+  <p:cSld>
+    <p:spTree>
+      <p:nvGrpSpPr>
+        <p:cNvPr id="1" name=""/>
+        <p:cNvGrpSpPr/>
+        <p:nvPr/>
+      </p:nvGrpSpPr>
+      <p:grpSpPr>
+        <a:xfrm>
+          <a:off x="0" y="0"/>
+          <a:ext cx="0" cy="0"/>
+          <a:chOff x="0" y="0"/>
+          <a:chExt cx="0" cy="0"/>
+        </a:xfrm>
+      </p:grpSpPr>
+      <p:sp>
+        <p:nvSpPr>
+          <p:cNvPr id="2" name="object 2"/>
+          <p:cNvSpPr txBox="1"/>
+          <p:nvPr/>
+        </p:nvSpPr>
+        <p:spPr>
+          <a:xfrm>
+            <a:off x="474370" y="177546"/>
+            <a:ext cx="8364830" cy="566822"/>
+          </a:xfrm>
+          <a:prstGeom prst="rect">
+            <a:avLst/>
+          </a:prstGeom>
+        </p:spPr>
+        <p:txBody>
+          <a:bodyPr vert="horz" wrap="square" lIns="0" tIns="12700" rIns="0" bIns="0" rtlCol="0">
+            <a:spAutoFit/>
+          </a:bodyPr>
+          <a:lstStyle/>
+          <a:p>
+            <a:pPr marL="12700">
+              <a:lnSpc>
+                <a:spcPct val="100000"/>
+              </a:lnSpc>
+              <a:spcBef>
+                <a:spcPts val="100"/>
+              </a:spcBef>
+            </a:pPr>
+            <a:r>
+              <a:rPr lang="en-US" sz="3600" b="1" spc="-185" dirty="0">
+                <a:latin typeface="Trebuchet MS"/>
+                <a:cs typeface="UnDinaru"/>
+              </a:rPr>
+              <a:t>PIL </a:t>
+            </a:r>
+            <a:r>
+              <a:rPr lang="ko-KR" altLang="en-US" sz="3600" b="1" spc="-185" dirty="0">
+                <a:latin typeface="Trebuchet MS"/>
+                <a:cs typeface="UnDinaru"/>
+              </a:rPr>
+              <a:t>패키지 추가</a:t>
+            </a:r>
+            <a:endParaRPr sz="3600" b="1" dirty="0">
+              <a:latin typeface="UnDinaru"/>
+              <a:cs typeface="UnDinaru"/>
+            </a:endParaRPr>
+          </a:p>
+        </p:txBody>
+      </p:sp>
+      <p:sp>
+        <p:nvSpPr>
+          <p:cNvPr id="7" name="object 7"/>
+          <p:cNvSpPr txBox="1">
+            <a:spLocks noGrp="1"/>
+          </p:cNvSpPr>
+          <p:nvPr>
+            <p:ph type="sldNum" sz="quarter" idx="7"/>
+          </p:nvPr>
+        </p:nvSpPr>
+        <p:spPr>
+          <a:prstGeom prst="rect">
+            <a:avLst/>
+          </a:prstGeom>
+        </p:spPr>
+        <p:txBody>
+          <a:bodyPr vert="horz" wrap="square" lIns="0" tIns="0" rIns="0" bIns="0" rtlCol="0">
+            <a:spAutoFit/>
+          </a:bodyPr>
+          <a:lstStyle/>
+          <a:p>
+            <a:pPr marL="38100">
+              <a:lnSpc>
+                <a:spcPts val="1240"/>
+              </a:lnSpc>
+            </a:pPr>
+            <a:fld id="{81D60167-4931-47E6-BA6A-407CBD079E47}" type="slidenum">
+              <a:rPr dirty="0"/>
+              <a:t>39</a:t>
+            </a:fld>
+            <a:endParaRPr dirty="0"/>
+          </a:p>
+        </p:txBody>
+      </p:sp>
+      <p:sp>
+        <p:nvSpPr>
+          <p:cNvPr id="10" name="object 3">
+            <a:extLst>
+              <a:ext uri="{FF2B5EF4-FFF2-40B4-BE49-F238E27FC236}">
+                <a16:creationId xmlns:a16="http://schemas.microsoft.com/office/drawing/2014/main" id="{15C1E1D2-4298-4BAA-90CC-0D7C9876F79D}"/>
+              </a:ext>
+            </a:extLst>
+          </p:cNvPr>
+          <p:cNvSpPr txBox="1"/>
+          <p:nvPr/>
+        </p:nvSpPr>
+        <p:spPr>
+          <a:xfrm>
+            <a:off x="466514" y="1219200"/>
+            <a:ext cx="7298031" cy="4168449"/>
+          </a:xfrm>
+          <a:prstGeom prst="rect">
+            <a:avLst/>
+          </a:prstGeom>
+        </p:spPr>
+        <p:txBody>
+          <a:bodyPr vert="horz" wrap="square" lIns="0" tIns="13335" rIns="0" bIns="0" rtlCol="0">
+            <a:spAutoFit/>
+          </a:bodyPr>
+          <a:lstStyle/>
+          <a:p>
+            <a:pPr marL="241300" indent="-228600">
+              <a:lnSpc>
+                <a:spcPct val="100000"/>
+              </a:lnSpc>
+              <a:spcBef>
+                <a:spcPts val="105"/>
+              </a:spcBef>
+              <a:buFont typeface="Arial"/>
+              <a:buChar char="•"/>
+              <a:tabLst>
+                <a:tab pos="240665" algn="l"/>
+                <a:tab pos="241300" algn="l"/>
+              </a:tabLst>
+            </a:pPr>
+            <a:r>
+              <a:rPr lang="en-US" altLang="ko-KR" sz="2000" dirty="0">
+                <a:latin typeface="UKIJ CJK"/>
+                <a:cs typeface="UKIJ CJK"/>
+              </a:rPr>
+              <a:t>SSH</a:t>
+            </a:r>
+            <a:r>
+              <a:rPr lang="ko-KR" altLang="en-US" sz="2000" dirty="0">
+                <a:latin typeface="UKIJ CJK"/>
+                <a:cs typeface="UKIJ CJK"/>
+              </a:rPr>
+              <a:t>를 이용해서 </a:t>
+            </a:r>
+            <a:r>
+              <a:rPr lang="en-US" altLang="ko-KR" sz="2000" dirty="0">
+                <a:latin typeface="UKIJ CJK"/>
+                <a:cs typeface="UKIJ CJK"/>
+              </a:rPr>
+              <a:t>EC2 </a:t>
+            </a:r>
+            <a:r>
+              <a:rPr lang="ko-KR" altLang="en-US" sz="2000" dirty="0">
+                <a:latin typeface="UKIJ CJK"/>
+                <a:cs typeface="UKIJ CJK"/>
+              </a:rPr>
+              <a:t>인스턴스에 접속</a:t>
+            </a:r>
+            <a:endParaRPr lang="en-US" altLang="ko-KR" sz="2000" dirty="0">
+              <a:latin typeface="UKIJ CJK"/>
+              <a:cs typeface="UKIJ CJK"/>
+            </a:endParaRPr>
+          </a:p>
+          <a:p>
+            <a:pPr marL="241300" indent="-228600">
+              <a:lnSpc>
+                <a:spcPct val="100000"/>
+              </a:lnSpc>
+              <a:spcBef>
+                <a:spcPts val="105"/>
+              </a:spcBef>
+              <a:buFont typeface="Arial"/>
+              <a:buChar char="•"/>
+              <a:tabLst>
+                <a:tab pos="240665" algn="l"/>
+                <a:tab pos="241300" algn="l"/>
+              </a:tabLst>
+            </a:pPr>
+            <a:endParaRPr lang="en-US" altLang="ko-KR" sz="2000" dirty="0">
+              <a:latin typeface="UKIJ CJK"/>
+              <a:cs typeface="UKIJ CJK"/>
+            </a:endParaRPr>
+          </a:p>
+          <a:p>
+            <a:pPr marL="241300" indent="-228600">
+              <a:lnSpc>
+                <a:spcPct val="100000"/>
+              </a:lnSpc>
+              <a:spcBef>
+                <a:spcPts val="105"/>
+              </a:spcBef>
+              <a:buFont typeface="Arial"/>
+              <a:buChar char="•"/>
+              <a:tabLst>
+                <a:tab pos="240665" algn="l"/>
+                <a:tab pos="241300" algn="l"/>
+              </a:tabLst>
+            </a:pPr>
+            <a:r>
+              <a:rPr lang="en-US" altLang="ko-KR" sz="2000" dirty="0" err="1">
+                <a:latin typeface="UKIJ CJK"/>
+                <a:cs typeface="UKIJ CJK"/>
+              </a:rPr>
+              <a:t>mkdir</a:t>
+            </a:r>
+            <a:r>
+              <a:rPr lang="en-US" altLang="ko-KR" sz="2000" dirty="0">
+                <a:latin typeface="UKIJ CJK"/>
+                <a:cs typeface="UKIJ CJK"/>
+              </a:rPr>
+              <a:t> packages</a:t>
+            </a:r>
+          </a:p>
+          <a:p>
+            <a:pPr marL="241300" indent="-228600">
+              <a:lnSpc>
+                <a:spcPct val="100000"/>
+              </a:lnSpc>
+              <a:spcBef>
+                <a:spcPts val="105"/>
+              </a:spcBef>
+              <a:buFont typeface="Arial"/>
+              <a:buChar char="•"/>
+              <a:tabLst>
+                <a:tab pos="240665" algn="l"/>
+                <a:tab pos="241300" algn="l"/>
+              </a:tabLst>
+            </a:pPr>
+            <a:endParaRPr lang="en-US" altLang="ko-KR" sz="2000" dirty="0">
+              <a:latin typeface="UKIJ CJK"/>
+              <a:cs typeface="UKIJ CJK"/>
+            </a:endParaRPr>
+          </a:p>
+          <a:p>
+            <a:pPr marL="241300" indent="-228600">
+              <a:lnSpc>
+                <a:spcPct val="100000"/>
+              </a:lnSpc>
+              <a:spcBef>
+                <a:spcPts val="105"/>
+              </a:spcBef>
+              <a:buFont typeface="Arial"/>
+              <a:buChar char="•"/>
+              <a:tabLst>
+                <a:tab pos="240665" algn="l"/>
+                <a:tab pos="241300" algn="l"/>
+              </a:tabLst>
+            </a:pPr>
+            <a:r>
+              <a:rPr lang="en-US" altLang="ko-KR" sz="2000" dirty="0">
+                <a:latin typeface="UKIJ CJK"/>
+                <a:cs typeface="UKIJ CJK"/>
+              </a:rPr>
+              <a:t>Cd packages</a:t>
+            </a:r>
+          </a:p>
+          <a:p>
+            <a:pPr marL="241300" indent="-228600">
+              <a:lnSpc>
+                <a:spcPct val="100000"/>
+              </a:lnSpc>
+              <a:spcBef>
+                <a:spcPts val="105"/>
+              </a:spcBef>
+              <a:buFont typeface="Arial"/>
+              <a:buChar char="•"/>
+              <a:tabLst>
+                <a:tab pos="240665" algn="l"/>
+                <a:tab pos="241300" algn="l"/>
+              </a:tabLst>
+            </a:pPr>
+            <a:endParaRPr lang="en-US" altLang="ko-KR" sz="2000" dirty="0">
+              <a:latin typeface="UKIJ CJK"/>
+              <a:cs typeface="UKIJ CJK"/>
+            </a:endParaRPr>
+          </a:p>
+          <a:p>
+            <a:pPr marL="241300" indent="-228600">
+              <a:lnSpc>
+                <a:spcPct val="100000"/>
+              </a:lnSpc>
+              <a:spcBef>
+                <a:spcPts val="105"/>
+              </a:spcBef>
+              <a:buFont typeface="Arial"/>
+              <a:buChar char="•"/>
+              <a:tabLst>
+                <a:tab pos="240665" algn="l"/>
+                <a:tab pos="241300" algn="l"/>
+              </a:tabLst>
+            </a:pPr>
+            <a:r>
+              <a:rPr lang="en-US" altLang="ko-KR" sz="2000" dirty="0" err="1">
+                <a:latin typeface="UKIJ CJK"/>
+                <a:cs typeface="UKIJ CJK"/>
+              </a:rPr>
+              <a:t>mkdir</a:t>
+            </a:r>
+            <a:r>
+              <a:rPr lang="en-US" altLang="ko-KR" sz="2000" dirty="0">
+                <a:latin typeface="UKIJ CJK"/>
+                <a:cs typeface="UKIJ CJK"/>
+              </a:rPr>
+              <a:t> python</a:t>
+            </a:r>
+          </a:p>
+          <a:p>
+            <a:pPr marL="241300" indent="-228600">
+              <a:lnSpc>
+                <a:spcPct val="100000"/>
+              </a:lnSpc>
+              <a:spcBef>
+                <a:spcPts val="105"/>
+              </a:spcBef>
+              <a:buFont typeface="Arial"/>
+              <a:buChar char="•"/>
+              <a:tabLst>
+                <a:tab pos="240665" algn="l"/>
+                <a:tab pos="241300" algn="l"/>
+              </a:tabLst>
+            </a:pPr>
+            <a:endParaRPr lang="en-US" altLang="ko-KR" sz="2000" dirty="0">
+              <a:latin typeface="UKIJ CJK"/>
+              <a:cs typeface="UKIJ CJK"/>
+            </a:endParaRPr>
+          </a:p>
+          <a:p>
+            <a:pPr marL="241300" indent="-228600">
+              <a:lnSpc>
+                <a:spcPct val="100000"/>
+              </a:lnSpc>
+              <a:spcBef>
+                <a:spcPts val="105"/>
+              </a:spcBef>
+              <a:buFont typeface="Arial"/>
+              <a:buChar char="•"/>
+              <a:tabLst>
+                <a:tab pos="240665" algn="l"/>
+                <a:tab pos="241300" algn="l"/>
+              </a:tabLst>
+            </a:pPr>
+            <a:r>
+              <a:rPr lang="en-US" altLang="ko-KR" sz="2000" dirty="0">
+                <a:latin typeface="UKIJ CJK"/>
+                <a:cs typeface="UKIJ CJK"/>
+              </a:rPr>
+              <a:t>Cd python</a:t>
+            </a:r>
+          </a:p>
+          <a:p>
+            <a:pPr marL="241300" indent="-228600">
+              <a:lnSpc>
+                <a:spcPct val="100000"/>
+              </a:lnSpc>
+              <a:spcBef>
+                <a:spcPts val="105"/>
+              </a:spcBef>
+              <a:buFont typeface="Arial"/>
+              <a:buChar char="•"/>
+              <a:tabLst>
+                <a:tab pos="240665" algn="l"/>
+                <a:tab pos="241300" algn="l"/>
+              </a:tabLst>
+            </a:pPr>
+            <a:endParaRPr lang="en-US" altLang="ko-KR" sz="2000" dirty="0">
+              <a:latin typeface="UKIJ CJK"/>
+              <a:cs typeface="UKIJ CJK"/>
+            </a:endParaRPr>
+          </a:p>
+          <a:p>
+            <a:pPr marL="241300" indent="-228600">
+              <a:lnSpc>
+                <a:spcPct val="100000"/>
+              </a:lnSpc>
+              <a:spcBef>
+                <a:spcPts val="105"/>
+              </a:spcBef>
+              <a:buFont typeface="Arial"/>
+              <a:buChar char="•"/>
+              <a:tabLst>
+                <a:tab pos="240665" algn="l"/>
+                <a:tab pos="241300" algn="l"/>
+              </a:tabLst>
+            </a:pPr>
+            <a:r>
+              <a:rPr lang="en-US" altLang="ko-KR" sz="2000" dirty="0" err="1">
+                <a:latin typeface="UKIJ CJK"/>
+                <a:cs typeface="UKIJ CJK"/>
+              </a:rPr>
+              <a:t>Sudo</a:t>
+            </a:r>
+            <a:r>
+              <a:rPr lang="en-US" altLang="ko-KR" sz="2000" dirty="0">
+                <a:latin typeface="UKIJ CJK"/>
+                <a:cs typeface="UKIJ CJK"/>
+              </a:rPr>
+              <a:t> pip3 install --target ./ pillow</a:t>
+            </a:r>
+          </a:p>
+          <a:p>
+            <a:pPr marL="241300" indent="-228600">
+              <a:lnSpc>
+                <a:spcPct val="100000"/>
+              </a:lnSpc>
+              <a:spcBef>
+                <a:spcPts val="105"/>
+              </a:spcBef>
+              <a:buFont typeface="Arial"/>
+              <a:buChar char="•"/>
+              <a:tabLst>
+                <a:tab pos="240665" algn="l"/>
+                <a:tab pos="241300" algn="l"/>
+              </a:tabLst>
+            </a:pPr>
+            <a:endParaRPr lang="en-US" altLang="ko-KR" sz="2000" dirty="0">
+              <a:latin typeface="UKIJ CJK"/>
+              <a:cs typeface="UKIJ CJK"/>
+            </a:endParaRPr>
+          </a:p>
+          <a:p>
+            <a:pPr marL="241300" indent="-228600">
+              <a:lnSpc>
+                <a:spcPct val="100000"/>
+              </a:lnSpc>
+              <a:spcBef>
+                <a:spcPts val="105"/>
+              </a:spcBef>
+              <a:buFont typeface="Arial"/>
+              <a:buChar char="•"/>
+              <a:tabLst>
+                <a:tab pos="240665" algn="l"/>
+                <a:tab pos="241300" algn="l"/>
+              </a:tabLst>
+            </a:pPr>
+            <a:r>
+              <a:rPr lang="en-US" altLang="ko-KR" sz="2000" dirty="0">
+                <a:latin typeface="UKIJ CJK"/>
+                <a:cs typeface="UKIJ CJK"/>
+              </a:rPr>
+              <a:t>Cd ~</a:t>
+            </a:r>
+          </a:p>
+        </p:txBody>
+      </p:sp>
+    </p:spTree>
+    <p:extLst>
+      <p:ext uri="{BB962C8B-B14F-4D97-AF65-F5344CB8AC3E}">
+        <p14:creationId xmlns:p14="http://schemas.microsoft.com/office/powerpoint/2010/main" val="1264488530"/>
       </p:ext>
     </p:extLst>
   </p:cSld>
@@ -10797,6 +13505,2465 @@
 </p:sld>
 </file>
 
+<file path=ppt/slides/slide40.xml><?xml version="1.0" encoding="utf-8"?>
+<p:sld xmlns:a="http://schemas.openxmlformats.org/drawingml/2006/main" xmlns:r="http://schemas.openxmlformats.org/officeDocument/2006/relationships" xmlns:p="http://schemas.openxmlformats.org/presentationml/2006/main">
+  <p:cSld>
+    <p:spTree>
+      <p:nvGrpSpPr>
+        <p:cNvPr id="1" name=""/>
+        <p:cNvGrpSpPr/>
+        <p:nvPr/>
+      </p:nvGrpSpPr>
+      <p:grpSpPr>
+        <a:xfrm>
+          <a:off x="0" y="0"/>
+          <a:ext cx="0" cy="0"/>
+          <a:chOff x="0" y="0"/>
+          <a:chExt cx="0" cy="0"/>
+        </a:xfrm>
+      </p:grpSpPr>
+      <p:sp>
+        <p:nvSpPr>
+          <p:cNvPr id="2" name="object 2"/>
+          <p:cNvSpPr txBox="1"/>
+          <p:nvPr/>
+        </p:nvSpPr>
+        <p:spPr>
+          <a:xfrm>
+            <a:off x="474370" y="177546"/>
+            <a:ext cx="8364830" cy="566822"/>
+          </a:xfrm>
+          <a:prstGeom prst="rect">
+            <a:avLst/>
+          </a:prstGeom>
+        </p:spPr>
+        <p:txBody>
+          <a:bodyPr vert="horz" wrap="square" lIns="0" tIns="12700" rIns="0" bIns="0" rtlCol="0">
+            <a:spAutoFit/>
+          </a:bodyPr>
+          <a:lstStyle/>
+          <a:p>
+            <a:pPr marL="12700">
+              <a:lnSpc>
+                <a:spcPct val="100000"/>
+              </a:lnSpc>
+              <a:spcBef>
+                <a:spcPts val="100"/>
+              </a:spcBef>
+            </a:pPr>
+            <a:r>
+              <a:rPr lang="en-US" sz="3600" b="1" spc="-185" dirty="0">
+                <a:latin typeface="Trebuchet MS"/>
+                <a:cs typeface="UnDinaru"/>
+              </a:rPr>
+              <a:t>PIL </a:t>
+            </a:r>
+            <a:r>
+              <a:rPr lang="ko-KR" altLang="en-US" sz="3600" b="1" spc="-185" dirty="0">
+                <a:latin typeface="Trebuchet MS"/>
+                <a:cs typeface="UnDinaru"/>
+              </a:rPr>
+              <a:t>패키지 추가</a:t>
+            </a:r>
+            <a:endParaRPr sz="3600" b="1" dirty="0">
+              <a:latin typeface="UnDinaru"/>
+              <a:cs typeface="UnDinaru"/>
+            </a:endParaRPr>
+          </a:p>
+        </p:txBody>
+      </p:sp>
+      <p:sp>
+        <p:nvSpPr>
+          <p:cNvPr id="7" name="object 7"/>
+          <p:cNvSpPr txBox="1">
+            <a:spLocks noGrp="1"/>
+          </p:cNvSpPr>
+          <p:nvPr>
+            <p:ph type="sldNum" sz="quarter" idx="7"/>
+          </p:nvPr>
+        </p:nvSpPr>
+        <p:spPr>
+          <a:prstGeom prst="rect">
+            <a:avLst/>
+          </a:prstGeom>
+        </p:spPr>
+        <p:txBody>
+          <a:bodyPr vert="horz" wrap="square" lIns="0" tIns="0" rIns="0" bIns="0" rtlCol="0">
+            <a:spAutoFit/>
+          </a:bodyPr>
+          <a:lstStyle/>
+          <a:p>
+            <a:pPr marL="38100">
+              <a:lnSpc>
+                <a:spcPts val="1240"/>
+              </a:lnSpc>
+            </a:pPr>
+            <a:fld id="{81D60167-4931-47E6-BA6A-407CBD079E47}" type="slidenum">
+              <a:rPr dirty="0"/>
+              <a:t>40</a:t>
+            </a:fld>
+            <a:endParaRPr dirty="0"/>
+          </a:p>
+        </p:txBody>
+      </p:sp>
+      <p:sp>
+        <p:nvSpPr>
+          <p:cNvPr id="10" name="object 3">
+            <a:extLst>
+              <a:ext uri="{FF2B5EF4-FFF2-40B4-BE49-F238E27FC236}">
+                <a16:creationId xmlns:a16="http://schemas.microsoft.com/office/drawing/2014/main" id="{15C1E1D2-4298-4BAA-90CC-0D7C9876F79D}"/>
+              </a:ext>
+            </a:extLst>
+          </p:cNvPr>
+          <p:cNvSpPr txBox="1"/>
+          <p:nvPr/>
+        </p:nvSpPr>
+        <p:spPr>
+          <a:xfrm>
+            <a:off x="466514" y="1219200"/>
+            <a:ext cx="7298031" cy="2244845"/>
+          </a:xfrm>
+          <a:prstGeom prst="rect">
+            <a:avLst/>
+          </a:prstGeom>
+        </p:spPr>
+        <p:txBody>
+          <a:bodyPr vert="horz" wrap="square" lIns="0" tIns="13335" rIns="0" bIns="0" rtlCol="0">
+            <a:spAutoFit/>
+          </a:bodyPr>
+          <a:lstStyle/>
+          <a:p>
+            <a:pPr marL="241300" indent="-228600">
+              <a:lnSpc>
+                <a:spcPct val="100000"/>
+              </a:lnSpc>
+              <a:spcBef>
+                <a:spcPts val="105"/>
+              </a:spcBef>
+              <a:buFont typeface="Arial"/>
+              <a:buChar char="•"/>
+              <a:tabLst>
+                <a:tab pos="240665" algn="l"/>
+                <a:tab pos="241300" algn="l"/>
+              </a:tabLst>
+            </a:pPr>
+            <a:r>
+              <a:rPr lang="en-US" altLang="ko-KR" sz="2000" dirty="0" err="1">
+                <a:latin typeface="UKIJ CJK"/>
+                <a:cs typeface="UKIJ CJK"/>
+              </a:rPr>
+              <a:t>Sudo</a:t>
+            </a:r>
+            <a:r>
+              <a:rPr lang="ko-KR" altLang="en-US" sz="2000" dirty="0">
+                <a:latin typeface="UKIJ CJK"/>
+                <a:cs typeface="UKIJ CJK"/>
+              </a:rPr>
+              <a:t> </a:t>
+            </a:r>
+            <a:r>
+              <a:rPr lang="en-US" altLang="ko-KR" sz="2000" dirty="0">
+                <a:latin typeface="UKIJ CJK"/>
+                <a:cs typeface="UKIJ CJK"/>
+              </a:rPr>
+              <a:t>apt-get</a:t>
+            </a:r>
+            <a:r>
+              <a:rPr lang="ko-KR" altLang="en-US" sz="2000" dirty="0">
+                <a:latin typeface="UKIJ CJK"/>
+                <a:cs typeface="UKIJ CJK"/>
+              </a:rPr>
+              <a:t> </a:t>
+            </a:r>
+            <a:r>
+              <a:rPr lang="en-US" altLang="ko-KR" sz="2000" dirty="0">
+                <a:latin typeface="UKIJ CJK"/>
+                <a:cs typeface="UKIJ CJK"/>
+              </a:rPr>
+              <a:t>install</a:t>
+            </a:r>
+            <a:r>
+              <a:rPr lang="ko-KR" altLang="en-US" sz="2000" dirty="0">
+                <a:latin typeface="UKIJ CJK"/>
+                <a:cs typeface="UKIJ CJK"/>
+              </a:rPr>
+              <a:t> </a:t>
+            </a:r>
+            <a:r>
+              <a:rPr lang="en-US" altLang="ko-KR" sz="2000" dirty="0">
+                <a:latin typeface="UKIJ CJK"/>
+                <a:cs typeface="UKIJ CJK"/>
+              </a:rPr>
+              <a:t>zip</a:t>
+            </a:r>
+          </a:p>
+          <a:p>
+            <a:pPr marL="241300" indent="-228600">
+              <a:lnSpc>
+                <a:spcPct val="100000"/>
+              </a:lnSpc>
+              <a:spcBef>
+                <a:spcPts val="105"/>
+              </a:spcBef>
+              <a:buFont typeface="Arial"/>
+              <a:buChar char="•"/>
+              <a:tabLst>
+                <a:tab pos="240665" algn="l"/>
+                <a:tab pos="241300" algn="l"/>
+              </a:tabLst>
+            </a:pPr>
+            <a:endParaRPr lang="en-US" altLang="ko-KR" sz="2000" dirty="0">
+              <a:latin typeface="UKIJ CJK"/>
+              <a:cs typeface="UKIJ CJK"/>
+            </a:endParaRPr>
+          </a:p>
+          <a:p>
+            <a:pPr marL="241300" indent="-228600">
+              <a:lnSpc>
+                <a:spcPct val="100000"/>
+              </a:lnSpc>
+              <a:spcBef>
+                <a:spcPts val="105"/>
+              </a:spcBef>
+              <a:buFont typeface="Arial"/>
+              <a:buChar char="•"/>
+              <a:tabLst>
+                <a:tab pos="240665" algn="l"/>
+                <a:tab pos="241300" algn="l"/>
+              </a:tabLst>
+            </a:pPr>
+            <a:r>
+              <a:rPr lang="en-US" altLang="ko-KR" sz="2000" dirty="0">
+                <a:latin typeface="UKIJ CJK"/>
+                <a:cs typeface="UKIJ CJK"/>
+              </a:rPr>
+              <a:t>Zip -r packages.zip packages</a:t>
+            </a:r>
+          </a:p>
+          <a:p>
+            <a:pPr marL="241300" indent="-228600">
+              <a:lnSpc>
+                <a:spcPct val="100000"/>
+              </a:lnSpc>
+              <a:spcBef>
+                <a:spcPts val="105"/>
+              </a:spcBef>
+              <a:buFont typeface="Arial"/>
+              <a:buChar char="•"/>
+              <a:tabLst>
+                <a:tab pos="240665" algn="l"/>
+                <a:tab pos="241300" algn="l"/>
+              </a:tabLst>
+            </a:pPr>
+            <a:endParaRPr lang="en-US" altLang="ko-KR" sz="2000" dirty="0">
+              <a:latin typeface="UKIJ CJK"/>
+              <a:cs typeface="UKIJ CJK"/>
+            </a:endParaRPr>
+          </a:p>
+          <a:p>
+            <a:pPr marL="241300" indent="-228600">
+              <a:lnSpc>
+                <a:spcPct val="100000"/>
+              </a:lnSpc>
+              <a:spcBef>
+                <a:spcPts val="105"/>
+              </a:spcBef>
+              <a:buFont typeface="Arial"/>
+              <a:buChar char="•"/>
+              <a:tabLst>
+                <a:tab pos="240665" algn="l"/>
+                <a:tab pos="241300" algn="l"/>
+              </a:tabLst>
+            </a:pPr>
+            <a:r>
+              <a:rPr lang="en-US" altLang="ko-KR" sz="2000" dirty="0">
+                <a:latin typeface="UKIJ CJK"/>
+                <a:cs typeface="UKIJ CJK"/>
+              </a:rPr>
+              <a:t>Packages.zip</a:t>
+            </a:r>
+            <a:r>
+              <a:rPr lang="ko-KR" altLang="en-US" sz="2000" dirty="0">
+                <a:latin typeface="UKIJ CJK"/>
+                <a:cs typeface="UKIJ CJK"/>
+              </a:rPr>
+              <a:t>를 내 컴퓨터로 다운로드</a:t>
+            </a:r>
+            <a:endParaRPr lang="en-US" altLang="ko-KR" sz="2000" dirty="0">
+              <a:latin typeface="UKIJ CJK"/>
+              <a:cs typeface="UKIJ CJK"/>
+            </a:endParaRPr>
+          </a:p>
+          <a:p>
+            <a:pPr marL="241300" indent="-228600">
+              <a:lnSpc>
+                <a:spcPct val="100000"/>
+              </a:lnSpc>
+              <a:spcBef>
+                <a:spcPts val="105"/>
+              </a:spcBef>
+              <a:buFont typeface="Arial"/>
+              <a:buChar char="•"/>
+              <a:tabLst>
+                <a:tab pos="240665" algn="l"/>
+                <a:tab pos="241300" algn="l"/>
+              </a:tabLst>
+            </a:pPr>
+            <a:endParaRPr lang="en-US" altLang="ko-KR" sz="2000" dirty="0">
+              <a:latin typeface="UKIJ CJK"/>
+              <a:cs typeface="UKIJ CJK"/>
+            </a:endParaRPr>
+          </a:p>
+          <a:p>
+            <a:pPr marL="241300" indent="-228600">
+              <a:lnSpc>
+                <a:spcPct val="100000"/>
+              </a:lnSpc>
+              <a:spcBef>
+                <a:spcPts val="105"/>
+              </a:spcBef>
+              <a:buFont typeface="Arial"/>
+              <a:buChar char="•"/>
+              <a:tabLst>
+                <a:tab pos="240665" algn="l"/>
+                <a:tab pos="241300" algn="l"/>
+              </a:tabLst>
+            </a:pPr>
+            <a:r>
+              <a:rPr lang="en-US" altLang="ko-KR" sz="2000" dirty="0" err="1">
+                <a:latin typeface="UKIJ CJK"/>
+                <a:cs typeface="UKIJ CJK"/>
+              </a:rPr>
+              <a:t>Xshell</a:t>
+            </a:r>
+            <a:r>
+              <a:rPr lang="ko-KR" altLang="en-US" sz="2000" dirty="0">
+                <a:latin typeface="UKIJ CJK"/>
+                <a:cs typeface="UKIJ CJK"/>
+              </a:rPr>
+              <a:t>의 경우 </a:t>
+            </a:r>
+            <a:r>
+              <a:rPr lang="en-US" altLang="ko-KR" sz="2000" dirty="0" err="1">
+                <a:latin typeface="UKIJ CJK"/>
+                <a:cs typeface="UKIJ CJK"/>
+              </a:rPr>
+              <a:t>sz</a:t>
+            </a:r>
+            <a:r>
+              <a:rPr lang="en-US" altLang="ko-KR" sz="2000" dirty="0">
+                <a:latin typeface="UKIJ CJK"/>
+                <a:cs typeface="UKIJ CJK"/>
+              </a:rPr>
+              <a:t> packages.zip</a:t>
+            </a:r>
+          </a:p>
+        </p:txBody>
+      </p:sp>
+    </p:spTree>
+    <p:extLst>
+      <p:ext uri="{BB962C8B-B14F-4D97-AF65-F5344CB8AC3E}">
+        <p14:creationId xmlns:p14="http://schemas.microsoft.com/office/powerpoint/2010/main" val="764282617"/>
+      </p:ext>
+    </p:extLst>
+  </p:cSld>
+  <p:clrMapOvr>
+    <a:masterClrMapping/>
+  </p:clrMapOvr>
+</p:sld>
+</file>
+
+<file path=ppt/slides/slide41.xml><?xml version="1.0" encoding="utf-8"?>
+<p:sld xmlns:a="http://schemas.openxmlformats.org/drawingml/2006/main" xmlns:r="http://schemas.openxmlformats.org/officeDocument/2006/relationships" xmlns:p="http://schemas.openxmlformats.org/presentationml/2006/main">
+  <p:cSld>
+    <p:spTree>
+      <p:nvGrpSpPr>
+        <p:cNvPr id="1" name=""/>
+        <p:cNvGrpSpPr/>
+        <p:nvPr/>
+      </p:nvGrpSpPr>
+      <p:grpSpPr>
+        <a:xfrm>
+          <a:off x="0" y="0"/>
+          <a:ext cx="0" cy="0"/>
+          <a:chOff x="0" y="0"/>
+          <a:chExt cx="0" cy="0"/>
+        </a:xfrm>
+      </p:grpSpPr>
+      <p:sp>
+        <p:nvSpPr>
+          <p:cNvPr id="2" name="object 2"/>
+          <p:cNvSpPr txBox="1"/>
+          <p:nvPr/>
+        </p:nvSpPr>
+        <p:spPr>
+          <a:xfrm>
+            <a:off x="474370" y="177546"/>
+            <a:ext cx="8364830" cy="566822"/>
+          </a:xfrm>
+          <a:prstGeom prst="rect">
+            <a:avLst/>
+          </a:prstGeom>
+        </p:spPr>
+        <p:txBody>
+          <a:bodyPr vert="horz" wrap="square" lIns="0" tIns="12700" rIns="0" bIns="0" rtlCol="0">
+            <a:spAutoFit/>
+          </a:bodyPr>
+          <a:lstStyle/>
+          <a:p>
+            <a:pPr marL="12700">
+              <a:lnSpc>
+                <a:spcPct val="100000"/>
+              </a:lnSpc>
+              <a:spcBef>
+                <a:spcPts val="100"/>
+              </a:spcBef>
+            </a:pPr>
+            <a:r>
+              <a:rPr lang="en-US" sz="3600" b="1" spc="-185" dirty="0">
+                <a:latin typeface="Trebuchet MS"/>
+                <a:cs typeface="UnDinaru"/>
+              </a:rPr>
+              <a:t>PIL </a:t>
+            </a:r>
+            <a:r>
+              <a:rPr lang="ko-KR" altLang="en-US" sz="3600" b="1" spc="-185" dirty="0">
+                <a:latin typeface="Trebuchet MS"/>
+                <a:cs typeface="UnDinaru"/>
+              </a:rPr>
+              <a:t>패키지 추가</a:t>
+            </a:r>
+            <a:endParaRPr sz="3600" b="1" dirty="0">
+              <a:latin typeface="UnDinaru"/>
+              <a:cs typeface="UnDinaru"/>
+            </a:endParaRPr>
+          </a:p>
+        </p:txBody>
+      </p:sp>
+      <p:sp>
+        <p:nvSpPr>
+          <p:cNvPr id="7" name="object 7"/>
+          <p:cNvSpPr txBox="1">
+            <a:spLocks noGrp="1"/>
+          </p:cNvSpPr>
+          <p:nvPr>
+            <p:ph type="sldNum" sz="quarter" idx="7"/>
+          </p:nvPr>
+        </p:nvSpPr>
+        <p:spPr>
+          <a:prstGeom prst="rect">
+            <a:avLst/>
+          </a:prstGeom>
+        </p:spPr>
+        <p:txBody>
+          <a:bodyPr vert="horz" wrap="square" lIns="0" tIns="0" rIns="0" bIns="0" rtlCol="0">
+            <a:spAutoFit/>
+          </a:bodyPr>
+          <a:lstStyle/>
+          <a:p>
+            <a:pPr marL="38100">
+              <a:lnSpc>
+                <a:spcPts val="1240"/>
+              </a:lnSpc>
+            </a:pPr>
+            <a:fld id="{81D60167-4931-47E6-BA6A-407CBD079E47}" type="slidenum">
+              <a:rPr dirty="0"/>
+              <a:t>41</a:t>
+            </a:fld>
+            <a:endParaRPr dirty="0"/>
+          </a:p>
+        </p:txBody>
+      </p:sp>
+      <p:sp>
+        <p:nvSpPr>
+          <p:cNvPr id="10" name="object 3">
+            <a:extLst>
+              <a:ext uri="{FF2B5EF4-FFF2-40B4-BE49-F238E27FC236}">
+                <a16:creationId xmlns:a16="http://schemas.microsoft.com/office/drawing/2014/main" id="{15C1E1D2-4298-4BAA-90CC-0D7C9876F79D}"/>
+              </a:ext>
+            </a:extLst>
+          </p:cNvPr>
+          <p:cNvSpPr txBox="1"/>
+          <p:nvPr/>
+        </p:nvSpPr>
+        <p:spPr>
+          <a:xfrm>
+            <a:off x="466514" y="1219200"/>
+            <a:ext cx="7298031" cy="2244845"/>
+          </a:xfrm>
+          <a:prstGeom prst="rect">
+            <a:avLst/>
+          </a:prstGeom>
+        </p:spPr>
+        <p:txBody>
+          <a:bodyPr vert="horz" wrap="square" lIns="0" tIns="13335" rIns="0" bIns="0" rtlCol="0">
+            <a:spAutoFit/>
+          </a:bodyPr>
+          <a:lstStyle/>
+          <a:p>
+            <a:pPr marL="241300" indent="-228600">
+              <a:lnSpc>
+                <a:spcPct val="100000"/>
+              </a:lnSpc>
+              <a:spcBef>
+                <a:spcPts val="105"/>
+              </a:spcBef>
+              <a:buFont typeface="Arial"/>
+              <a:buChar char="•"/>
+              <a:tabLst>
+                <a:tab pos="240665" algn="l"/>
+                <a:tab pos="241300" algn="l"/>
+              </a:tabLst>
+            </a:pPr>
+            <a:r>
+              <a:rPr lang="en-US" altLang="ko-KR" sz="2000" dirty="0" err="1">
+                <a:latin typeface="UKIJ CJK"/>
+                <a:cs typeface="UKIJ CJK"/>
+              </a:rPr>
+              <a:t>Sudo</a:t>
+            </a:r>
+            <a:r>
+              <a:rPr lang="ko-KR" altLang="en-US" sz="2000" dirty="0">
+                <a:latin typeface="UKIJ CJK"/>
+                <a:cs typeface="UKIJ CJK"/>
+              </a:rPr>
+              <a:t> </a:t>
+            </a:r>
+            <a:r>
+              <a:rPr lang="en-US" altLang="ko-KR" sz="2000" dirty="0">
+                <a:latin typeface="UKIJ CJK"/>
+                <a:cs typeface="UKIJ CJK"/>
+              </a:rPr>
+              <a:t>apt-get</a:t>
+            </a:r>
+            <a:r>
+              <a:rPr lang="ko-KR" altLang="en-US" sz="2000" dirty="0">
+                <a:latin typeface="UKIJ CJK"/>
+                <a:cs typeface="UKIJ CJK"/>
+              </a:rPr>
+              <a:t> </a:t>
+            </a:r>
+            <a:r>
+              <a:rPr lang="en-US" altLang="ko-KR" sz="2000" dirty="0">
+                <a:latin typeface="UKIJ CJK"/>
+                <a:cs typeface="UKIJ CJK"/>
+              </a:rPr>
+              <a:t>install</a:t>
+            </a:r>
+            <a:r>
+              <a:rPr lang="ko-KR" altLang="en-US" sz="2000" dirty="0">
+                <a:latin typeface="UKIJ CJK"/>
+                <a:cs typeface="UKIJ CJK"/>
+              </a:rPr>
+              <a:t> </a:t>
+            </a:r>
+            <a:r>
+              <a:rPr lang="en-US" altLang="ko-KR" sz="2000" dirty="0">
+                <a:latin typeface="UKIJ CJK"/>
+                <a:cs typeface="UKIJ CJK"/>
+              </a:rPr>
+              <a:t>zip</a:t>
+            </a:r>
+          </a:p>
+          <a:p>
+            <a:pPr marL="241300" indent="-228600">
+              <a:lnSpc>
+                <a:spcPct val="100000"/>
+              </a:lnSpc>
+              <a:spcBef>
+                <a:spcPts val="105"/>
+              </a:spcBef>
+              <a:buFont typeface="Arial"/>
+              <a:buChar char="•"/>
+              <a:tabLst>
+                <a:tab pos="240665" algn="l"/>
+                <a:tab pos="241300" algn="l"/>
+              </a:tabLst>
+            </a:pPr>
+            <a:endParaRPr lang="en-US" altLang="ko-KR" sz="2000" dirty="0">
+              <a:latin typeface="UKIJ CJK"/>
+              <a:cs typeface="UKIJ CJK"/>
+            </a:endParaRPr>
+          </a:p>
+          <a:p>
+            <a:pPr marL="241300" indent="-228600">
+              <a:lnSpc>
+                <a:spcPct val="100000"/>
+              </a:lnSpc>
+              <a:spcBef>
+                <a:spcPts val="105"/>
+              </a:spcBef>
+              <a:buFont typeface="Arial"/>
+              <a:buChar char="•"/>
+              <a:tabLst>
+                <a:tab pos="240665" algn="l"/>
+                <a:tab pos="241300" algn="l"/>
+              </a:tabLst>
+            </a:pPr>
+            <a:r>
+              <a:rPr lang="en-US" altLang="ko-KR" sz="2000" dirty="0">
+                <a:latin typeface="UKIJ CJK"/>
+                <a:cs typeface="UKIJ CJK"/>
+              </a:rPr>
+              <a:t>Zip -r packages.zip packages</a:t>
+            </a:r>
+          </a:p>
+          <a:p>
+            <a:pPr marL="241300" indent="-228600">
+              <a:lnSpc>
+                <a:spcPct val="100000"/>
+              </a:lnSpc>
+              <a:spcBef>
+                <a:spcPts val="105"/>
+              </a:spcBef>
+              <a:buFont typeface="Arial"/>
+              <a:buChar char="•"/>
+              <a:tabLst>
+                <a:tab pos="240665" algn="l"/>
+                <a:tab pos="241300" algn="l"/>
+              </a:tabLst>
+            </a:pPr>
+            <a:endParaRPr lang="en-US" altLang="ko-KR" sz="2000" dirty="0">
+              <a:latin typeface="UKIJ CJK"/>
+              <a:cs typeface="UKIJ CJK"/>
+            </a:endParaRPr>
+          </a:p>
+          <a:p>
+            <a:pPr marL="241300" indent="-228600">
+              <a:lnSpc>
+                <a:spcPct val="100000"/>
+              </a:lnSpc>
+              <a:spcBef>
+                <a:spcPts val="105"/>
+              </a:spcBef>
+              <a:buFont typeface="Arial"/>
+              <a:buChar char="•"/>
+              <a:tabLst>
+                <a:tab pos="240665" algn="l"/>
+                <a:tab pos="241300" algn="l"/>
+              </a:tabLst>
+            </a:pPr>
+            <a:r>
+              <a:rPr lang="en-US" altLang="ko-KR" sz="2000" dirty="0">
+                <a:latin typeface="UKIJ CJK"/>
+                <a:cs typeface="UKIJ CJK"/>
+              </a:rPr>
+              <a:t>Packages.zip</a:t>
+            </a:r>
+            <a:r>
+              <a:rPr lang="ko-KR" altLang="en-US" sz="2000" dirty="0">
+                <a:latin typeface="UKIJ CJK"/>
+                <a:cs typeface="UKIJ CJK"/>
+              </a:rPr>
+              <a:t>를 내 컴퓨터로 다운로드</a:t>
+            </a:r>
+            <a:endParaRPr lang="en-US" altLang="ko-KR" sz="2000" dirty="0">
+              <a:latin typeface="UKIJ CJK"/>
+              <a:cs typeface="UKIJ CJK"/>
+            </a:endParaRPr>
+          </a:p>
+          <a:p>
+            <a:pPr marL="241300" indent="-228600">
+              <a:lnSpc>
+                <a:spcPct val="100000"/>
+              </a:lnSpc>
+              <a:spcBef>
+                <a:spcPts val="105"/>
+              </a:spcBef>
+              <a:buFont typeface="Arial"/>
+              <a:buChar char="•"/>
+              <a:tabLst>
+                <a:tab pos="240665" algn="l"/>
+                <a:tab pos="241300" algn="l"/>
+              </a:tabLst>
+            </a:pPr>
+            <a:endParaRPr lang="en-US" altLang="ko-KR" sz="2000" dirty="0">
+              <a:latin typeface="UKIJ CJK"/>
+              <a:cs typeface="UKIJ CJK"/>
+            </a:endParaRPr>
+          </a:p>
+          <a:p>
+            <a:pPr marL="241300" indent="-228600">
+              <a:lnSpc>
+                <a:spcPct val="100000"/>
+              </a:lnSpc>
+              <a:spcBef>
+                <a:spcPts val="105"/>
+              </a:spcBef>
+              <a:buFont typeface="Arial"/>
+              <a:buChar char="•"/>
+              <a:tabLst>
+                <a:tab pos="240665" algn="l"/>
+                <a:tab pos="241300" algn="l"/>
+              </a:tabLst>
+            </a:pPr>
+            <a:r>
+              <a:rPr lang="en-US" altLang="ko-KR" sz="2000" dirty="0" err="1">
+                <a:latin typeface="UKIJ CJK"/>
+                <a:cs typeface="UKIJ CJK"/>
+              </a:rPr>
+              <a:t>Xshell</a:t>
+            </a:r>
+            <a:r>
+              <a:rPr lang="ko-KR" altLang="en-US" sz="2000" dirty="0">
+                <a:latin typeface="UKIJ CJK"/>
+                <a:cs typeface="UKIJ CJK"/>
+              </a:rPr>
+              <a:t>의 경우 </a:t>
+            </a:r>
+            <a:r>
+              <a:rPr lang="en-US" altLang="ko-KR" sz="2000" dirty="0" err="1">
+                <a:latin typeface="UKIJ CJK"/>
+                <a:cs typeface="UKIJ CJK"/>
+              </a:rPr>
+              <a:t>sz</a:t>
+            </a:r>
+            <a:r>
+              <a:rPr lang="en-US" altLang="ko-KR" sz="2000" dirty="0">
+                <a:latin typeface="UKIJ CJK"/>
+                <a:cs typeface="UKIJ CJK"/>
+              </a:rPr>
+              <a:t> packages.zip</a:t>
+            </a:r>
+          </a:p>
+        </p:txBody>
+      </p:sp>
+    </p:spTree>
+    <p:extLst>
+      <p:ext uri="{BB962C8B-B14F-4D97-AF65-F5344CB8AC3E}">
+        <p14:creationId xmlns:p14="http://schemas.microsoft.com/office/powerpoint/2010/main" val="3825020840"/>
+      </p:ext>
+    </p:extLst>
+  </p:cSld>
+  <p:clrMapOvr>
+    <a:masterClrMapping/>
+  </p:clrMapOvr>
+</p:sld>
+</file>
+
+<file path=ppt/slides/slide42.xml><?xml version="1.0" encoding="utf-8"?>
+<p:sld xmlns:a="http://schemas.openxmlformats.org/drawingml/2006/main" xmlns:r="http://schemas.openxmlformats.org/officeDocument/2006/relationships" xmlns:p="http://schemas.openxmlformats.org/presentationml/2006/main">
+  <p:cSld>
+    <p:spTree>
+      <p:nvGrpSpPr>
+        <p:cNvPr id="1" name=""/>
+        <p:cNvGrpSpPr/>
+        <p:nvPr/>
+      </p:nvGrpSpPr>
+      <p:grpSpPr>
+        <a:xfrm>
+          <a:off x="0" y="0"/>
+          <a:ext cx="0" cy="0"/>
+          <a:chOff x="0" y="0"/>
+          <a:chExt cx="0" cy="0"/>
+        </a:xfrm>
+      </p:grpSpPr>
+      <p:pic>
+        <p:nvPicPr>
+          <p:cNvPr id="6" name="그림 5">
+            <a:extLst>
+              <a:ext uri="{FF2B5EF4-FFF2-40B4-BE49-F238E27FC236}">
+                <a16:creationId xmlns:a16="http://schemas.microsoft.com/office/drawing/2014/main" id="{E63B2A2D-6770-4C0D-88BE-3A65A3396A58}"/>
+              </a:ext>
+            </a:extLst>
+          </p:cNvPr>
+          <p:cNvPicPr>
+            <a:picLocks noChangeAspect="1"/>
+          </p:cNvPicPr>
+          <p:nvPr/>
+        </p:nvPicPr>
+        <p:blipFill>
+          <a:blip r:embed="rId2"/>
+          <a:stretch>
+            <a:fillRect/>
+          </a:stretch>
+        </p:blipFill>
+        <p:spPr>
+          <a:xfrm>
+            <a:off x="26709" y="3429000"/>
+            <a:ext cx="9144000" cy="781176"/>
+          </a:xfrm>
+          <a:prstGeom prst="rect">
+            <a:avLst/>
+          </a:prstGeom>
+        </p:spPr>
+      </p:pic>
+      <p:sp>
+        <p:nvSpPr>
+          <p:cNvPr id="2" name="object 2"/>
+          <p:cNvSpPr txBox="1"/>
+          <p:nvPr/>
+        </p:nvSpPr>
+        <p:spPr>
+          <a:xfrm>
+            <a:off x="474370" y="177546"/>
+            <a:ext cx="8364830" cy="566822"/>
+          </a:xfrm>
+          <a:prstGeom prst="rect">
+            <a:avLst/>
+          </a:prstGeom>
+        </p:spPr>
+        <p:txBody>
+          <a:bodyPr vert="horz" wrap="square" lIns="0" tIns="12700" rIns="0" bIns="0" rtlCol="0">
+            <a:spAutoFit/>
+          </a:bodyPr>
+          <a:lstStyle/>
+          <a:p>
+            <a:pPr marL="12700">
+              <a:lnSpc>
+                <a:spcPct val="100000"/>
+              </a:lnSpc>
+              <a:spcBef>
+                <a:spcPts val="100"/>
+              </a:spcBef>
+            </a:pPr>
+            <a:r>
+              <a:rPr lang="en-US" sz="3600" b="1" dirty="0">
+                <a:latin typeface="UnDinaru"/>
+                <a:cs typeface="UnDinaru"/>
+              </a:rPr>
+              <a:t>Lambda</a:t>
+            </a:r>
+            <a:r>
+              <a:rPr lang="ko-KR" altLang="en-US" sz="3600" b="1" dirty="0">
+                <a:latin typeface="UnDinaru"/>
+                <a:cs typeface="UnDinaru"/>
+              </a:rPr>
+              <a:t>에 레이어 추가</a:t>
+            </a:r>
+            <a:endParaRPr sz="3600" b="1" dirty="0">
+              <a:latin typeface="UnDinaru"/>
+              <a:cs typeface="UnDinaru"/>
+            </a:endParaRPr>
+          </a:p>
+        </p:txBody>
+      </p:sp>
+      <p:sp>
+        <p:nvSpPr>
+          <p:cNvPr id="7" name="object 7"/>
+          <p:cNvSpPr txBox="1">
+            <a:spLocks noGrp="1"/>
+          </p:cNvSpPr>
+          <p:nvPr>
+            <p:ph type="sldNum" sz="quarter" idx="7"/>
+          </p:nvPr>
+        </p:nvSpPr>
+        <p:spPr>
+          <a:prstGeom prst="rect">
+            <a:avLst/>
+          </a:prstGeom>
+        </p:spPr>
+        <p:txBody>
+          <a:bodyPr vert="horz" wrap="square" lIns="0" tIns="0" rIns="0" bIns="0" rtlCol="0">
+            <a:spAutoFit/>
+          </a:bodyPr>
+          <a:lstStyle/>
+          <a:p>
+            <a:pPr marL="38100">
+              <a:lnSpc>
+                <a:spcPts val="1240"/>
+              </a:lnSpc>
+            </a:pPr>
+            <a:fld id="{81D60167-4931-47E6-BA6A-407CBD079E47}" type="slidenum">
+              <a:rPr dirty="0"/>
+              <a:t>42</a:t>
+            </a:fld>
+            <a:endParaRPr dirty="0"/>
+          </a:p>
+        </p:txBody>
+      </p:sp>
+      <p:pic>
+        <p:nvPicPr>
+          <p:cNvPr id="5" name="그림 4">
+            <a:extLst>
+              <a:ext uri="{FF2B5EF4-FFF2-40B4-BE49-F238E27FC236}">
+                <a16:creationId xmlns:a16="http://schemas.microsoft.com/office/drawing/2014/main" id="{9C6E04FB-CD95-4F4A-97FB-593E2609657E}"/>
+              </a:ext>
+            </a:extLst>
+          </p:cNvPr>
+          <p:cNvPicPr>
+            <a:picLocks noChangeAspect="1"/>
+          </p:cNvPicPr>
+          <p:nvPr/>
+        </p:nvPicPr>
+        <p:blipFill>
+          <a:blip r:embed="rId3"/>
+          <a:stretch>
+            <a:fillRect/>
+          </a:stretch>
+        </p:blipFill>
+        <p:spPr>
+          <a:xfrm>
+            <a:off x="228600" y="1100012"/>
+            <a:ext cx="2714625" cy="2438400"/>
+          </a:xfrm>
+          <a:prstGeom prst="rect">
+            <a:avLst/>
+          </a:prstGeom>
+        </p:spPr>
+      </p:pic>
+      <p:sp>
+        <p:nvSpPr>
+          <p:cNvPr id="8" name="TextBox 7">
+            <a:extLst>
+              <a:ext uri="{FF2B5EF4-FFF2-40B4-BE49-F238E27FC236}">
+                <a16:creationId xmlns:a16="http://schemas.microsoft.com/office/drawing/2014/main" id="{C9D1D05E-12D5-43C1-96CC-C9AB2E7BB769}"/>
+              </a:ext>
+            </a:extLst>
+          </p:cNvPr>
+          <p:cNvSpPr txBox="1"/>
+          <p:nvPr/>
+        </p:nvSpPr>
+        <p:spPr>
+          <a:xfrm>
+            <a:off x="3581400" y="1371600"/>
+            <a:ext cx="4834978" cy="646331"/>
+          </a:xfrm>
+          <a:prstGeom prst="rect">
+            <a:avLst/>
+          </a:prstGeom>
+          <a:noFill/>
+        </p:spPr>
+        <p:txBody>
+          <a:bodyPr wrap="none" rtlCol="0">
+            <a:spAutoFit/>
+          </a:bodyPr>
+          <a:lstStyle/>
+          <a:p>
+            <a:r>
+              <a:rPr lang="en-US" altLang="ko-KR" dirty="0">
+                <a:solidFill>
+                  <a:srgbClr val="FF0000"/>
+                </a:solidFill>
+              </a:rPr>
+              <a:t>*</a:t>
+            </a:r>
+            <a:r>
+              <a:rPr lang="ko-KR" altLang="en-US" dirty="0">
+                <a:solidFill>
+                  <a:srgbClr val="FF0000"/>
+                </a:solidFill>
+              </a:rPr>
+              <a:t>레이어 </a:t>
+            </a:r>
+            <a:r>
+              <a:rPr lang="en-US" altLang="ko-KR" dirty="0">
+                <a:solidFill>
+                  <a:srgbClr val="FF0000"/>
+                </a:solidFill>
+              </a:rPr>
+              <a:t>: </a:t>
+            </a:r>
+            <a:r>
+              <a:rPr lang="ko-KR" altLang="en-US" dirty="0">
+                <a:solidFill>
+                  <a:srgbClr val="FF0000"/>
+                </a:solidFill>
+              </a:rPr>
+              <a:t>람다에서 기본적으로 갖고 있지 않은</a:t>
+            </a:r>
+            <a:endParaRPr lang="en-US" altLang="ko-KR" dirty="0">
+              <a:solidFill>
+                <a:srgbClr val="FF0000"/>
+              </a:solidFill>
+            </a:endParaRPr>
+          </a:p>
+          <a:p>
+            <a:r>
+              <a:rPr lang="ko-KR" altLang="en-US" dirty="0">
+                <a:solidFill>
+                  <a:srgbClr val="FF0000"/>
+                </a:solidFill>
+              </a:rPr>
+              <a:t>라이브러리 </a:t>
+            </a:r>
+            <a:r>
+              <a:rPr lang="en-US" altLang="ko-KR" dirty="0">
+                <a:solidFill>
+                  <a:srgbClr val="FF0000"/>
+                </a:solidFill>
+              </a:rPr>
+              <a:t>or </a:t>
+            </a:r>
+            <a:r>
+              <a:rPr lang="ko-KR" altLang="en-US" dirty="0">
+                <a:solidFill>
+                  <a:srgbClr val="FF0000"/>
+                </a:solidFill>
+              </a:rPr>
+              <a:t>패키지를 추가하기 위한 기능</a:t>
+            </a:r>
+          </a:p>
+        </p:txBody>
+      </p:sp>
+    </p:spTree>
+    <p:extLst>
+      <p:ext uri="{BB962C8B-B14F-4D97-AF65-F5344CB8AC3E}">
+        <p14:creationId xmlns:p14="http://schemas.microsoft.com/office/powerpoint/2010/main" val="682087213"/>
+      </p:ext>
+    </p:extLst>
+  </p:cSld>
+  <p:clrMapOvr>
+    <a:masterClrMapping/>
+  </p:clrMapOvr>
+</p:sld>
+</file>
+
+<file path=ppt/slides/slide43.xml><?xml version="1.0" encoding="utf-8"?>
+<p:sld xmlns:a="http://schemas.openxmlformats.org/drawingml/2006/main" xmlns:r="http://schemas.openxmlformats.org/officeDocument/2006/relationships" xmlns:p="http://schemas.openxmlformats.org/presentationml/2006/main">
+  <p:cSld>
+    <p:spTree>
+      <p:nvGrpSpPr>
+        <p:cNvPr id="1" name=""/>
+        <p:cNvGrpSpPr/>
+        <p:nvPr/>
+      </p:nvGrpSpPr>
+      <p:grpSpPr>
+        <a:xfrm>
+          <a:off x="0" y="0"/>
+          <a:ext cx="0" cy="0"/>
+          <a:chOff x="0" y="0"/>
+          <a:chExt cx="0" cy="0"/>
+        </a:xfrm>
+      </p:grpSpPr>
+      <p:sp>
+        <p:nvSpPr>
+          <p:cNvPr id="2" name="object 2"/>
+          <p:cNvSpPr txBox="1"/>
+          <p:nvPr/>
+        </p:nvSpPr>
+        <p:spPr>
+          <a:xfrm>
+            <a:off x="474370" y="177546"/>
+            <a:ext cx="8364830" cy="566822"/>
+          </a:xfrm>
+          <a:prstGeom prst="rect">
+            <a:avLst/>
+          </a:prstGeom>
+        </p:spPr>
+        <p:txBody>
+          <a:bodyPr vert="horz" wrap="square" lIns="0" tIns="12700" rIns="0" bIns="0" rtlCol="0">
+            <a:spAutoFit/>
+          </a:bodyPr>
+          <a:lstStyle/>
+          <a:p>
+            <a:pPr marL="12700">
+              <a:lnSpc>
+                <a:spcPct val="100000"/>
+              </a:lnSpc>
+              <a:spcBef>
+                <a:spcPts val="100"/>
+              </a:spcBef>
+            </a:pPr>
+            <a:r>
+              <a:rPr lang="en-US" sz="3600" b="1" dirty="0">
+                <a:latin typeface="UnDinaru"/>
+                <a:cs typeface="UnDinaru"/>
+              </a:rPr>
+              <a:t>Lambda</a:t>
+            </a:r>
+            <a:r>
+              <a:rPr lang="ko-KR" altLang="en-US" sz="3600" b="1" dirty="0">
+                <a:latin typeface="UnDinaru"/>
+                <a:cs typeface="UnDinaru"/>
+              </a:rPr>
+              <a:t>에 레이어 추가</a:t>
+            </a:r>
+            <a:endParaRPr sz="3600" b="1" dirty="0">
+              <a:latin typeface="UnDinaru"/>
+              <a:cs typeface="UnDinaru"/>
+            </a:endParaRPr>
+          </a:p>
+        </p:txBody>
+      </p:sp>
+      <p:sp>
+        <p:nvSpPr>
+          <p:cNvPr id="7" name="object 7"/>
+          <p:cNvSpPr txBox="1">
+            <a:spLocks noGrp="1"/>
+          </p:cNvSpPr>
+          <p:nvPr>
+            <p:ph type="sldNum" sz="quarter" idx="7"/>
+          </p:nvPr>
+        </p:nvSpPr>
+        <p:spPr>
+          <a:prstGeom prst="rect">
+            <a:avLst/>
+          </a:prstGeom>
+        </p:spPr>
+        <p:txBody>
+          <a:bodyPr vert="horz" wrap="square" lIns="0" tIns="0" rIns="0" bIns="0" rtlCol="0">
+            <a:spAutoFit/>
+          </a:bodyPr>
+          <a:lstStyle/>
+          <a:p>
+            <a:pPr marL="38100">
+              <a:lnSpc>
+                <a:spcPts val="1240"/>
+              </a:lnSpc>
+            </a:pPr>
+            <a:fld id="{81D60167-4931-47E6-BA6A-407CBD079E47}" type="slidenum">
+              <a:rPr dirty="0"/>
+              <a:t>43</a:t>
+            </a:fld>
+            <a:endParaRPr dirty="0"/>
+          </a:p>
+        </p:txBody>
+      </p:sp>
+      <p:pic>
+        <p:nvPicPr>
+          <p:cNvPr id="3" name="그림 2">
+            <a:extLst>
+              <a:ext uri="{FF2B5EF4-FFF2-40B4-BE49-F238E27FC236}">
+                <a16:creationId xmlns:a16="http://schemas.microsoft.com/office/drawing/2014/main" id="{077A4F8C-32EC-4991-AFD5-6CD30B4B3A2A}"/>
+              </a:ext>
+            </a:extLst>
+          </p:cNvPr>
+          <p:cNvPicPr>
+            <a:picLocks noChangeAspect="1"/>
+          </p:cNvPicPr>
+          <p:nvPr/>
+        </p:nvPicPr>
+        <p:blipFill>
+          <a:blip r:embed="rId2"/>
+          <a:stretch>
+            <a:fillRect/>
+          </a:stretch>
+        </p:blipFill>
+        <p:spPr>
+          <a:xfrm>
+            <a:off x="228600" y="1143001"/>
+            <a:ext cx="6248400" cy="3507734"/>
+          </a:xfrm>
+          <a:prstGeom prst="rect">
+            <a:avLst/>
+          </a:prstGeom>
+        </p:spPr>
+      </p:pic>
+      <p:sp>
+        <p:nvSpPr>
+          <p:cNvPr id="4" name="TextBox 3">
+            <a:extLst>
+              <a:ext uri="{FF2B5EF4-FFF2-40B4-BE49-F238E27FC236}">
+                <a16:creationId xmlns:a16="http://schemas.microsoft.com/office/drawing/2014/main" id="{5291E2C0-A6B3-4781-9B36-BAB6493AEC3C}"/>
+              </a:ext>
+            </a:extLst>
+          </p:cNvPr>
+          <p:cNvSpPr txBox="1"/>
+          <p:nvPr/>
+        </p:nvSpPr>
+        <p:spPr>
+          <a:xfrm>
+            <a:off x="3352800" y="3917310"/>
+            <a:ext cx="3315395" cy="369332"/>
+          </a:xfrm>
+          <a:prstGeom prst="rect">
+            <a:avLst/>
+          </a:prstGeom>
+          <a:noFill/>
+        </p:spPr>
+        <p:txBody>
+          <a:bodyPr wrap="none" rtlCol="0">
+            <a:spAutoFit/>
+          </a:bodyPr>
+          <a:lstStyle/>
+          <a:p>
+            <a:r>
+              <a:rPr lang="ko-KR" altLang="en-US" dirty="0">
+                <a:solidFill>
+                  <a:srgbClr val="FF0000"/>
+                </a:solidFill>
+              </a:rPr>
+              <a:t>다운받은 </a:t>
+            </a:r>
+            <a:r>
+              <a:rPr lang="en-US" altLang="ko-KR" dirty="0">
+                <a:solidFill>
+                  <a:srgbClr val="FF0000"/>
+                </a:solidFill>
+              </a:rPr>
+              <a:t>packages.zip</a:t>
+            </a:r>
+            <a:r>
+              <a:rPr lang="ko-KR" altLang="en-US" dirty="0">
+                <a:solidFill>
+                  <a:srgbClr val="FF0000"/>
+                </a:solidFill>
+              </a:rPr>
+              <a:t>를 업로드</a:t>
+            </a:r>
+          </a:p>
+        </p:txBody>
+      </p:sp>
+    </p:spTree>
+    <p:extLst>
+      <p:ext uri="{BB962C8B-B14F-4D97-AF65-F5344CB8AC3E}">
+        <p14:creationId xmlns:p14="http://schemas.microsoft.com/office/powerpoint/2010/main" val="433679085"/>
+      </p:ext>
+    </p:extLst>
+  </p:cSld>
+  <p:clrMapOvr>
+    <a:masterClrMapping/>
+  </p:clrMapOvr>
+</p:sld>
+</file>
+
+<file path=ppt/slides/slide44.xml><?xml version="1.0" encoding="utf-8"?>
+<p:sld xmlns:a="http://schemas.openxmlformats.org/drawingml/2006/main" xmlns:r="http://schemas.openxmlformats.org/officeDocument/2006/relationships" xmlns:p="http://schemas.openxmlformats.org/presentationml/2006/main">
+  <p:cSld>
+    <p:spTree>
+      <p:nvGrpSpPr>
+        <p:cNvPr id="1" name=""/>
+        <p:cNvGrpSpPr/>
+        <p:nvPr/>
+      </p:nvGrpSpPr>
+      <p:grpSpPr>
+        <a:xfrm>
+          <a:off x="0" y="0"/>
+          <a:ext cx="0" cy="0"/>
+          <a:chOff x="0" y="0"/>
+          <a:chExt cx="0" cy="0"/>
+        </a:xfrm>
+      </p:grpSpPr>
+      <p:sp>
+        <p:nvSpPr>
+          <p:cNvPr id="2" name="object 2"/>
+          <p:cNvSpPr txBox="1"/>
+          <p:nvPr/>
+        </p:nvSpPr>
+        <p:spPr>
+          <a:xfrm>
+            <a:off x="474370" y="177546"/>
+            <a:ext cx="8364830" cy="566822"/>
+          </a:xfrm>
+          <a:prstGeom prst="rect">
+            <a:avLst/>
+          </a:prstGeom>
+        </p:spPr>
+        <p:txBody>
+          <a:bodyPr vert="horz" wrap="square" lIns="0" tIns="12700" rIns="0" bIns="0" rtlCol="0">
+            <a:spAutoFit/>
+          </a:bodyPr>
+          <a:lstStyle/>
+          <a:p>
+            <a:pPr marL="12700">
+              <a:lnSpc>
+                <a:spcPct val="100000"/>
+              </a:lnSpc>
+              <a:spcBef>
+                <a:spcPts val="100"/>
+              </a:spcBef>
+            </a:pPr>
+            <a:r>
+              <a:rPr lang="en-US" sz="3600" b="1" dirty="0">
+                <a:latin typeface="UnDinaru"/>
+                <a:cs typeface="UnDinaru"/>
+              </a:rPr>
+              <a:t>Lambda</a:t>
+            </a:r>
+            <a:r>
+              <a:rPr lang="ko-KR" altLang="en-US" sz="3600" b="1" dirty="0">
+                <a:latin typeface="UnDinaru"/>
+                <a:cs typeface="UnDinaru"/>
+              </a:rPr>
+              <a:t>에 레이어 추가</a:t>
+            </a:r>
+            <a:endParaRPr sz="3600" b="1" dirty="0">
+              <a:latin typeface="UnDinaru"/>
+              <a:cs typeface="UnDinaru"/>
+            </a:endParaRPr>
+          </a:p>
+        </p:txBody>
+      </p:sp>
+      <p:sp>
+        <p:nvSpPr>
+          <p:cNvPr id="7" name="object 7"/>
+          <p:cNvSpPr txBox="1">
+            <a:spLocks noGrp="1"/>
+          </p:cNvSpPr>
+          <p:nvPr>
+            <p:ph type="sldNum" sz="quarter" idx="7"/>
+          </p:nvPr>
+        </p:nvSpPr>
+        <p:spPr>
+          <a:prstGeom prst="rect">
+            <a:avLst/>
+          </a:prstGeom>
+        </p:spPr>
+        <p:txBody>
+          <a:bodyPr vert="horz" wrap="square" lIns="0" tIns="0" rIns="0" bIns="0" rtlCol="0">
+            <a:spAutoFit/>
+          </a:bodyPr>
+          <a:lstStyle/>
+          <a:p>
+            <a:pPr marL="38100">
+              <a:lnSpc>
+                <a:spcPts val="1240"/>
+              </a:lnSpc>
+            </a:pPr>
+            <a:fld id="{81D60167-4931-47E6-BA6A-407CBD079E47}" type="slidenum">
+              <a:rPr dirty="0"/>
+              <a:t>44</a:t>
+            </a:fld>
+            <a:endParaRPr dirty="0"/>
+          </a:p>
+        </p:txBody>
+      </p:sp>
+      <p:pic>
+        <p:nvPicPr>
+          <p:cNvPr id="6" name="그림 5">
+            <a:extLst>
+              <a:ext uri="{FF2B5EF4-FFF2-40B4-BE49-F238E27FC236}">
+                <a16:creationId xmlns:a16="http://schemas.microsoft.com/office/drawing/2014/main" id="{8C197A81-EC20-4C12-A7EB-2F560F5509AE}"/>
+              </a:ext>
+            </a:extLst>
+          </p:cNvPr>
+          <p:cNvPicPr>
+            <a:picLocks noChangeAspect="1"/>
+          </p:cNvPicPr>
+          <p:nvPr/>
+        </p:nvPicPr>
+        <p:blipFill>
+          <a:blip r:embed="rId2"/>
+          <a:stretch>
+            <a:fillRect/>
+          </a:stretch>
+        </p:blipFill>
+        <p:spPr>
+          <a:xfrm>
+            <a:off x="152400" y="1143000"/>
+            <a:ext cx="6497657" cy="1447800"/>
+          </a:xfrm>
+          <a:prstGeom prst="rect">
+            <a:avLst/>
+          </a:prstGeom>
+        </p:spPr>
+      </p:pic>
+      <p:pic>
+        <p:nvPicPr>
+          <p:cNvPr id="8" name="그림 7">
+            <a:extLst>
+              <a:ext uri="{FF2B5EF4-FFF2-40B4-BE49-F238E27FC236}">
+                <a16:creationId xmlns:a16="http://schemas.microsoft.com/office/drawing/2014/main" id="{7DD282B2-9891-424A-908F-939941695CF6}"/>
+              </a:ext>
+            </a:extLst>
+          </p:cNvPr>
+          <p:cNvPicPr>
+            <a:picLocks noChangeAspect="1"/>
+          </p:cNvPicPr>
+          <p:nvPr/>
+        </p:nvPicPr>
+        <p:blipFill>
+          <a:blip r:embed="rId3"/>
+          <a:stretch>
+            <a:fillRect/>
+          </a:stretch>
+        </p:blipFill>
+        <p:spPr>
+          <a:xfrm>
+            <a:off x="228600" y="2989432"/>
+            <a:ext cx="6629400" cy="2343150"/>
+          </a:xfrm>
+          <a:prstGeom prst="rect">
+            <a:avLst/>
+          </a:prstGeom>
+        </p:spPr>
+      </p:pic>
+      <p:sp>
+        <p:nvSpPr>
+          <p:cNvPr id="5" name="TextBox 4">
+            <a:extLst>
+              <a:ext uri="{FF2B5EF4-FFF2-40B4-BE49-F238E27FC236}">
+                <a16:creationId xmlns:a16="http://schemas.microsoft.com/office/drawing/2014/main" id="{2C7196DD-ED20-4706-9949-0D6FBCE2E5D2}"/>
+              </a:ext>
+            </a:extLst>
+          </p:cNvPr>
+          <p:cNvSpPr txBox="1"/>
+          <p:nvPr/>
+        </p:nvSpPr>
+        <p:spPr>
+          <a:xfrm>
+            <a:off x="2438400" y="3962400"/>
+            <a:ext cx="1711622" cy="369332"/>
+          </a:xfrm>
+          <a:prstGeom prst="rect">
+            <a:avLst/>
+          </a:prstGeom>
+          <a:noFill/>
+        </p:spPr>
+        <p:txBody>
+          <a:bodyPr wrap="none" rtlCol="0">
+            <a:spAutoFit/>
+          </a:bodyPr>
+          <a:lstStyle/>
+          <a:p>
+            <a:r>
+              <a:rPr lang="en-US" altLang="ko-KR" dirty="0"/>
+              <a:t>Python</a:t>
+            </a:r>
+            <a:r>
+              <a:rPr lang="ko-KR" altLang="en-US" dirty="0"/>
+              <a:t> </a:t>
+            </a:r>
+            <a:r>
+              <a:rPr lang="en-US" altLang="ko-KR" dirty="0"/>
+              <a:t>3.6</a:t>
+            </a:r>
+            <a:r>
+              <a:rPr lang="ko-KR" altLang="en-US" dirty="0"/>
+              <a:t> 선택</a:t>
+            </a:r>
+          </a:p>
+        </p:txBody>
+      </p:sp>
+      <p:pic>
+        <p:nvPicPr>
+          <p:cNvPr id="9" name="그림 8">
+            <a:extLst>
+              <a:ext uri="{FF2B5EF4-FFF2-40B4-BE49-F238E27FC236}">
+                <a16:creationId xmlns:a16="http://schemas.microsoft.com/office/drawing/2014/main" id="{46BBFCED-8D24-489A-823A-8E01A310B4EF}"/>
+              </a:ext>
+            </a:extLst>
+          </p:cNvPr>
+          <p:cNvPicPr>
+            <a:picLocks noChangeAspect="1"/>
+          </p:cNvPicPr>
+          <p:nvPr/>
+        </p:nvPicPr>
+        <p:blipFill>
+          <a:blip r:embed="rId4"/>
+          <a:stretch>
+            <a:fillRect/>
+          </a:stretch>
+        </p:blipFill>
+        <p:spPr>
+          <a:xfrm>
+            <a:off x="5029200" y="5299329"/>
+            <a:ext cx="2686050" cy="1381125"/>
+          </a:xfrm>
+          <a:prstGeom prst="rect">
+            <a:avLst/>
+          </a:prstGeom>
+        </p:spPr>
+      </p:pic>
+    </p:spTree>
+    <p:extLst>
+      <p:ext uri="{BB962C8B-B14F-4D97-AF65-F5344CB8AC3E}">
+        <p14:creationId xmlns:p14="http://schemas.microsoft.com/office/powerpoint/2010/main" val="2358744536"/>
+      </p:ext>
+    </p:extLst>
+  </p:cSld>
+  <p:clrMapOvr>
+    <a:masterClrMapping/>
+  </p:clrMapOvr>
+</p:sld>
+</file>
+
+<file path=ppt/slides/slide45.xml><?xml version="1.0" encoding="utf-8"?>
+<p:sld xmlns:a="http://schemas.openxmlformats.org/drawingml/2006/main" xmlns:r="http://schemas.openxmlformats.org/officeDocument/2006/relationships" xmlns:p="http://schemas.openxmlformats.org/presentationml/2006/main">
+  <p:cSld>
+    <p:spTree>
+      <p:nvGrpSpPr>
+        <p:cNvPr id="1" name=""/>
+        <p:cNvGrpSpPr/>
+        <p:nvPr/>
+      </p:nvGrpSpPr>
+      <p:grpSpPr>
+        <a:xfrm>
+          <a:off x="0" y="0"/>
+          <a:ext cx="0" cy="0"/>
+          <a:chOff x="0" y="0"/>
+          <a:chExt cx="0" cy="0"/>
+        </a:xfrm>
+      </p:grpSpPr>
+      <p:sp>
+        <p:nvSpPr>
+          <p:cNvPr id="2" name="object 2"/>
+          <p:cNvSpPr txBox="1"/>
+          <p:nvPr/>
+        </p:nvSpPr>
+        <p:spPr>
+          <a:xfrm>
+            <a:off x="474370" y="177546"/>
+            <a:ext cx="8364830" cy="566822"/>
+          </a:xfrm>
+          <a:prstGeom prst="rect">
+            <a:avLst/>
+          </a:prstGeom>
+        </p:spPr>
+        <p:txBody>
+          <a:bodyPr vert="horz" wrap="square" lIns="0" tIns="12700" rIns="0" bIns="0" rtlCol="0">
+            <a:spAutoFit/>
+          </a:bodyPr>
+          <a:lstStyle/>
+          <a:p>
+            <a:pPr marL="12700">
+              <a:lnSpc>
+                <a:spcPct val="100000"/>
+              </a:lnSpc>
+              <a:spcBef>
+                <a:spcPts val="100"/>
+              </a:spcBef>
+            </a:pPr>
+            <a:r>
+              <a:rPr lang="en-US" sz="3600" b="1" dirty="0">
+                <a:latin typeface="UnDinaru"/>
+                <a:cs typeface="UnDinaru"/>
+              </a:rPr>
+              <a:t>Lambda</a:t>
+            </a:r>
+            <a:r>
+              <a:rPr lang="ko-KR" altLang="en-US" sz="3600" b="1" dirty="0">
+                <a:latin typeface="UnDinaru"/>
+                <a:cs typeface="UnDinaru"/>
+              </a:rPr>
+              <a:t>에 레이어 추가</a:t>
+            </a:r>
+            <a:endParaRPr sz="3600" b="1" dirty="0">
+              <a:latin typeface="UnDinaru"/>
+              <a:cs typeface="UnDinaru"/>
+            </a:endParaRPr>
+          </a:p>
+        </p:txBody>
+      </p:sp>
+      <p:sp>
+        <p:nvSpPr>
+          <p:cNvPr id="7" name="object 7"/>
+          <p:cNvSpPr txBox="1">
+            <a:spLocks noGrp="1"/>
+          </p:cNvSpPr>
+          <p:nvPr>
+            <p:ph type="sldNum" sz="quarter" idx="7"/>
+          </p:nvPr>
+        </p:nvSpPr>
+        <p:spPr>
+          <a:prstGeom prst="rect">
+            <a:avLst/>
+          </a:prstGeom>
+        </p:spPr>
+        <p:txBody>
+          <a:bodyPr vert="horz" wrap="square" lIns="0" tIns="0" rIns="0" bIns="0" rtlCol="0">
+            <a:spAutoFit/>
+          </a:bodyPr>
+          <a:lstStyle/>
+          <a:p>
+            <a:pPr marL="38100">
+              <a:lnSpc>
+                <a:spcPts val="1240"/>
+              </a:lnSpc>
+            </a:pPr>
+            <a:fld id="{81D60167-4931-47E6-BA6A-407CBD079E47}" type="slidenum">
+              <a:rPr dirty="0"/>
+              <a:t>45</a:t>
+            </a:fld>
+            <a:endParaRPr dirty="0"/>
+          </a:p>
+        </p:txBody>
+      </p:sp>
+      <p:pic>
+        <p:nvPicPr>
+          <p:cNvPr id="6" name="그림 5">
+            <a:extLst>
+              <a:ext uri="{FF2B5EF4-FFF2-40B4-BE49-F238E27FC236}">
+                <a16:creationId xmlns:a16="http://schemas.microsoft.com/office/drawing/2014/main" id="{8C197A81-EC20-4C12-A7EB-2F560F5509AE}"/>
+              </a:ext>
+            </a:extLst>
+          </p:cNvPr>
+          <p:cNvPicPr>
+            <a:picLocks noChangeAspect="1"/>
+          </p:cNvPicPr>
+          <p:nvPr/>
+        </p:nvPicPr>
+        <p:blipFill>
+          <a:blip r:embed="rId2"/>
+          <a:stretch>
+            <a:fillRect/>
+          </a:stretch>
+        </p:blipFill>
+        <p:spPr>
+          <a:xfrm>
+            <a:off x="152400" y="1143000"/>
+            <a:ext cx="6497657" cy="1447800"/>
+          </a:xfrm>
+          <a:prstGeom prst="rect">
+            <a:avLst/>
+          </a:prstGeom>
+        </p:spPr>
+      </p:pic>
+      <p:pic>
+        <p:nvPicPr>
+          <p:cNvPr id="8" name="그림 7">
+            <a:extLst>
+              <a:ext uri="{FF2B5EF4-FFF2-40B4-BE49-F238E27FC236}">
+                <a16:creationId xmlns:a16="http://schemas.microsoft.com/office/drawing/2014/main" id="{7DD282B2-9891-424A-908F-939941695CF6}"/>
+              </a:ext>
+            </a:extLst>
+          </p:cNvPr>
+          <p:cNvPicPr>
+            <a:picLocks noChangeAspect="1"/>
+          </p:cNvPicPr>
+          <p:nvPr/>
+        </p:nvPicPr>
+        <p:blipFill>
+          <a:blip r:embed="rId3"/>
+          <a:stretch>
+            <a:fillRect/>
+          </a:stretch>
+        </p:blipFill>
+        <p:spPr>
+          <a:xfrm>
+            <a:off x="228600" y="2989432"/>
+            <a:ext cx="6629400" cy="2343150"/>
+          </a:xfrm>
+          <a:prstGeom prst="rect">
+            <a:avLst/>
+          </a:prstGeom>
+        </p:spPr>
+      </p:pic>
+      <p:sp>
+        <p:nvSpPr>
+          <p:cNvPr id="5" name="TextBox 4">
+            <a:extLst>
+              <a:ext uri="{FF2B5EF4-FFF2-40B4-BE49-F238E27FC236}">
+                <a16:creationId xmlns:a16="http://schemas.microsoft.com/office/drawing/2014/main" id="{2C7196DD-ED20-4706-9949-0D6FBCE2E5D2}"/>
+              </a:ext>
+            </a:extLst>
+          </p:cNvPr>
+          <p:cNvSpPr txBox="1"/>
+          <p:nvPr/>
+        </p:nvSpPr>
+        <p:spPr>
+          <a:xfrm>
+            <a:off x="2438400" y="3962400"/>
+            <a:ext cx="1711622" cy="369332"/>
+          </a:xfrm>
+          <a:prstGeom prst="rect">
+            <a:avLst/>
+          </a:prstGeom>
+          <a:noFill/>
+        </p:spPr>
+        <p:txBody>
+          <a:bodyPr wrap="none" rtlCol="0">
+            <a:spAutoFit/>
+          </a:bodyPr>
+          <a:lstStyle/>
+          <a:p>
+            <a:r>
+              <a:rPr lang="en-US" altLang="ko-KR" dirty="0"/>
+              <a:t>Python</a:t>
+            </a:r>
+            <a:r>
+              <a:rPr lang="ko-KR" altLang="en-US" dirty="0"/>
+              <a:t> </a:t>
+            </a:r>
+            <a:r>
+              <a:rPr lang="en-US" altLang="ko-KR" dirty="0"/>
+              <a:t>3.6</a:t>
+            </a:r>
+            <a:r>
+              <a:rPr lang="ko-KR" altLang="en-US" dirty="0"/>
+              <a:t> 선택</a:t>
+            </a:r>
+          </a:p>
+        </p:txBody>
+      </p:sp>
+      <p:pic>
+        <p:nvPicPr>
+          <p:cNvPr id="9" name="그림 8">
+            <a:extLst>
+              <a:ext uri="{FF2B5EF4-FFF2-40B4-BE49-F238E27FC236}">
+                <a16:creationId xmlns:a16="http://schemas.microsoft.com/office/drawing/2014/main" id="{46BBFCED-8D24-489A-823A-8E01A310B4EF}"/>
+              </a:ext>
+            </a:extLst>
+          </p:cNvPr>
+          <p:cNvPicPr>
+            <a:picLocks noChangeAspect="1"/>
+          </p:cNvPicPr>
+          <p:nvPr/>
+        </p:nvPicPr>
+        <p:blipFill>
+          <a:blip r:embed="rId4"/>
+          <a:stretch>
+            <a:fillRect/>
+          </a:stretch>
+        </p:blipFill>
+        <p:spPr>
+          <a:xfrm>
+            <a:off x="5029200" y="5299329"/>
+            <a:ext cx="2686050" cy="1381125"/>
+          </a:xfrm>
+          <a:prstGeom prst="rect">
+            <a:avLst/>
+          </a:prstGeom>
+        </p:spPr>
+      </p:pic>
+    </p:spTree>
+    <p:extLst>
+      <p:ext uri="{BB962C8B-B14F-4D97-AF65-F5344CB8AC3E}">
+        <p14:creationId xmlns:p14="http://schemas.microsoft.com/office/powerpoint/2010/main" val="2003932216"/>
+      </p:ext>
+    </p:extLst>
+  </p:cSld>
+  <p:clrMapOvr>
+    <a:masterClrMapping/>
+  </p:clrMapOvr>
+</p:sld>
+</file>
+
+<file path=ppt/slides/slide46.xml><?xml version="1.0" encoding="utf-8"?>
+<p:sld xmlns:a="http://schemas.openxmlformats.org/drawingml/2006/main" xmlns:r="http://schemas.openxmlformats.org/officeDocument/2006/relationships" xmlns:p="http://schemas.openxmlformats.org/presentationml/2006/main">
+  <p:cSld>
+    <p:spTree>
+      <p:nvGrpSpPr>
+        <p:cNvPr id="1" name=""/>
+        <p:cNvGrpSpPr/>
+        <p:nvPr/>
+      </p:nvGrpSpPr>
+      <p:grpSpPr>
+        <a:xfrm>
+          <a:off x="0" y="0"/>
+          <a:ext cx="0" cy="0"/>
+          <a:chOff x="0" y="0"/>
+          <a:chExt cx="0" cy="0"/>
+        </a:xfrm>
+      </p:grpSpPr>
+      <p:sp>
+        <p:nvSpPr>
+          <p:cNvPr id="7" name="object 7"/>
+          <p:cNvSpPr txBox="1">
+            <a:spLocks noGrp="1"/>
+          </p:cNvSpPr>
+          <p:nvPr>
+            <p:ph type="sldNum" sz="quarter" idx="7"/>
+          </p:nvPr>
+        </p:nvSpPr>
+        <p:spPr>
+          <a:prstGeom prst="rect">
+            <a:avLst/>
+          </a:prstGeom>
+        </p:spPr>
+        <p:txBody>
+          <a:bodyPr vert="horz" wrap="square" lIns="0" tIns="0" rIns="0" bIns="0" rtlCol="0">
+            <a:spAutoFit/>
+          </a:bodyPr>
+          <a:lstStyle/>
+          <a:p>
+            <a:pPr marL="38100">
+              <a:lnSpc>
+                <a:spcPts val="1240"/>
+              </a:lnSpc>
+            </a:pPr>
+            <a:fld id="{81D60167-4931-47E6-BA6A-407CBD079E47}" type="slidenum">
+              <a:rPr dirty="0"/>
+              <a:t>46</a:t>
+            </a:fld>
+            <a:endParaRPr dirty="0"/>
+          </a:p>
+        </p:txBody>
+      </p:sp>
+      <p:pic>
+        <p:nvPicPr>
+          <p:cNvPr id="4" name="그림 3">
+            <a:extLst>
+              <a:ext uri="{FF2B5EF4-FFF2-40B4-BE49-F238E27FC236}">
+                <a16:creationId xmlns:a16="http://schemas.microsoft.com/office/drawing/2014/main" id="{3385A613-3708-4137-9EDB-4BA9899EBDBF}"/>
+              </a:ext>
+            </a:extLst>
+          </p:cNvPr>
+          <p:cNvPicPr>
+            <a:picLocks noChangeAspect="1"/>
+          </p:cNvPicPr>
+          <p:nvPr/>
+        </p:nvPicPr>
+        <p:blipFill>
+          <a:blip r:embed="rId2"/>
+          <a:stretch>
+            <a:fillRect/>
+          </a:stretch>
+        </p:blipFill>
+        <p:spPr>
+          <a:xfrm>
+            <a:off x="0" y="1071932"/>
+            <a:ext cx="9144000" cy="4714135"/>
+          </a:xfrm>
+          <a:prstGeom prst="rect">
+            <a:avLst/>
+          </a:prstGeom>
+        </p:spPr>
+      </p:pic>
+      <p:sp>
+        <p:nvSpPr>
+          <p:cNvPr id="5" name="object 2">
+            <a:extLst>
+              <a:ext uri="{FF2B5EF4-FFF2-40B4-BE49-F238E27FC236}">
+                <a16:creationId xmlns:a16="http://schemas.microsoft.com/office/drawing/2014/main" id="{1470B7E0-18E8-4036-A6FC-8F5ECB3E1130}"/>
+              </a:ext>
+            </a:extLst>
+          </p:cNvPr>
+          <p:cNvSpPr txBox="1"/>
+          <p:nvPr/>
+        </p:nvSpPr>
+        <p:spPr>
+          <a:xfrm>
+            <a:off x="474370" y="177546"/>
+            <a:ext cx="8364830" cy="566822"/>
+          </a:xfrm>
+          <a:prstGeom prst="rect">
+            <a:avLst/>
+          </a:prstGeom>
+        </p:spPr>
+        <p:txBody>
+          <a:bodyPr vert="horz" wrap="square" lIns="0" tIns="12700" rIns="0" bIns="0" rtlCol="0">
+            <a:spAutoFit/>
+          </a:bodyPr>
+          <a:lstStyle/>
+          <a:p>
+            <a:pPr marL="12700">
+              <a:lnSpc>
+                <a:spcPct val="100000"/>
+              </a:lnSpc>
+              <a:spcBef>
+                <a:spcPts val="100"/>
+              </a:spcBef>
+            </a:pPr>
+            <a:r>
+              <a:rPr lang="en-US" sz="3600" b="1" dirty="0">
+                <a:latin typeface="UnDinaru"/>
+                <a:cs typeface="UnDinaru"/>
+              </a:rPr>
+              <a:t>Lambda</a:t>
+            </a:r>
+            <a:r>
+              <a:rPr lang="ko-KR" altLang="en-US" sz="3600" b="1" dirty="0">
+                <a:latin typeface="UnDinaru"/>
+                <a:cs typeface="UnDinaru"/>
+              </a:rPr>
+              <a:t>에 레이어 추가</a:t>
+            </a:r>
+            <a:endParaRPr sz="3600" b="1" dirty="0">
+              <a:latin typeface="UnDinaru"/>
+              <a:cs typeface="UnDinaru"/>
+            </a:endParaRPr>
+          </a:p>
+        </p:txBody>
+      </p:sp>
+    </p:spTree>
+    <p:extLst>
+      <p:ext uri="{BB962C8B-B14F-4D97-AF65-F5344CB8AC3E}">
+        <p14:creationId xmlns:p14="http://schemas.microsoft.com/office/powerpoint/2010/main" val="3024138160"/>
+      </p:ext>
+    </p:extLst>
+  </p:cSld>
+  <p:clrMapOvr>
+    <a:masterClrMapping/>
+  </p:clrMapOvr>
+</p:sld>
+</file>
+
+<file path=ppt/slides/slide47.xml><?xml version="1.0" encoding="utf-8"?>
+<p:sld xmlns:a="http://schemas.openxmlformats.org/drawingml/2006/main" xmlns:r="http://schemas.openxmlformats.org/officeDocument/2006/relationships" xmlns:p="http://schemas.openxmlformats.org/presentationml/2006/main">
+  <p:cSld>
+    <p:spTree>
+      <p:nvGrpSpPr>
+        <p:cNvPr id="1" name=""/>
+        <p:cNvGrpSpPr/>
+        <p:nvPr/>
+      </p:nvGrpSpPr>
+      <p:grpSpPr>
+        <a:xfrm>
+          <a:off x="0" y="0"/>
+          <a:ext cx="0" cy="0"/>
+          <a:chOff x="0" y="0"/>
+          <a:chExt cx="0" cy="0"/>
+        </a:xfrm>
+      </p:grpSpPr>
+      <p:sp>
+        <p:nvSpPr>
+          <p:cNvPr id="7" name="object 7"/>
+          <p:cNvSpPr txBox="1">
+            <a:spLocks noGrp="1"/>
+          </p:cNvSpPr>
+          <p:nvPr>
+            <p:ph type="sldNum" sz="quarter" idx="7"/>
+          </p:nvPr>
+        </p:nvSpPr>
+        <p:spPr>
+          <a:prstGeom prst="rect">
+            <a:avLst/>
+          </a:prstGeom>
+        </p:spPr>
+        <p:txBody>
+          <a:bodyPr vert="horz" wrap="square" lIns="0" tIns="0" rIns="0" bIns="0" rtlCol="0">
+            <a:spAutoFit/>
+          </a:bodyPr>
+          <a:lstStyle/>
+          <a:p>
+            <a:pPr marL="38100">
+              <a:lnSpc>
+                <a:spcPts val="1240"/>
+              </a:lnSpc>
+            </a:pPr>
+            <a:fld id="{81D60167-4931-47E6-BA6A-407CBD079E47}" type="slidenum">
+              <a:rPr dirty="0"/>
+              <a:t>47</a:t>
+            </a:fld>
+            <a:endParaRPr dirty="0"/>
+          </a:p>
+        </p:txBody>
+      </p:sp>
+      <p:pic>
+        <p:nvPicPr>
+          <p:cNvPr id="4" name="그림 3">
+            <a:extLst>
+              <a:ext uri="{FF2B5EF4-FFF2-40B4-BE49-F238E27FC236}">
+                <a16:creationId xmlns:a16="http://schemas.microsoft.com/office/drawing/2014/main" id="{3385A613-3708-4137-9EDB-4BA9899EBDBF}"/>
+              </a:ext>
+            </a:extLst>
+          </p:cNvPr>
+          <p:cNvPicPr>
+            <a:picLocks noChangeAspect="1"/>
+          </p:cNvPicPr>
+          <p:nvPr/>
+        </p:nvPicPr>
+        <p:blipFill>
+          <a:blip r:embed="rId2"/>
+          <a:stretch>
+            <a:fillRect/>
+          </a:stretch>
+        </p:blipFill>
+        <p:spPr>
+          <a:xfrm>
+            <a:off x="0" y="1071932"/>
+            <a:ext cx="9144000" cy="4714135"/>
+          </a:xfrm>
+          <a:prstGeom prst="rect">
+            <a:avLst/>
+          </a:prstGeom>
+        </p:spPr>
+      </p:pic>
+      <p:sp>
+        <p:nvSpPr>
+          <p:cNvPr id="5" name="object 2">
+            <a:extLst>
+              <a:ext uri="{FF2B5EF4-FFF2-40B4-BE49-F238E27FC236}">
+                <a16:creationId xmlns:a16="http://schemas.microsoft.com/office/drawing/2014/main" id="{8F333371-78FD-47E4-9B37-19CDDE4574A0}"/>
+              </a:ext>
+            </a:extLst>
+          </p:cNvPr>
+          <p:cNvSpPr txBox="1"/>
+          <p:nvPr/>
+        </p:nvSpPr>
+        <p:spPr>
+          <a:xfrm>
+            <a:off x="474370" y="177546"/>
+            <a:ext cx="8364830" cy="566822"/>
+          </a:xfrm>
+          <a:prstGeom prst="rect">
+            <a:avLst/>
+          </a:prstGeom>
+        </p:spPr>
+        <p:txBody>
+          <a:bodyPr vert="horz" wrap="square" lIns="0" tIns="12700" rIns="0" bIns="0" rtlCol="0">
+            <a:spAutoFit/>
+          </a:bodyPr>
+          <a:lstStyle/>
+          <a:p>
+            <a:pPr marL="12700">
+              <a:lnSpc>
+                <a:spcPct val="100000"/>
+              </a:lnSpc>
+              <a:spcBef>
+                <a:spcPts val="100"/>
+              </a:spcBef>
+            </a:pPr>
+            <a:r>
+              <a:rPr lang="en-US" sz="3600" b="1" dirty="0">
+                <a:latin typeface="UnDinaru"/>
+                <a:cs typeface="UnDinaru"/>
+              </a:rPr>
+              <a:t>Lambda</a:t>
+            </a:r>
+            <a:r>
+              <a:rPr lang="ko-KR" altLang="en-US" sz="3600" b="1" dirty="0">
+                <a:latin typeface="UnDinaru"/>
+                <a:cs typeface="UnDinaru"/>
+              </a:rPr>
+              <a:t>에 레이어 추가</a:t>
+            </a:r>
+            <a:endParaRPr sz="3600" b="1" dirty="0">
+              <a:latin typeface="UnDinaru"/>
+              <a:cs typeface="UnDinaru"/>
+            </a:endParaRPr>
+          </a:p>
+        </p:txBody>
+      </p:sp>
+    </p:spTree>
+    <p:extLst>
+      <p:ext uri="{BB962C8B-B14F-4D97-AF65-F5344CB8AC3E}">
+        <p14:creationId xmlns:p14="http://schemas.microsoft.com/office/powerpoint/2010/main" val="3975751463"/>
+      </p:ext>
+    </p:extLst>
+  </p:cSld>
+  <p:clrMapOvr>
+    <a:masterClrMapping/>
+  </p:clrMapOvr>
+</p:sld>
+</file>
+
+<file path=ppt/slides/slide48.xml><?xml version="1.0" encoding="utf-8"?>
+<p:sld xmlns:a="http://schemas.openxmlformats.org/drawingml/2006/main" xmlns:r="http://schemas.openxmlformats.org/officeDocument/2006/relationships" xmlns:p="http://schemas.openxmlformats.org/presentationml/2006/main">
+  <p:cSld>
+    <p:spTree>
+      <p:nvGrpSpPr>
+        <p:cNvPr id="1" name=""/>
+        <p:cNvGrpSpPr/>
+        <p:nvPr/>
+      </p:nvGrpSpPr>
+      <p:grpSpPr>
+        <a:xfrm>
+          <a:off x="0" y="0"/>
+          <a:ext cx="0" cy="0"/>
+          <a:chOff x="0" y="0"/>
+          <a:chExt cx="0" cy="0"/>
+        </a:xfrm>
+      </p:grpSpPr>
+      <p:sp>
+        <p:nvSpPr>
+          <p:cNvPr id="7" name="object 7"/>
+          <p:cNvSpPr txBox="1">
+            <a:spLocks noGrp="1"/>
+          </p:cNvSpPr>
+          <p:nvPr>
+            <p:ph type="sldNum" sz="quarter" idx="7"/>
+          </p:nvPr>
+        </p:nvSpPr>
+        <p:spPr>
+          <a:prstGeom prst="rect">
+            <a:avLst/>
+          </a:prstGeom>
+        </p:spPr>
+        <p:txBody>
+          <a:bodyPr vert="horz" wrap="square" lIns="0" tIns="0" rIns="0" bIns="0" rtlCol="0">
+            <a:spAutoFit/>
+          </a:bodyPr>
+          <a:lstStyle/>
+          <a:p>
+            <a:pPr marL="38100">
+              <a:lnSpc>
+                <a:spcPts val="1240"/>
+              </a:lnSpc>
+            </a:pPr>
+            <a:fld id="{81D60167-4931-47E6-BA6A-407CBD079E47}" type="slidenum">
+              <a:rPr dirty="0"/>
+              <a:t>48</a:t>
+            </a:fld>
+            <a:endParaRPr dirty="0"/>
+          </a:p>
+        </p:txBody>
+      </p:sp>
+      <p:pic>
+        <p:nvPicPr>
+          <p:cNvPr id="3" name="그림 2">
+            <a:extLst>
+              <a:ext uri="{FF2B5EF4-FFF2-40B4-BE49-F238E27FC236}">
+                <a16:creationId xmlns:a16="http://schemas.microsoft.com/office/drawing/2014/main" id="{66D7FAFF-7E7D-4034-A605-02CC06C457E7}"/>
+              </a:ext>
+            </a:extLst>
+          </p:cNvPr>
+          <p:cNvPicPr>
+            <a:picLocks noChangeAspect="1"/>
+          </p:cNvPicPr>
+          <p:nvPr/>
+        </p:nvPicPr>
+        <p:blipFill>
+          <a:blip r:embed="rId2"/>
+          <a:stretch>
+            <a:fillRect/>
+          </a:stretch>
+        </p:blipFill>
+        <p:spPr>
+          <a:xfrm>
+            <a:off x="0" y="1600200"/>
+            <a:ext cx="9144000" cy="821849"/>
+          </a:xfrm>
+          <a:prstGeom prst="rect">
+            <a:avLst/>
+          </a:prstGeom>
+        </p:spPr>
+      </p:pic>
+      <p:sp>
+        <p:nvSpPr>
+          <p:cNvPr id="6" name="object 2">
+            <a:extLst>
+              <a:ext uri="{FF2B5EF4-FFF2-40B4-BE49-F238E27FC236}">
+                <a16:creationId xmlns:a16="http://schemas.microsoft.com/office/drawing/2014/main" id="{CF44945E-01F7-49BA-AF07-2208DBC26874}"/>
+              </a:ext>
+            </a:extLst>
+          </p:cNvPr>
+          <p:cNvSpPr txBox="1"/>
+          <p:nvPr/>
+        </p:nvSpPr>
+        <p:spPr>
+          <a:xfrm>
+            <a:off x="474370" y="177546"/>
+            <a:ext cx="8364830" cy="566822"/>
+          </a:xfrm>
+          <a:prstGeom prst="rect">
+            <a:avLst/>
+          </a:prstGeom>
+        </p:spPr>
+        <p:txBody>
+          <a:bodyPr vert="horz" wrap="square" lIns="0" tIns="12700" rIns="0" bIns="0" rtlCol="0">
+            <a:spAutoFit/>
+          </a:bodyPr>
+          <a:lstStyle/>
+          <a:p>
+            <a:pPr marL="12700">
+              <a:lnSpc>
+                <a:spcPct val="100000"/>
+              </a:lnSpc>
+              <a:spcBef>
+                <a:spcPts val="100"/>
+              </a:spcBef>
+            </a:pPr>
+            <a:r>
+              <a:rPr lang="en-US" sz="3600" b="1" dirty="0">
+                <a:latin typeface="UnDinaru"/>
+                <a:cs typeface="UnDinaru"/>
+              </a:rPr>
+              <a:t>Lambda</a:t>
+            </a:r>
+            <a:r>
+              <a:rPr lang="ko-KR" altLang="en-US" sz="3600" b="1" dirty="0">
+                <a:latin typeface="UnDinaru"/>
+                <a:cs typeface="UnDinaru"/>
+              </a:rPr>
+              <a:t>에 레이어 추가</a:t>
+            </a:r>
+            <a:endParaRPr sz="3600" b="1" dirty="0">
+              <a:latin typeface="UnDinaru"/>
+              <a:cs typeface="UnDinaru"/>
+            </a:endParaRPr>
+          </a:p>
+        </p:txBody>
+      </p:sp>
+      <p:pic>
+        <p:nvPicPr>
+          <p:cNvPr id="8" name="그림 7">
+            <a:extLst>
+              <a:ext uri="{FF2B5EF4-FFF2-40B4-BE49-F238E27FC236}">
+                <a16:creationId xmlns:a16="http://schemas.microsoft.com/office/drawing/2014/main" id="{8EDA19A4-5B2E-4F34-8A4D-953FECCC01DF}"/>
+              </a:ext>
+            </a:extLst>
+          </p:cNvPr>
+          <p:cNvPicPr>
+            <a:picLocks noChangeAspect="1"/>
+          </p:cNvPicPr>
+          <p:nvPr/>
+        </p:nvPicPr>
+        <p:blipFill>
+          <a:blip r:embed="rId3"/>
+          <a:stretch>
+            <a:fillRect/>
+          </a:stretch>
+        </p:blipFill>
+        <p:spPr>
+          <a:xfrm>
+            <a:off x="474370" y="2476264"/>
+            <a:ext cx="7315200" cy="4236244"/>
+          </a:xfrm>
+          <a:prstGeom prst="rect">
+            <a:avLst/>
+          </a:prstGeom>
+        </p:spPr>
+      </p:pic>
+    </p:spTree>
+    <p:extLst>
+      <p:ext uri="{BB962C8B-B14F-4D97-AF65-F5344CB8AC3E}">
+        <p14:creationId xmlns:p14="http://schemas.microsoft.com/office/powerpoint/2010/main" val="3175101978"/>
+      </p:ext>
+    </p:extLst>
+  </p:cSld>
+  <p:clrMapOvr>
+    <a:masterClrMapping/>
+  </p:clrMapOvr>
+</p:sld>
+</file>
+
+<file path=ppt/slides/slide49.xml><?xml version="1.0" encoding="utf-8"?>
+<p:sld xmlns:a="http://schemas.openxmlformats.org/drawingml/2006/main" xmlns:r="http://schemas.openxmlformats.org/officeDocument/2006/relationships" xmlns:p="http://schemas.openxmlformats.org/presentationml/2006/main">
+  <p:cSld>
+    <p:spTree>
+      <p:nvGrpSpPr>
+        <p:cNvPr id="1" name=""/>
+        <p:cNvGrpSpPr/>
+        <p:nvPr/>
+      </p:nvGrpSpPr>
+      <p:grpSpPr>
+        <a:xfrm>
+          <a:off x="0" y="0"/>
+          <a:ext cx="0" cy="0"/>
+          <a:chOff x="0" y="0"/>
+          <a:chExt cx="0" cy="0"/>
+        </a:xfrm>
+      </p:grpSpPr>
+      <p:sp>
+        <p:nvSpPr>
+          <p:cNvPr id="7" name="object 7"/>
+          <p:cNvSpPr txBox="1">
+            <a:spLocks noGrp="1"/>
+          </p:cNvSpPr>
+          <p:nvPr>
+            <p:ph type="sldNum" sz="quarter" idx="7"/>
+          </p:nvPr>
+        </p:nvSpPr>
+        <p:spPr>
+          <a:prstGeom prst="rect">
+            <a:avLst/>
+          </a:prstGeom>
+        </p:spPr>
+        <p:txBody>
+          <a:bodyPr vert="horz" wrap="square" lIns="0" tIns="0" rIns="0" bIns="0" rtlCol="0">
+            <a:spAutoFit/>
+          </a:bodyPr>
+          <a:lstStyle/>
+          <a:p>
+            <a:pPr marL="38100">
+              <a:lnSpc>
+                <a:spcPts val="1240"/>
+              </a:lnSpc>
+            </a:pPr>
+            <a:fld id="{81D60167-4931-47E6-BA6A-407CBD079E47}" type="slidenum">
+              <a:rPr dirty="0"/>
+              <a:t>49</a:t>
+            </a:fld>
+            <a:endParaRPr dirty="0"/>
+          </a:p>
+        </p:txBody>
+      </p:sp>
+      <p:sp>
+        <p:nvSpPr>
+          <p:cNvPr id="6" name="object 2">
+            <a:extLst>
+              <a:ext uri="{FF2B5EF4-FFF2-40B4-BE49-F238E27FC236}">
+                <a16:creationId xmlns:a16="http://schemas.microsoft.com/office/drawing/2014/main" id="{CF44945E-01F7-49BA-AF07-2208DBC26874}"/>
+              </a:ext>
+            </a:extLst>
+          </p:cNvPr>
+          <p:cNvSpPr txBox="1"/>
+          <p:nvPr/>
+        </p:nvSpPr>
+        <p:spPr>
+          <a:xfrm>
+            <a:off x="474370" y="177546"/>
+            <a:ext cx="8364830" cy="566822"/>
+          </a:xfrm>
+          <a:prstGeom prst="rect">
+            <a:avLst/>
+          </a:prstGeom>
+        </p:spPr>
+        <p:txBody>
+          <a:bodyPr vert="horz" wrap="square" lIns="0" tIns="12700" rIns="0" bIns="0" rtlCol="0">
+            <a:spAutoFit/>
+          </a:bodyPr>
+          <a:lstStyle/>
+          <a:p>
+            <a:pPr marL="12700">
+              <a:lnSpc>
+                <a:spcPct val="100000"/>
+              </a:lnSpc>
+              <a:spcBef>
+                <a:spcPts val="100"/>
+              </a:spcBef>
+            </a:pPr>
+            <a:r>
+              <a:rPr lang="en-US" sz="3600" b="1" dirty="0">
+                <a:latin typeface="UnDinaru"/>
+                <a:cs typeface="UnDinaru"/>
+              </a:rPr>
+              <a:t>Lambda</a:t>
+            </a:r>
+            <a:r>
+              <a:rPr lang="ko-KR" altLang="en-US" sz="3600" b="1" dirty="0">
+                <a:latin typeface="UnDinaru"/>
+                <a:cs typeface="UnDinaru"/>
+              </a:rPr>
+              <a:t>에 추가할 </a:t>
+            </a:r>
+            <a:r>
+              <a:rPr lang="en-US" altLang="ko-KR" sz="3600" b="1" dirty="0" err="1">
+                <a:latin typeface="UnDinaru"/>
+                <a:cs typeface="UnDinaru"/>
+              </a:rPr>
+              <a:t>Rekognition</a:t>
+            </a:r>
+            <a:r>
+              <a:rPr lang="en-US" altLang="ko-KR" sz="3600" b="1" dirty="0">
+                <a:latin typeface="UnDinaru"/>
+                <a:cs typeface="UnDinaru"/>
+              </a:rPr>
+              <a:t> </a:t>
+            </a:r>
+            <a:r>
+              <a:rPr lang="ko-KR" altLang="en-US" sz="3600" b="1" dirty="0">
+                <a:latin typeface="UnDinaru"/>
+                <a:cs typeface="UnDinaru"/>
+              </a:rPr>
+              <a:t>코드</a:t>
+            </a:r>
+            <a:endParaRPr sz="3600" b="1" dirty="0">
+              <a:latin typeface="UnDinaru"/>
+              <a:cs typeface="UnDinaru"/>
+            </a:endParaRPr>
+          </a:p>
+        </p:txBody>
+      </p:sp>
+      <p:pic>
+        <p:nvPicPr>
+          <p:cNvPr id="4" name="그림 3">
+            <a:extLst>
+              <a:ext uri="{FF2B5EF4-FFF2-40B4-BE49-F238E27FC236}">
+                <a16:creationId xmlns:a16="http://schemas.microsoft.com/office/drawing/2014/main" id="{7AFBEEDB-98DA-4500-BA48-0E7DE2D7ED0C}"/>
+              </a:ext>
+            </a:extLst>
+          </p:cNvPr>
+          <p:cNvPicPr>
+            <a:picLocks noChangeAspect="1"/>
+          </p:cNvPicPr>
+          <p:nvPr/>
+        </p:nvPicPr>
+        <p:blipFill>
+          <a:blip r:embed="rId2"/>
+          <a:stretch>
+            <a:fillRect/>
+          </a:stretch>
+        </p:blipFill>
+        <p:spPr>
+          <a:xfrm>
+            <a:off x="1123651" y="1147715"/>
+            <a:ext cx="5810549" cy="5611513"/>
+          </a:xfrm>
+          <a:prstGeom prst="rect">
+            <a:avLst/>
+          </a:prstGeom>
+        </p:spPr>
+      </p:pic>
+      <p:sp>
+        <p:nvSpPr>
+          <p:cNvPr id="5" name="TextBox 4">
+            <a:extLst>
+              <a:ext uri="{FF2B5EF4-FFF2-40B4-BE49-F238E27FC236}">
+                <a16:creationId xmlns:a16="http://schemas.microsoft.com/office/drawing/2014/main" id="{B5DE95EE-6671-468A-8C56-D1DAAA786000}"/>
+              </a:ext>
+            </a:extLst>
+          </p:cNvPr>
+          <p:cNvSpPr txBox="1"/>
+          <p:nvPr/>
+        </p:nvSpPr>
+        <p:spPr>
+          <a:xfrm>
+            <a:off x="6934200" y="2362200"/>
+            <a:ext cx="1906291" cy="369332"/>
+          </a:xfrm>
+          <a:prstGeom prst="rect">
+            <a:avLst/>
+          </a:prstGeom>
+          <a:noFill/>
+        </p:spPr>
+        <p:txBody>
+          <a:bodyPr wrap="none" rtlCol="0">
+            <a:spAutoFit/>
+          </a:bodyPr>
+          <a:lstStyle/>
+          <a:p>
+            <a:r>
+              <a:rPr lang="ko-KR" altLang="en-US" dirty="0"/>
+              <a:t>뒤에 이어서 있음</a:t>
+            </a:r>
+          </a:p>
+        </p:txBody>
+      </p:sp>
+      <p:sp>
+        <p:nvSpPr>
+          <p:cNvPr id="10" name="TextBox 9">
+            <a:extLst>
+              <a:ext uri="{FF2B5EF4-FFF2-40B4-BE49-F238E27FC236}">
+                <a16:creationId xmlns:a16="http://schemas.microsoft.com/office/drawing/2014/main" id="{379ED93E-583B-4FA1-A4BD-B52706922D87}"/>
+              </a:ext>
+            </a:extLst>
+          </p:cNvPr>
+          <p:cNvSpPr txBox="1"/>
+          <p:nvPr/>
+        </p:nvSpPr>
+        <p:spPr>
+          <a:xfrm>
+            <a:off x="3886200" y="3941803"/>
+            <a:ext cx="4781950" cy="369332"/>
+          </a:xfrm>
+          <a:prstGeom prst="rect">
+            <a:avLst/>
+          </a:prstGeom>
+          <a:noFill/>
+        </p:spPr>
+        <p:txBody>
+          <a:bodyPr wrap="none" rtlCol="0">
+            <a:spAutoFit/>
+          </a:bodyPr>
+          <a:lstStyle/>
+          <a:p>
+            <a:r>
+              <a:rPr lang="ko-KR" altLang="en-US" dirty="0">
+                <a:solidFill>
+                  <a:srgbClr val="FF0000"/>
+                </a:solidFill>
+              </a:rPr>
+              <a:t>메모장 등에 다 적은 뒤 </a:t>
+            </a:r>
+            <a:r>
+              <a:rPr lang="en-US" altLang="ko-KR" dirty="0">
+                <a:solidFill>
+                  <a:srgbClr val="FF0000"/>
+                </a:solidFill>
+              </a:rPr>
+              <a:t>Rekognition.py</a:t>
+            </a:r>
+            <a:r>
+              <a:rPr lang="ko-KR" altLang="en-US" dirty="0">
+                <a:solidFill>
+                  <a:srgbClr val="FF0000"/>
+                </a:solidFill>
+              </a:rPr>
+              <a:t>로 저장</a:t>
+            </a:r>
+            <a:r>
+              <a:rPr lang="en-US" altLang="ko-KR" dirty="0">
+                <a:solidFill>
+                  <a:srgbClr val="FF0000"/>
+                </a:solidFill>
+              </a:rPr>
+              <a:t>!</a:t>
+            </a:r>
+            <a:endParaRPr lang="ko-KR" altLang="en-US" dirty="0">
+              <a:solidFill>
+                <a:srgbClr val="FF0000"/>
+              </a:solidFill>
+            </a:endParaRPr>
+          </a:p>
+        </p:txBody>
+      </p:sp>
+    </p:spTree>
+    <p:extLst>
+      <p:ext uri="{BB962C8B-B14F-4D97-AF65-F5344CB8AC3E}">
+        <p14:creationId xmlns:p14="http://schemas.microsoft.com/office/powerpoint/2010/main" val="4293700682"/>
+      </p:ext>
+    </p:extLst>
+  </p:cSld>
+  <p:clrMapOvr>
+    <a:masterClrMapping/>
+  </p:clrMapOvr>
+</p:sld>
+</file>
+
 <file path=ppt/slides/slide5.xml><?xml version="1.0" encoding="utf-8"?>
 <p:sld xmlns:a="http://schemas.openxmlformats.org/drawingml/2006/main" xmlns:r="http://schemas.openxmlformats.org/officeDocument/2006/relationships" xmlns:p="http://schemas.openxmlformats.org/presentationml/2006/main" showMasterSp="0">
   <p:cSld>
@@ -11805,6 +16972,2579 @@
 </p:sld>
 </file>
 
+<file path=ppt/slides/slide50.xml><?xml version="1.0" encoding="utf-8"?>
+<p:sld xmlns:a="http://schemas.openxmlformats.org/drawingml/2006/main" xmlns:r="http://schemas.openxmlformats.org/officeDocument/2006/relationships" xmlns:p="http://schemas.openxmlformats.org/presentationml/2006/main">
+  <p:cSld>
+    <p:spTree>
+      <p:nvGrpSpPr>
+        <p:cNvPr id="1" name=""/>
+        <p:cNvGrpSpPr/>
+        <p:nvPr/>
+      </p:nvGrpSpPr>
+      <p:grpSpPr>
+        <a:xfrm>
+          <a:off x="0" y="0"/>
+          <a:ext cx="0" cy="0"/>
+          <a:chOff x="0" y="0"/>
+          <a:chExt cx="0" cy="0"/>
+        </a:xfrm>
+      </p:grpSpPr>
+      <p:sp>
+        <p:nvSpPr>
+          <p:cNvPr id="7" name="object 7"/>
+          <p:cNvSpPr txBox="1">
+            <a:spLocks noGrp="1"/>
+          </p:cNvSpPr>
+          <p:nvPr>
+            <p:ph type="sldNum" sz="quarter" idx="7"/>
+          </p:nvPr>
+        </p:nvSpPr>
+        <p:spPr>
+          <a:prstGeom prst="rect">
+            <a:avLst/>
+          </a:prstGeom>
+        </p:spPr>
+        <p:txBody>
+          <a:bodyPr vert="horz" wrap="square" lIns="0" tIns="0" rIns="0" bIns="0" rtlCol="0">
+            <a:spAutoFit/>
+          </a:bodyPr>
+          <a:lstStyle/>
+          <a:p>
+            <a:pPr marL="38100">
+              <a:lnSpc>
+                <a:spcPts val="1240"/>
+              </a:lnSpc>
+            </a:pPr>
+            <a:fld id="{81D60167-4931-47E6-BA6A-407CBD079E47}" type="slidenum">
+              <a:rPr dirty="0"/>
+              <a:t>50</a:t>
+            </a:fld>
+            <a:endParaRPr dirty="0"/>
+          </a:p>
+        </p:txBody>
+      </p:sp>
+      <p:sp>
+        <p:nvSpPr>
+          <p:cNvPr id="6" name="object 2">
+            <a:extLst>
+              <a:ext uri="{FF2B5EF4-FFF2-40B4-BE49-F238E27FC236}">
+                <a16:creationId xmlns:a16="http://schemas.microsoft.com/office/drawing/2014/main" id="{CF44945E-01F7-49BA-AF07-2208DBC26874}"/>
+              </a:ext>
+            </a:extLst>
+          </p:cNvPr>
+          <p:cNvSpPr txBox="1"/>
+          <p:nvPr/>
+        </p:nvSpPr>
+        <p:spPr>
+          <a:xfrm>
+            <a:off x="474370" y="177546"/>
+            <a:ext cx="8364830" cy="566822"/>
+          </a:xfrm>
+          <a:prstGeom prst="rect">
+            <a:avLst/>
+          </a:prstGeom>
+        </p:spPr>
+        <p:txBody>
+          <a:bodyPr vert="horz" wrap="square" lIns="0" tIns="12700" rIns="0" bIns="0" rtlCol="0">
+            <a:spAutoFit/>
+          </a:bodyPr>
+          <a:lstStyle/>
+          <a:p>
+            <a:pPr marL="12700">
+              <a:lnSpc>
+                <a:spcPct val="100000"/>
+              </a:lnSpc>
+              <a:spcBef>
+                <a:spcPts val="100"/>
+              </a:spcBef>
+            </a:pPr>
+            <a:r>
+              <a:rPr lang="en-US" sz="3600" b="1" dirty="0">
+                <a:latin typeface="UnDinaru"/>
+                <a:cs typeface="UnDinaru"/>
+              </a:rPr>
+              <a:t>Lambda</a:t>
+            </a:r>
+            <a:r>
+              <a:rPr lang="ko-KR" altLang="en-US" sz="3600" b="1" dirty="0">
+                <a:latin typeface="UnDinaru"/>
+                <a:cs typeface="UnDinaru"/>
+              </a:rPr>
+              <a:t>에 추가할 </a:t>
+            </a:r>
+            <a:r>
+              <a:rPr lang="en-US" altLang="ko-KR" sz="3600" b="1" dirty="0" err="1">
+                <a:latin typeface="UnDinaru"/>
+                <a:cs typeface="UnDinaru"/>
+              </a:rPr>
+              <a:t>Rekognition</a:t>
+            </a:r>
+            <a:r>
+              <a:rPr lang="en-US" altLang="ko-KR" sz="3600" b="1" dirty="0">
+                <a:latin typeface="UnDinaru"/>
+                <a:cs typeface="UnDinaru"/>
+              </a:rPr>
+              <a:t> </a:t>
+            </a:r>
+            <a:r>
+              <a:rPr lang="ko-KR" altLang="en-US" sz="3600" b="1" dirty="0">
+                <a:latin typeface="UnDinaru"/>
+                <a:cs typeface="UnDinaru"/>
+              </a:rPr>
+              <a:t>코드</a:t>
+            </a:r>
+            <a:endParaRPr sz="3600" b="1" dirty="0">
+              <a:latin typeface="UnDinaru"/>
+              <a:cs typeface="UnDinaru"/>
+            </a:endParaRPr>
+          </a:p>
+        </p:txBody>
+      </p:sp>
+      <p:sp>
+        <p:nvSpPr>
+          <p:cNvPr id="5" name="TextBox 4">
+            <a:extLst>
+              <a:ext uri="{FF2B5EF4-FFF2-40B4-BE49-F238E27FC236}">
+                <a16:creationId xmlns:a16="http://schemas.microsoft.com/office/drawing/2014/main" id="{B5DE95EE-6671-468A-8C56-D1DAAA786000}"/>
+              </a:ext>
+            </a:extLst>
+          </p:cNvPr>
+          <p:cNvSpPr txBox="1"/>
+          <p:nvPr/>
+        </p:nvSpPr>
+        <p:spPr>
+          <a:xfrm>
+            <a:off x="6553200" y="2209800"/>
+            <a:ext cx="2137124" cy="369332"/>
+          </a:xfrm>
+          <a:prstGeom prst="rect">
+            <a:avLst/>
+          </a:prstGeom>
+          <a:noFill/>
+        </p:spPr>
+        <p:txBody>
+          <a:bodyPr wrap="none" rtlCol="0">
+            <a:spAutoFit/>
+          </a:bodyPr>
+          <a:lstStyle/>
+          <a:p>
+            <a:r>
+              <a:rPr lang="ko-KR" altLang="en-US" dirty="0"/>
+              <a:t>뒤에 텍스트로 있음</a:t>
+            </a:r>
+          </a:p>
+        </p:txBody>
+      </p:sp>
+      <p:pic>
+        <p:nvPicPr>
+          <p:cNvPr id="2" name="그림 1">
+            <a:extLst>
+              <a:ext uri="{FF2B5EF4-FFF2-40B4-BE49-F238E27FC236}">
+                <a16:creationId xmlns:a16="http://schemas.microsoft.com/office/drawing/2014/main" id="{800F289C-65C7-4BD0-8BB0-83CD86BEBD19}"/>
+              </a:ext>
+            </a:extLst>
+          </p:cNvPr>
+          <p:cNvPicPr>
+            <a:picLocks noChangeAspect="1"/>
+          </p:cNvPicPr>
+          <p:nvPr/>
+        </p:nvPicPr>
+        <p:blipFill>
+          <a:blip r:embed="rId2"/>
+          <a:stretch>
+            <a:fillRect/>
+          </a:stretch>
+        </p:blipFill>
+        <p:spPr>
+          <a:xfrm>
+            <a:off x="1066800" y="2019178"/>
+            <a:ext cx="5433531" cy="2819644"/>
+          </a:xfrm>
+          <a:prstGeom prst="rect">
+            <a:avLst/>
+          </a:prstGeom>
+        </p:spPr>
+      </p:pic>
+    </p:spTree>
+    <p:extLst>
+      <p:ext uri="{BB962C8B-B14F-4D97-AF65-F5344CB8AC3E}">
+        <p14:creationId xmlns:p14="http://schemas.microsoft.com/office/powerpoint/2010/main" val="1673309030"/>
+      </p:ext>
+    </p:extLst>
+  </p:cSld>
+  <p:clrMapOvr>
+    <a:masterClrMapping/>
+  </p:clrMapOvr>
+</p:sld>
+</file>
+
+<file path=ppt/slides/slide51.xml><?xml version="1.0" encoding="utf-8"?>
+<p:sld xmlns:a="http://schemas.openxmlformats.org/drawingml/2006/main" xmlns:r="http://schemas.openxmlformats.org/officeDocument/2006/relationships" xmlns:p="http://schemas.openxmlformats.org/presentationml/2006/main">
+  <p:cSld>
+    <p:spTree>
+      <p:nvGrpSpPr>
+        <p:cNvPr id="1" name=""/>
+        <p:cNvGrpSpPr/>
+        <p:nvPr/>
+      </p:nvGrpSpPr>
+      <p:grpSpPr>
+        <a:xfrm>
+          <a:off x="0" y="0"/>
+          <a:ext cx="0" cy="0"/>
+          <a:chOff x="0" y="0"/>
+          <a:chExt cx="0" cy="0"/>
+        </a:xfrm>
+      </p:grpSpPr>
+      <p:sp>
+        <p:nvSpPr>
+          <p:cNvPr id="7" name="object 7"/>
+          <p:cNvSpPr txBox="1">
+            <a:spLocks noGrp="1"/>
+          </p:cNvSpPr>
+          <p:nvPr>
+            <p:ph type="sldNum" sz="quarter" idx="7"/>
+          </p:nvPr>
+        </p:nvSpPr>
+        <p:spPr>
+          <a:prstGeom prst="rect">
+            <a:avLst/>
+          </a:prstGeom>
+        </p:spPr>
+        <p:txBody>
+          <a:bodyPr vert="horz" wrap="square" lIns="0" tIns="0" rIns="0" bIns="0" rtlCol="0">
+            <a:spAutoFit/>
+          </a:bodyPr>
+          <a:lstStyle/>
+          <a:p>
+            <a:pPr marL="38100">
+              <a:lnSpc>
+                <a:spcPts val="1240"/>
+              </a:lnSpc>
+            </a:pPr>
+            <a:fld id="{81D60167-4931-47E6-BA6A-407CBD079E47}" type="slidenum">
+              <a:rPr dirty="0"/>
+              <a:t>51</a:t>
+            </a:fld>
+            <a:endParaRPr dirty="0"/>
+          </a:p>
+        </p:txBody>
+      </p:sp>
+      <p:sp>
+        <p:nvSpPr>
+          <p:cNvPr id="6" name="object 2">
+            <a:extLst>
+              <a:ext uri="{FF2B5EF4-FFF2-40B4-BE49-F238E27FC236}">
+                <a16:creationId xmlns:a16="http://schemas.microsoft.com/office/drawing/2014/main" id="{CF44945E-01F7-49BA-AF07-2208DBC26874}"/>
+              </a:ext>
+            </a:extLst>
+          </p:cNvPr>
+          <p:cNvSpPr txBox="1"/>
+          <p:nvPr/>
+        </p:nvSpPr>
+        <p:spPr>
+          <a:xfrm>
+            <a:off x="474370" y="177546"/>
+            <a:ext cx="8364830" cy="566822"/>
+          </a:xfrm>
+          <a:prstGeom prst="rect">
+            <a:avLst/>
+          </a:prstGeom>
+        </p:spPr>
+        <p:txBody>
+          <a:bodyPr vert="horz" wrap="square" lIns="0" tIns="12700" rIns="0" bIns="0" rtlCol="0">
+            <a:spAutoFit/>
+          </a:bodyPr>
+          <a:lstStyle/>
+          <a:p>
+            <a:pPr marL="12700">
+              <a:lnSpc>
+                <a:spcPct val="100000"/>
+              </a:lnSpc>
+              <a:spcBef>
+                <a:spcPts val="100"/>
+              </a:spcBef>
+            </a:pPr>
+            <a:r>
+              <a:rPr lang="en-US" sz="3600" b="1" dirty="0">
+                <a:latin typeface="UnDinaru"/>
+                <a:cs typeface="UnDinaru"/>
+              </a:rPr>
+              <a:t>Lambda</a:t>
+            </a:r>
+            <a:r>
+              <a:rPr lang="ko-KR" altLang="en-US" sz="3600" b="1" dirty="0">
+                <a:latin typeface="UnDinaru"/>
+                <a:cs typeface="UnDinaru"/>
+              </a:rPr>
+              <a:t>에 추가할 </a:t>
+            </a:r>
+            <a:r>
+              <a:rPr lang="en-US" altLang="ko-KR" sz="3600" b="1" dirty="0" err="1">
+                <a:latin typeface="UnDinaru"/>
+                <a:cs typeface="UnDinaru"/>
+              </a:rPr>
+              <a:t>Rekognition</a:t>
+            </a:r>
+            <a:r>
+              <a:rPr lang="en-US" altLang="ko-KR" sz="3600" b="1" dirty="0">
+                <a:latin typeface="UnDinaru"/>
+                <a:cs typeface="UnDinaru"/>
+              </a:rPr>
+              <a:t> </a:t>
+            </a:r>
+            <a:r>
+              <a:rPr lang="ko-KR" altLang="en-US" sz="3600" b="1" dirty="0">
+                <a:latin typeface="UnDinaru"/>
+                <a:cs typeface="UnDinaru"/>
+              </a:rPr>
+              <a:t>코드</a:t>
+            </a:r>
+            <a:endParaRPr sz="3600" b="1" dirty="0">
+              <a:latin typeface="UnDinaru"/>
+              <a:cs typeface="UnDinaru"/>
+            </a:endParaRPr>
+          </a:p>
+        </p:txBody>
+      </p:sp>
+      <p:sp>
+        <p:nvSpPr>
+          <p:cNvPr id="8" name="TextBox 7">
+            <a:extLst>
+              <a:ext uri="{FF2B5EF4-FFF2-40B4-BE49-F238E27FC236}">
+                <a16:creationId xmlns:a16="http://schemas.microsoft.com/office/drawing/2014/main" id="{7F0A2D77-1932-4269-8B64-49F988C16D76}"/>
+              </a:ext>
+            </a:extLst>
+          </p:cNvPr>
+          <p:cNvSpPr txBox="1"/>
+          <p:nvPr/>
+        </p:nvSpPr>
+        <p:spPr>
+          <a:xfrm>
+            <a:off x="508149" y="1305341"/>
+            <a:ext cx="8079328" cy="4247317"/>
+          </a:xfrm>
+          <a:prstGeom prst="rect">
+            <a:avLst/>
+          </a:prstGeom>
+          <a:noFill/>
+        </p:spPr>
+        <p:txBody>
+          <a:bodyPr wrap="none" rtlCol="0">
+            <a:spAutoFit/>
+          </a:bodyPr>
+          <a:lstStyle/>
+          <a:p>
+            <a:r>
+              <a:rPr lang="en-US" altLang="ko-KR" dirty="0"/>
+              <a:t>import boto3</a:t>
+            </a:r>
+          </a:p>
+          <a:p>
+            <a:r>
+              <a:rPr lang="en-US" altLang="ko-KR" dirty="0"/>
+              <a:t>import </a:t>
+            </a:r>
+            <a:r>
+              <a:rPr lang="en-US" altLang="ko-KR" dirty="0" err="1"/>
+              <a:t>io</a:t>
+            </a:r>
+            <a:endParaRPr lang="en-US" altLang="ko-KR" dirty="0"/>
+          </a:p>
+          <a:p>
+            <a:r>
+              <a:rPr lang="en-US" altLang="ko-KR" dirty="0"/>
+              <a:t>from PIL import Image, </a:t>
+            </a:r>
+            <a:r>
+              <a:rPr lang="en-US" altLang="ko-KR" dirty="0" err="1"/>
+              <a:t>ImageDraw</a:t>
+            </a:r>
+            <a:r>
+              <a:rPr lang="en-US" altLang="ko-KR" dirty="0"/>
+              <a:t>, </a:t>
+            </a:r>
+            <a:r>
+              <a:rPr lang="en-US" altLang="ko-KR" dirty="0" err="1"/>
+              <a:t>ExifTags</a:t>
+            </a:r>
+            <a:r>
+              <a:rPr lang="en-US" altLang="ko-KR" dirty="0"/>
+              <a:t>, </a:t>
+            </a:r>
+            <a:r>
+              <a:rPr lang="en-US" altLang="ko-KR" dirty="0" err="1"/>
+              <a:t>ImageColor</a:t>
+            </a:r>
+            <a:endParaRPr lang="en-US" altLang="ko-KR" dirty="0"/>
+          </a:p>
+          <a:p>
+            <a:r>
+              <a:rPr lang="en-US" altLang="ko-KR" dirty="0"/>
+              <a:t>import json</a:t>
+            </a:r>
+          </a:p>
+          <a:p>
+            <a:r>
+              <a:rPr lang="en-US" altLang="ko-KR" dirty="0"/>
+              <a:t>import base64</a:t>
+            </a:r>
+          </a:p>
+          <a:p>
+            <a:br>
+              <a:rPr lang="en-US" altLang="ko-KR" dirty="0"/>
+            </a:br>
+            <a:r>
+              <a:rPr lang="en-US" altLang="ko-KR" dirty="0"/>
+              <a:t>def </a:t>
+            </a:r>
+            <a:r>
+              <a:rPr lang="en-US" altLang="ko-KR" dirty="0" err="1"/>
+              <a:t>show_faces</a:t>
+            </a:r>
+            <a:r>
+              <a:rPr lang="en-US" altLang="ko-KR" dirty="0"/>
+              <a:t>(photo):</a:t>
+            </a:r>
+          </a:p>
+          <a:p>
+            <a:br>
+              <a:rPr lang="en-US" altLang="ko-KR" dirty="0"/>
+            </a:br>
+            <a:r>
+              <a:rPr lang="en-US" altLang="ko-KR" dirty="0"/>
+              <a:t>    client=boto3.client('</a:t>
+            </a:r>
+            <a:r>
+              <a:rPr lang="en-US" altLang="ko-KR" dirty="0" err="1"/>
+              <a:t>rekognition</a:t>
+            </a:r>
+            <a:r>
+              <a:rPr lang="en-US" altLang="ko-KR" dirty="0"/>
+              <a:t>')</a:t>
+            </a:r>
+          </a:p>
+          <a:p>
+            <a:r>
+              <a:rPr lang="en-US" altLang="ko-KR" dirty="0"/>
+              <a:t>    with open(photo, '</a:t>
+            </a:r>
+            <a:r>
+              <a:rPr lang="en-US" altLang="ko-KR" dirty="0" err="1"/>
+              <a:t>rb</a:t>
+            </a:r>
+            <a:r>
+              <a:rPr lang="en-US" altLang="ko-KR" dirty="0"/>
+              <a:t>') as image:</a:t>
+            </a:r>
+          </a:p>
+          <a:p>
+            <a:r>
+              <a:rPr lang="en-US" altLang="ko-KR" dirty="0"/>
+              <a:t>        response = </a:t>
+            </a:r>
+            <a:r>
+              <a:rPr lang="en-US" altLang="ko-KR" dirty="0" err="1"/>
+              <a:t>client.detect_faces</a:t>
+            </a:r>
+            <a:r>
+              <a:rPr lang="en-US" altLang="ko-KR" dirty="0"/>
+              <a:t>(Image={'Bytes': </a:t>
+            </a:r>
+            <a:r>
+              <a:rPr lang="en-US" altLang="ko-KR" dirty="0" err="1"/>
+              <a:t>image.read</a:t>
+            </a:r>
+            <a:r>
+              <a:rPr lang="en-US" altLang="ko-KR" dirty="0"/>
+              <a:t>()}, Attributes=['ALL'])</a:t>
+            </a:r>
+          </a:p>
+          <a:p>
+            <a:r>
+              <a:rPr lang="en-US" altLang="ko-KR" dirty="0"/>
+              <a:t>        image = </a:t>
+            </a:r>
+            <a:r>
+              <a:rPr lang="en-US" altLang="ko-KR" dirty="0" err="1"/>
+              <a:t>Image.open</a:t>
+            </a:r>
+            <a:r>
+              <a:rPr lang="en-US" altLang="ko-KR" dirty="0"/>
+              <a:t>(photo)</a:t>
+            </a:r>
+          </a:p>
+          <a:p>
+            <a:r>
+              <a:rPr lang="en-US" altLang="ko-KR" dirty="0"/>
+              <a:t>        </a:t>
+            </a:r>
+            <a:r>
+              <a:rPr lang="en-US" altLang="ko-KR" dirty="0" err="1"/>
+              <a:t>imgWidth</a:t>
+            </a:r>
+            <a:r>
+              <a:rPr lang="en-US" altLang="ko-KR" dirty="0"/>
+              <a:t>, </a:t>
+            </a:r>
+            <a:r>
+              <a:rPr lang="en-US" altLang="ko-KR" dirty="0" err="1"/>
+              <a:t>imgHeight</a:t>
+            </a:r>
+            <a:r>
+              <a:rPr lang="en-US" altLang="ko-KR" dirty="0"/>
+              <a:t> = </a:t>
+            </a:r>
+            <a:r>
+              <a:rPr lang="en-US" altLang="ko-KR" dirty="0" err="1"/>
+              <a:t>image.size</a:t>
+            </a:r>
+            <a:endParaRPr lang="en-US" altLang="ko-KR" dirty="0"/>
+          </a:p>
+          <a:p>
+            <a:r>
+              <a:rPr lang="en-US" altLang="ko-KR" dirty="0"/>
+              <a:t>        draw = </a:t>
+            </a:r>
+            <a:r>
+              <a:rPr lang="en-US" altLang="ko-KR" dirty="0" err="1"/>
+              <a:t>ImageDraw.Draw</a:t>
+            </a:r>
+            <a:r>
+              <a:rPr lang="en-US" altLang="ko-KR" dirty="0"/>
+              <a:t>(image)</a:t>
+            </a:r>
+          </a:p>
+          <a:p>
+            <a:endParaRPr lang="en-US" altLang="ko-KR" dirty="0"/>
+          </a:p>
+        </p:txBody>
+      </p:sp>
+    </p:spTree>
+    <p:extLst>
+      <p:ext uri="{BB962C8B-B14F-4D97-AF65-F5344CB8AC3E}">
+        <p14:creationId xmlns:p14="http://schemas.microsoft.com/office/powerpoint/2010/main" val="3438535904"/>
+      </p:ext>
+    </p:extLst>
+  </p:cSld>
+  <p:clrMapOvr>
+    <a:masterClrMapping/>
+  </p:clrMapOvr>
+</p:sld>
+</file>
+
+<file path=ppt/slides/slide52.xml><?xml version="1.0" encoding="utf-8"?>
+<p:sld xmlns:a="http://schemas.openxmlformats.org/drawingml/2006/main" xmlns:r="http://schemas.openxmlformats.org/officeDocument/2006/relationships" xmlns:p="http://schemas.openxmlformats.org/presentationml/2006/main">
+  <p:cSld>
+    <p:spTree>
+      <p:nvGrpSpPr>
+        <p:cNvPr id="1" name=""/>
+        <p:cNvGrpSpPr/>
+        <p:nvPr/>
+      </p:nvGrpSpPr>
+      <p:grpSpPr>
+        <a:xfrm>
+          <a:off x="0" y="0"/>
+          <a:ext cx="0" cy="0"/>
+          <a:chOff x="0" y="0"/>
+          <a:chExt cx="0" cy="0"/>
+        </a:xfrm>
+      </p:grpSpPr>
+      <p:sp>
+        <p:nvSpPr>
+          <p:cNvPr id="7" name="object 7"/>
+          <p:cNvSpPr txBox="1">
+            <a:spLocks noGrp="1"/>
+          </p:cNvSpPr>
+          <p:nvPr>
+            <p:ph type="sldNum" sz="quarter" idx="7"/>
+          </p:nvPr>
+        </p:nvSpPr>
+        <p:spPr>
+          <a:prstGeom prst="rect">
+            <a:avLst/>
+          </a:prstGeom>
+        </p:spPr>
+        <p:txBody>
+          <a:bodyPr vert="horz" wrap="square" lIns="0" tIns="0" rIns="0" bIns="0" rtlCol="0">
+            <a:spAutoFit/>
+          </a:bodyPr>
+          <a:lstStyle/>
+          <a:p>
+            <a:pPr marL="38100">
+              <a:lnSpc>
+                <a:spcPts val="1240"/>
+              </a:lnSpc>
+            </a:pPr>
+            <a:fld id="{81D60167-4931-47E6-BA6A-407CBD079E47}" type="slidenum">
+              <a:rPr dirty="0"/>
+              <a:t>52</a:t>
+            </a:fld>
+            <a:endParaRPr dirty="0"/>
+          </a:p>
+        </p:txBody>
+      </p:sp>
+      <p:sp>
+        <p:nvSpPr>
+          <p:cNvPr id="6" name="object 2">
+            <a:extLst>
+              <a:ext uri="{FF2B5EF4-FFF2-40B4-BE49-F238E27FC236}">
+                <a16:creationId xmlns:a16="http://schemas.microsoft.com/office/drawing/2014/main" id="{CF44945E-01F7-49BA-AF07-2208DBC26874}"/>
+              </a:ext>
+            </a:extLst>
+          </p:cNvPr>
+          <p:cNvSpPr txBox="1"/>
+          <p:nvPr/>
+        </p:nvSpPr>
+        <p:spPr>
+          <a:xfrm>
+            <a:off x="474370" y="177546"/>
+            <a:ext cx="8364830" cy="566822"/>
+          </a:xfrm>
+          <a:prstGeom prst="rect">
+            <a:avLst/>
+          </a:prstGeom>
+        </p:spPr>
+        <p:txBody>
+          <a:bodyPr vert="horz" wrap="square" lIns="0" tIns="12700" rIns="0" bIns="0" rtlCol="0">
+            <a:spAutoFit/>
+          </a:bodyPr>
+          <a:lstStyle/>
+          <a:p>
+            <a:pPr marL="12700">
+              <a:lnSpc>
+                <a:spcPct val="100000"/>
+              </a:lnSpc>
+              <a:spcBef>
+                <a:spcPts val="100"/>
+              </a:spcBef>
+            </a:pPr>
+            <a:r>
+              <a:rPr lang="en-US" sz="3600" b="1" dirty="0">
+                <a:latin typeface="UnDinaru"/>
+                <a:cs typeface="UnDinaru"/>
+              </a:rPr>
+              <a:t>Lambda</a:t>
+            </a:r>
+            <a:r>
+              <a:rPr lang="ko-KR" altLang="en-US" sz="3600" b="1" dirty="0">
+                <a:latin typeface="UnDinaru"/>
+                <a:cs typeface="UnDinaru"/>
+              </a:rPr>
+              <a:t>에 추가할 </a:t>
+            </a:r>
+            <a:r>
+              <a:rPr lang="en-US" altLang="ko-KR" sz="3600" b="1" dirty="0" err="1">
+                <a:latin typeface="UnDinaru"/>
+                <a:cs typeface="UnDinaru"/>
+              </a:rPr>
+              <a:t>Rekognition</a:t>
+            </a:r>
+            <a:r>
+              <a:rPr lang="en-US" altLang="ko-KR" sz="3600" b="1" dirty="0">
+                <a:latin typeface="UnDinaru"/>
+                <a:cs typeface="UnDinaru"/>
+              </a:rPr>
+              <a:t> </a:t>
+            </a:r>
+            <a:r>
+              <a:rPr lang="ko-KR" altLang="en-US" sz="3600" b="1" dirty="0">
+                <a:latin typeface="UnDinaru"/>
+                <a:cs typeface="UnDinaru"/>
+              </a:rPr>
+              <a:t>코드</a:t>
+            </a:r>
+            <a:endParaRPr sz="3600" b="1" dirty="0">
+              <a:latin typeface="UnDinaru"/>
+              <a:cs typeface="UnDinaru"/>
+            </a:endParaRPr>
+          </a:p>
+        </p:txBody>
+      </p:sp>
+      <p:sp>
+        <p:nvSpPr>
+          <p:cNvPr id="8" name="TextBox 7">
+            <a:extLst>
+              <a:ext uri="{FF2B5EF4-FFF2-40B4-BE49-F238E27FC236}">
+                <a16:creationId xmlns:a16="http://schemas.microsoft.com/office/drawing/2014/main" id="{7F0A2D77-1932-4269-8B64-49F988C16D76}"/>
+              </a:ext>
+            </a:extLst>
+          </p:cNvPr>
+          <p:cNvSpPr txBox="1"/>
+          <p:nvPr/>
+        </p:nvSpPr>
+        <p:spPr>
+          <a:xfrm>
+            <a:off x="497937" y="609600"/>
+            <a:ext cx="6667082" cy="6186309"/>
+          </a:xfrm>
+          <a:prstGeom prst="rect">
+            <a:avLst/>
+          </a:prstGeom>
+          <a:noFill/>
+        </p:spPr>
+        <p:txBody>
+          <a:bodyPr wrap="none" rtlCol="0">
+            <a:spAutoFit/>
+          </a:bodyPr>
+          <a:lstStyle/>
+          <a:p>
+            <a:br>
+              <a:rPr lang="en-US" altLang="ko-KR" dirty="0"/>
+            </a:br>
+            <a:r>
+              <a:rPr lang="en-US" altLang="ko-KR" dirty="0"/>
+              <a:t>    # calculate and display bounding boxes for each detected face         </a:t>
+            </a:r>
+          </a:p>
+          <a:p>
+            <a:r>
+              <a:rPr lang="en-US" altLang="ko-KR" dirty="0"/>
+              <a:t>    for </a:t>
+            </a:r>
+            <a:r>
+              <a:rPr lang="en-US" altLang="ko-KR" dirty="0" err="1"/>
+              <a:t>faceDetail</a:t>
+            </a:r>
+            <a:r>
+              <a:rPr lang="en-US" altLang="ko-KR" dirty="0"/>
+              <a:t> in response['</a:t>
+            </a:r>
+            <a:r>
+              <a:rPr lang="en-US" altLang="ko-KR" dirty="0" err="1"/>
+              <a:t>FaceDetails</a:t>
+            </a:r>
+            <a:r>
+              <a:rPr lang="en-US" altLang="ko-KR" dirty="0"/>
+              <a:t>']:</a:t>
+            </a:r>
+          </a:p>
+          <a:p>
+            <a:r>
+              <a:rPr lang="en-US" altLang="ko-KR" dirty="0"/>
+              <a:t>        box = </a:t>
+            </a:r>
+            <a:r>
+              <a:rPr lang="en-US" altLang="ko-KR" dirty="0" err="1"/>
+              <a:t>faceDetail</a:t>
+            </a:r>
+            <a:r>
+              <a:rPr lang="en-US" altLang="ko-KR" dirty="0"/>
+              <a:t>['</a:t>
+            </a:r>
+            <a:r>
+              <a:rPr lang="en-US" altLang="ko-KR" dirty="0" err="1"/>
+              <a:t>BoundingBox</a:t>
+            </a:r>
+            <a:r>
+              <a:rPr lang="en-US" altLang="ko-KR" dirty="0"/>
+              <a:t>']</a:t>
+            </a:r>
+          </a:p>
+          <a:p>
+            <a:r>
+              <a:rPr lang="en-US" altLang="ko-KR" dirty="0"/>
+              <a:t>        left = </a:t>
+            </a:r>
+            <a:r>
+              <a:rPr lang="en-US" altLang="ko-KR" dirty="0" err="1"/>
+              <a:t>imgWidth</a:t>
+            </a:r>
+            <a:r>
+              <a:rPr lang="en-US" altLang="ko-KR" dirty="0"/>
+              <a:t> * box['Left']</a:t>
+            </a:r>
+          </a:p>
+          <a:p>
+            <a:r>
+              <a:rPr lang="en-US" altLang="ko-KR" dirty="0"/>
+              <a:t>        top = </a:t>
+            </a:r>
+            <a:r>
+              <a:rPr lang="en-US" altLang="ko-KR" dirty="0" err="1"/>
+              <a:t>imgHeight</a:t>
+            </a:r>
+            <a:r>
+              <a:rPr lang="en-US" altLang="ko-KR" dirty="0"/>
+              <a:t> * box['Top']</a:t>
+            </a:r>
+          </a:p>
+          <a:p>
+            <a:r>
+              <a:rPr lang="en-US" altLang="ko-KR" dirty="0"/>
+              <a:t>        width = </a:t>
+            </a:r>
+            <a:r>
+              <a:rPr lang="en-US" altLang="ko-KR" dirty="0" err="1"/>
+              <a:t>imgWidth</a:t>
+            </a:r>
+            <a:r>
+              <a:rPr lang="en-US" altLang="ko-KR" dirty="0"/>
+              <a:t> * box['Width']</a:t>
+            </a:r>
+          </a:p>
+          <a:p>
+            <a:r>
+              <a:rPr lang="en-US" altLang="ko-KR" dirty="0"/>
+              <a:t>        height = </a:t>
+            </a:r>
+            <a:r>
+              <a:rPr lang="en-US" altLang="ko-KR" dirty="0" err="1"/>
+              <a:t>imgHeight</a:t>
+            </a:r>
+            <a:r>
+              <a:rPr lang="en-US" altLang="ko-KR" dirty="0"/>
+              <a:t> * box['Height']</a:t>
+            </a:r>
+          </a:p>
+          <a:p>
+            <a:br>
+              <a:rPr lang="en-US" altLang="ko-KR" dirty="0"/>
+            </a:br>
+            <a:r>
+              <a:rPr lang="en-US" altLang="ko-KR" dirty="0"/>
+              <a:t>        points = (</a:t>
+            </a:r>
+          </a:p>
+          <a:p>
+            <a:r>
+              <a:rPr lang="en-US" altLang="ko-KR" dirty="0"/>
+              <a:t>            (</a:t>
+            </a:r>
+            <a:r>
+              <a:rPr lang="en-US" altLang="ko-KR" dirty="0" err="1"/>
+              <a:t>left,top</a:t>
+            </a:r>
+            <a:r>
+              <a:rPr lang="en-US" altLang="ko-KR" dirty="0"/>
+              <a:t>),</a:t>
+            </a:r>
+          </a:p>
+          <a:p>
+            <a:r>
+              <a:rPr lang="en-US" altLang="ko-KR" dirty="0"/>
+              <a:t>            (left + width, top),</a:t>
+            </a:r>
+          </a:p>
+          <a:p>
+            <a:r>
+              <a:rPr lang="en-US" altLang="ko-KR" dirty="0"/>
+              <a:t>            (left + width, top + height),</a:t>
+            </a:r>
+          </a:p>
+          <a:p>
+            <a:r>
+              <a:rPr lang="en-US" altLang="ko-KR" dirty="0"/>
+              <a:t>            (left , top + height),</a:t>
+            </a:r>
+          </a:p>
+          <a:p>
+            <a:r>
+              <a:rPr lang="en-US" altLang="ko-KR" dirty="0"/>
+              <a:t>            (left, top)</a:t>
+            </a:r>
+          </a:p>
+          <a:p>
+            <a:r>
+              <a:rPr lang="en-US" altLang="ko-KR" dirty="0"/>
+              <a:t>        )</a:t>
+            </a:r>
+          </a:p>
+          <a:p>
+            <a:r>
+              <a:rPr lang="en-US" altLang="ko-KR" dirty="0"/>
+              <a:t>        </a:t>
+            </a:r>
+            <a:r>
+              <a:rPr lang="en-US" altLang="ko-KR" dirty="0" err="1"/>
+              <a:t>draw.line</a:t>
+            </a:r>
+            <a:r>
+              <a:rPr lang="en-US" altLang="ko-KR" dirty="0"/>
+              <a:t>(points, fill='#00d400', width=2)</a:t>
+            </a:r>
+          </a:p>
+          <a:p>
+            <a:br>
+              <a:rPr lang="en-US" altLang="ko-KR" dirty="0"/>
+            </a:br>
+            <a:r>
+              <a:rPr lang="en-US" altLang="ko-KR" dirty="0"/>
+              <a:t>    </a:t>
+            </a:r>
+            <a:r>
+              <a:rPr lang="en-US" altLang="ko-KR" dirty="0" err="1"/>
+              <a:t>result_path</a:t>
+            </a:r>
+            <a:r>
+              <a:rPr lang="en-US" altLang="ko-KR" dirty="0"/>
+              <a:t> = '/</a:t>
+            </a:r>
+            <a:r>
+              <a:rPr lang="en-US" altLang="ko-KR" dirty="0" err="1"/>
+              <a:t>tmp</a:t>
+            </a:r>
+            <a:r>
+              <a:rPr lang="en-US" altLang="ko-KR" dirty="0"/>
+              <a:t>/test2_result.jpg'</a:t>
+            </a:r>
+          </a:p>
+          <a:p>
+            <a:br>
+              <a:rPr lang="en-US" altLang="ko-KR" dirty="0"/>
+            </a:br>
+            <a:r>
+              <a:rPr lang="en-US" altLang="ko-KR" dirty="0"/>
+              <a:t>    </a:t>
+            </a:r>
+            <a:r>
+              <a:rPr lang="en-US" altLang="ko-KR" dirty="0" err="1"/>
+              <a:t>image.save</a:t>
+            </a:r>
+            <a:r>
+              <a:rPr lang="en-US" altLang="ko-KR" dirty="0"/>
+              <a:t>(</a:t>
+            </a:r>
+            <a:r>
+              <a:rPr lang="en-US" altLang="ko-KR" dirty="0" err="1"/>
+              <a:t>result_path</a:t>
+            </a:r>
+            <a:r>
+              <a:rPr lang="en-US" altLang="ko-KR" dirty="0"/>
+              <a:t>)</a:t>
+            </a:r>
+          </a:p>
+          <a:p>
+            <a:r>
+              <a:rPr lang="en-US" altLang="ko-KR" dirty="0"/>
+              <a:t>    return open(</a:t>
+            </a:r>
+            <a:r>
+              <a:rPr lang="en-US" altLang="ko-KR" dirty="0" err="1"/>
+              <a:t>result_path</a:t>
+            </a:r>
+            <a:r>
+              <a:rPr lang="en-US" altLang="ko-KR" dirty="0"/>
+              <a:t>, '</a:t>
+            </a:r>
+            <a:r>
+              <a:rPr lang="en-US" altLang="ko-KR" dirty="0" err="1"/>
+              <a:t>rb</a:t>
+            </a:r>
+            <a:r>
+              <a:rPr lang="en-US" altLang="ko-KR" dirty="0"/>
+              <a:t>')</a:t>
+            </a:r>
+          </a:p>
+        </p:txBody>
+      </p:sp>
+    </p:spTree>
+    <p:extLst>
+      <p:ext uri="{BB962C8B-B14F-4D97-AF65-F5344CB8AC3E}">
+        <p14:creationId xmlns:p14="http://schemas.microsoft.com/office/powerpoint/2010/main" val="3436717993"/>
+      </p:ext>
+    </p:extLst>
+  </p:cSld>
+  <p:clrMapOvr>
+    <a:masterClrMapping/>
+  </p:clrMapOvr>
+</p:sld>
+</file>
+
+<file path=ppt/slides/slide53.xml><?xml version="1.0" encoding="utf-8"?>
+<p:sld xmlns:a="http://schemas.openxmlformats.org/drawingml/2006/main" xmlns:r="http://schemas.openxmlformats.org/officeDocument/2006/relationships" xmlns:p="http://schemas.openxmlformats.org/presentationml/2006/main">
+  <p:cSld>
+    <p:spTree>
+      <p:nvGrpSpPr>
+        <p:cNvPr id="1" name=""/>
+        <p:cNvGrpSpPr/>
+        <p:nvPr/>
+      </p:nvGrpSpPr>
+      <p:grpSpPr>
+        <a:xfrm>
+          <a:off x="0" y="0"/>
+          <a:ext cx="0" cy="0"/>
+          <a:chOff x="0" y="0"/>
+          <a:chExt cx="0" cy="0"/>
+        </a:xfrm>
+      </p:grpSpPr>
+      <p:sp>
+        <p:nvSpPr>
+          <p:cNvPr id="7" name="object 7"/>
+          <p:cNvSpPr txBox="1">
+            <a:spLocks noGrp="1"/>
+          </p:cNvSpPr>
+          <p:nvPr>
+            <p:ph type="sldNum" sz="quarter" idx="7"/>
+          </p:nvPr>
+        </p:nvSpPr>
+        <p:spPr>
+          <a:prstGeom prst="rect">
+            <a:avLst/>
+          </a:prstGeom>
+        </p:spPr>
+        <p:txBody>
+          <a:bodyPr vert="horz" wrap="square" lIns="0" tIns="0" rIns="0" bIns="0" rtlCol="0">
+            <a:spAutoFit/>
+          </a:bodyPr>
+          <a:lstStyle/>
+          <a:p>
+            <a:pPr marL="38100">
+              <a:lnSpc>
+                <a:spcPts val="1240"/>
+              </a:lnSpc>
+            </a:pPr>
+            <a:fld id="{81D60167-4931-47E6-BA6A-407CBD079E47}" type="slidenum">
+              <a:rPr dirty="0"/>
+              <a:t>53</a:t>
+            </a:fld>
+            <a:endParaRPr dirty="0"/>
+          </a:p>
+        </p:txBody>
+      </p:sp>
+      <p:sp>
+        <p:nvSpPr>
+          <p:cNvPr id="6" name="object 2">
+            <a:extLst>
+              <a:ext uri="{FF2B5EF4-FFF2-40B4-BE49-F238E27FC236}">
+                <a16:creationId xmlns:a16="http://schemas.microsoft.com/office/drawing/2014/main" id="{CF44945E-01F7-49BA-AF07-2208DBC26874}"/>
+              </a:ext>
+            </a:extLst>
+          </p:cNvPr>
+          <p:cNvSpPr txBox="1"/>
+          <p:nvPr/>
+        </p:nvSpPr>
+        <p:spPr>
+          <a:xfrm>
+            <a:off x="474370" y="177546"/>
+            <a:ext cx="8364830" cy="566822"/>
+          </a:xfrm>
+          <a:prstGeom prst="rect">
+            <a:avLst/>
+          </a:prstGeom>
+        </p:spPr>
+        <p:txBody>
+          <a:bodyPr vert="horz" wrap="square" lIns="0" tIns="12700" rIns="0" bIns="0" rtlCol="0">
+            <a:spAutoFit/>
+          </a:bodyPr>
+          <a:lstStyle/>
+          <a:p>
+            <a:pPr marL="12700">
+              <a:lnSpc>
+                <a:spcPct val="100000"/>
+              </a:lnSpc>
+              <a:spcBef>
+                <a:spcPts val="100"/>
+              </a:spcBef>
+            </a:pPr>
+            <a:r>
+              <a:rPr lang="en-US" sz="3600" b="1" dirty="0">
+                <a:latin typeface="UnDinaru"/>
+                <a:cs typeface="UnDinaru"/>
+              </a:rPr>
+              <a:t>Lambda</a:t>
+            </a:r>
+            <a:r>
+              <a:rPr lang="ko-KR" altLang="en-US" sz="3600" b="1" dirty="0">
+                <a:latin typeface="UnDinaru"/>
+                <a:cs typeface="UnDinaru"/>
+              </a:rPr>
+              <a:t>에 추가할 </a:t>
+            </a:r>
+            <a:r>
+              <a:rPr lang="en-US" altLang="ko-KR" sz="3600" b="1" dirty="0" err="1">
+                <a:latin typeface="UnDinaru"/>
+                <a:cs typeface="UnDinaru"/>
+              </a:rPr>
+              <a:t>Rekognition</a:t>
+            </a:r>
+            <a:r>
+              <a:rPr lang="en-US" altLang="ko-KR" sz="3600" b="1" dirty="0">
+                <a:latin typeface="UnDinaru"/>
+                <a:cs typeface="UnDinaru"/>
+              </a:rPr>
+              <a:t> </a:t>
+            </a:r>
+            <a:r>
+              <a:rPr lang="ko-KR" altLang="en-US" sz="3600" b="1" dirty="0">
+                <a:latin typeface="UnDinaru"/>
+                <a:cs typeface="UnDinaru"/>
+              </a:rPr>
+              <a:t>코드</a:t>
+            </a:r>
+            <a:endParaRPr sz="3600" b="1" dirty="0">
+              <a:latin typeface="UnDinaru"/>
+              <a:cs typeface="UnDinaru"/>
+            </a:endParaRPr>
+          </a:p>
+        </p:txBody>
+      </p:sp>
+      <p:sp>
+        <p:nvSpPr>
+          <p:cNvPr id="8" name="TextBox 7">
+            <a:extLst>
+              <a:ext uri="{FF2B5EF4-FFF2-40B4-BE49-F238E27FC236}">
+                <a16:creationId xmlns:a16="http://schemas.microsoft.com/office/drawing/2014/main" id="{7F0A2D77-1932-4269-8B64-49F988C16D76}"/>
+              </a:ext>
+            </a:extLst>
+          </p:cNvPr>
+          <p:cNvSpPr txBox="1"/>
+          <p:nvPr/>
+        </p:nvSpPr>
+        <p:spPr>
+          <a:xfrm>
+            <a:off x="488510" y="1066800"/>
+            <a:ext cx="6649000" cy="4247317"/>
+          </a:xfrm>
+          <a:prstGeom prst="rect">
+            <a:avLst/>
+          </a:prstGeom>
+          <a:noFill/>
+        </p:spPr>
+        <p:txBody>
+          <a:bodyPr wrap="none" rtlCol="0">
+            <a:spAutoFit/>
+          </a:bodyPr>
+          <a:lstStyle/>
+          <a:p>
+            <a:br>
+              <a:rPr lang="en-US" altLang="ko-KR" dirty="0"/>
+            </a:br>
+            <a:r>
+              <a:rPr lang="en-US" altLang="ko-KR" dirty="0"/>
+              <a:t>def </a:t>
+            </a:r>
+            <a:r>
+              <a:rPr lang="en-US" altLang="ko-KR" dirty="0" err="1"/>
+              <a:t>lambda_handler</a:t>
+            </a:r>
+            <a:r>
+              <a:rPr lang="en-US" altLang="ko-KR" dirty="0"/>
+              <a:t>(event, context):</a:t>
+            </a:r>
+          </a:p>
+          <a:p>
+            <a:r>
+              <a:rPr lang="en-US" altLang="ko-KR" dirty="0"/>
+              <a:t>    # TODO implement</a:t>
+            </a:r>
+          </a:p>
+          <a:p>
+            <a:r>
+              <a:rPr lang="en-US" altLang="ko-KR" dirty="0"/>
+              <a:t>    photo='test2.jpg'</a:t>
+            </a:r>
+          </a:p>
+          <a:p>
+            <a:br>
+              <a:rPr lang="en-US" altLang="ko-KR" dirty="0"/>
+            </a:br>
+            <a:r>
+              <a:rPr lang="en-US" altLang="ko-KR" dirty="0"/>
+              <a:t>    </a:t>
+            </a:r>
+            <a:r>
+              <a:rPr lang="en-US" altLang="ko-KR" dirty="0" err="1"/>
+              <a:t>result_image</a:t>
+            </a:r>
+            <a:r>
+              <a:rPr lang="en-US" altLang="ko-KR" dirty="0"/>
+              <a:t>=</a:t>
+            </a:r>
+            <a:r>
+              <a:rPr lang="en-US" altLang="ko-KR" dirty="0" err="1"/>
+              <a:t>show_faces</a:t>
+            </a:r>
+            <a:r>
+              <a:rPr lang="en-US" altLang="ko-KR" dirty="0"/>
+              <a:t>(photo)</a:t>
+            </a:r>
+          </a:p>
+          <a:p>
+            <a:br>
+              <a:rPr lang="en-US" altLang="ko-KR" dirty="0"/>
+            </a:br>
+            <a:r>
+              <a:rPr lang="en-US" altLang="ko-KR" dirty="0"/>
+              <a:t>    return {</a:t>
+            </a:r>
+          </a:p>
+          <a:p>
+            <a:r>
+              <a:rPr lang="en-US" altLang="ko-KR" dirty="0"/>
+              <a:t>        '</a:t>
+            </a:r>
+            <a:r>
+              <a:rPr lang="en-US" altLang="ko-KR" dirty="0" err="1"/>
+              <a:t>statusCode</a:t>
+            </a:r>
+            <a:r>
+              <a:rPr lang="en-US" altLang="ko-KR" dirty="0"/>
+              <a:t>': 200,</a:t>
+            </a:r>
+          </a:p>
+          <a:p>
+            <a:r>
+              <a:rPr lang="en-US" altLang="ko-KR" dirty="0"/>
+              <a:t>        "isBase64Encoded": True,</a:t>
+            </a:r>
+          </a:p>
+          <a:p>
+            <a:r>
+              <a:rPr lang="en-US" altLang="ko-KR" dirty="0"/>
+              <a:t>        'body': base64.b64encode(</a:t>
+            </a:r>
+            <a:r>
+              <a:rPr lang="en-US" altLang="ko-KR" dirty="0" err="1"/>
+              <a:t>result_image.read</a:t>
+            </a:r>
+            <a:r>
+              <a:rPr lang="en-US" altLang="ko-KR" dirty="0"/>
+              <a:t>()).decode("utf-8"),</a:t>
+            </a:r>
+          </a:p>
+          <a:p>
+            <a:r>
+              <a:rPr lang="en-US" altLang="ko-KR" dirty="0"/>
+              <a:t>        'headers': {</a:t>
+            </a:r>
+          </a:p>
+          <a:p>
+            <a:r>
+              <a:rPr lang="en-US" altLang="ko-KR" dirty="0"/>
+              <a:t>            'Content-Type': 'image/jpg'</a:t>
+            </a:r>
+          </a:p>
+          <a:p>
+            <a:r>
+              <a:rPr lang="en-US" altLang="ko-KR" dirty="0"/>
+              <a:t>        }</a:t>
+            </a:r>
+          </a:p>
+          <a:p>
+            <a:r>
+              <a:rPr lang="en-US" altLang="ko-KR" dirty="0"/>
+              <a:t>    }</a:t>
+            </a:r>
+          </a:p>
+        </p:txBody>
+      </p:sp>
+    </p:spTree>
+    <p:extLst>
+      <p:ext uri="{BB962C8B-B14F-4D97-AF65-F5344CB8AC3E}">
+        <p14:creationId xmlns:p14="http://schemas.microsoft.com/office/powerpoint/2010/main" val="898046904"/>
+      </p:ext>
+    </p:extLst>
+  </p:cSld>
+  <p:clrMapOvr>
+    <a:masterClrMapping/>
+  </p:clrMapOvr>
+</p:sld>
+</file>
+
+<file path=ppt/slides/slide54.xml><?xml version="1.0" encoding="utf-8"?>
+<p:sld xmlns:a="http://schemas.openxmlformats.org/drawingml/2006/main" xmlns:r="http://schemas.openxmlformats.org/officeDocument/2006/relationships" xmlns:p="http://schemas.openxmlformats.org/presentationml/2006/main">
+  <p:cSld>
+    <p:spTree>
+      <p:nvGrpSpPr>
+        <p:cNvPr id="1" name=""/>
+        <p:cNvGrpSpPr/>
+        <p:nvPr/>
+      </p:nvGrpSpPr>
+      <p:grpSpPr>
+        <a:xfrm>
+          <a:off x="0" y="0"/>
+          <a:ext cx="0" cy="0"/>
+          <a:chOff x="0" y="0"/>
+          <a:chExt cx="0" cy="0"/>
+        </a:xfrm>
+      </p:grpSpPr>
+      <p:sp>
+        <p:nvSpPr>
+          <p:cNvPr id="7" name="object 7"/>
+          <p:cNvSpPr txBox="1">
+            <a:spLocks noGrp="1"/>
+          </p:cNvSpPr>
+          <p:nvPr>
+            <p:ph type="sldNum" sz="quarter" idx="7"/>
+          </p:nvPr>
+        </p:nvSpPr>
+        <p:spPr>
+          <a:prstGeom prst="rect">
+            <a:avLst/>
+          </a:prstGeom>
+        </p:spPr>
+        <p:txBody>
+          <a:bodyPr vert="horz" wrap="square" lIns="0" tIns="0" rIns="0" bIns="0" rtlCol="0">
+            <a:spAutoFit/>
+          </a:bodyPr>
+          <a:lstStyle/>
+          <a:p>
+            <a:pPr marL="38100">
+              <a:lnSpc>
+                <a:spcPts val="1240"/>
+              </a:lnSpc>
+            </a:pPr>
+            <a:fld id="{81D60167-4931-47E6-BA6A-407CBD079E47}" type="slidenum">
+              <a:rPr dirty="0"/>
+              <a:t>54</a:t>
+            </a:fld>
+            <a:endParaRPr dirty="0"/>
+          </a:p>
+        </p:txBody>
+      </p:sp>
+      <p:sp>
+        <p:nvSpPr>
+          <p:cNvPr id="6" name="object 2">
+            <a:extLst>
+              <a:ext uri="{FF2B5EF4-FFF2-40B4-BE49-F238E27FC236}">
+                <a16:creationId xmlns:a16="http://schemas.microsoft.com/office/drawing/2014/main" id="{CF44945E-01F7-49BA-AF07-2208DBC26874}"/>
+              </a:ext>
+            </a:extLst>
+          </p:cNvPr>
+          <p:cNvSpPr txBox="1"/>
+          <p:nvPr/>
+        </p:nvSpPr>
+        <p:spPr>
+          <a:xfrm>
+            <a:off x="474370" y="177546"/>
+            <a:ext cx="8364830" cy="566822"/>
+          </a:xfrm>
+          <a:prstGeom prst="rect">
+            <a:avLst/>
+          </a:prstGeom>
+        </p:spPr>
+        <p:txBody>
+          <a:bodyPr vert="horz" wrap="square" lIns="0" tIns="12700" rIns="0" bIns="0" rtlCol="0">
+            <a:spAutoFit/>
+          </a:bodyPr>
+          <a:lstStyle/>
+          <a:p>
+            <a:pPr marL="12700">
+              <a:lnSpc>
+                <a:spcPct val="100000"/>
+              </a:lnSpc>
+              <a:spcBef>
+                <a:spcPts val="100"/>
+              </a:spcBef>
+            </a:pPr>
+            <a:r>
+              <a:rPr lang="ko-KR" altLang="en-US" sz="3600" b="1" dirty="0">
+                <a:latin typeface="UnDinaru"/>
+                <a:cs typeface="UnDinaru"/>
+              </a:rPr>
+              <a:t>코드와 사진 업로드</a:t>
+            </a:r>
+            <a:endParaRPr sz="3600" b="1" dirty="0">
+              <a:latin typeface="UnDinaru"/>
+              <a:cs typeface="UnDinaru"/>
+            </a:endParaRPr>
+          </a:p>
+        </p:txBody>
+      </p:sp>
+      <p:sp>
+        <p:nvSpPr>
+          <p:cNvPr id="5" name="object 3">
+            <a:extLst>
+              <a:ext uri="{FF2B5EF4-FFF2-40B4-BE49-F238E27FC236}">
+                <a16:creationId xmlns:a16="http://schemas.microsoft.com/office/drawing/2014/main" id="{6F2E8BD4-2862-473C-B2AA-A85C36F14EF1}"/>
+              </a:ext>
+            </a:extLst>
+          </p:cNvPr>
+          <p:cNvSpPr txBox="1"/>
+          <p:nvPr/>
+        </p:nvSpPr>
+        <p:spPr>
+          <a:xfrm>
+            <a:off x="466514" y="1219200"/>
+            <a:ext cx="7298031" cy="1603644"/>
+          </a:xfrm>
+          <a:prstGeom prst="rect">
+            <a:avLst/>
+          </a:prstGeom>
+        </p:spPr>
+        <p:txBody>
+          <a:bodyPr vert="horz" wrap="square" lIns="0" tIns="13335" rIns="0" bIns="0" rtlCol="0">
+            <a:spAutoFit/>
+          </a:bodyPr>
+          <a:lstStyle/>
+          <a:p>
+            <a:pPr marL="241300" indent="-228600">
+              <a:lnSpc>
+                <a:spcPct val="100000"/>
+              </a:lnSpc>
+              <a:spcBef>
+                <a:spcPts val="105"/>
+              </a:spcBef>
+              <a:buFont typeface="Arial"/>
+              <a:buChar char="•"/>
+              <a:tabLst>
+                <a:tab pos="240665" algn="l"/>
+                <a:tab pos="241300" algn="l"/>
+              </a:tabLst>
+            </a:pPr>
+            <a:r>
+              <a:rPr lang="ko-KR" altLang="en-US" sz="2000" dirty="0">
+                <a:latin typeface="UKIJ CJK"/>
+                <a:cs typeface="UKIJ CJK"/>
+              </a:rPr>
+              <a:t>소스코드를 </a:t>
+            </a:r>
+            <a:r>
+              <a:rPr lang="en-US" altLang="ko-KR" sz="2000" dirty="0">
+                <a:latin typeface="UKIJ CJK"/>
+                <a:cs typeface="UKIJ CJK"/>
+              </a:rPr>
+              <a:t>Rekognition.py</a:t>
+            </a:r>
+            <a:r>
+              <a:rPr lang="ko-KR" altLang="en-US" sz="2000" dirty="0">
+                <a:latin typeface="UKIJ CJK"/>
+                <a:cs typeface="UKIJ CJK"/>
+              </a:rPr>
+              <a:t>로 저장</a:t>
+            </a:r>
+            <a:endParaRPr lang="en-US" altLang="ko-KR" sz="2000" dirty="0">
+              <a:latin typeface="UKIJ CJK"/>
+              <a:cs typeface="UKIJ CJK"/>
+            </a:endParaRPr>
+          </a:p>
+          <a:p>
+            <a:pPr marL="241300" indent="-228600">
+              <a:lnSpc>
+                <a:spcPct val="100000"/>
+              </a:lnSpc>
+              <a:spcBef>
+                <a:spcPts val="105"/>
+              </a:spcBef>
+              <a:buFont typeface="Arial"/>
+              <a:buChar char="•"/>
+              <a:tabLst>
+                <a:tab pos="240665" algn="l"/>
+                <a:tab pos="241300" algn="l"/>
+              </a:tabLst>
+            </a:pPr>
+            <a:endParaRPr lang="en-US" altLang="ko-KR" sz="2000" dirty="0">
+              <a:latin typeface="UKIJ CJK"/>
+              <a:cs typeface="UKIJ CJK"/>
+            </a:endParaRPr>
+          </a:p>
+          <a:p>
+            <a:pPr marL="241300" indent="-228600">
+              <a:lnSpc>
+                <a:spcPct val="100000"/>
+              </a:lnSpc>
+              <a:spcBef>
+                <a:spcPts val="105"/>
+              </a:spcBef>
+              <a:buFont typeface="Arial"/>
+              <a:buChar char="•"/>
+              <a:tabLst>
+                <a:tab pos="240665" algn="l"/>
+                <a:tab pos="241300" algn="l"/>
+              </a:tabLst>
+            </a:pPr>
+            <a:r>
+              <a:rPr lang="ko-KR" altLang="en-US" sz="2000" dirty="0">
+                <a:latin typeface="UKIJ CJK"/>
+                <a:cs typeface="UKIJ CJK"/>
+              </a:rPr>
+              <a:t>사람 얼굴이 있는 사진을 다운받아서 </a:t>
+            </a:r>
+            <a:r>
+              <a:rPr lang="en-US" altLang="ko-KR" sz="2000" dirty="0">
+                <a:latin typeface="UKIJ CJK"/>
+                <a:cs typeface="UKIJ CJK"/>
+              </a:rPr>
+              <a:t>test2.jpg</a:t>
+            </a:r>
+            <a:r>
+              <a:rPr lang="ko-KR" altLang="en-US" sz="2000" dirty="0">
+                <a:latin typeface="UKIJ CJK"/>
+                <a:cs typeface="UKIJ CJK"/>
+              </a:rPr>
+              <a:t>로 저장</a:t>
+            </a:r>
+            <a:endParaRPr lang="en-US" altLang="ko-KR" sz="2000" dirty="0">
+              <a:latin typeface="UKIJ CJK"/>
+              <a:cs typeface="UKIJ CJK"/>
+            </a:endParaRPr>
+          </a:p>
+          <a:p>
+            <a:pPr marL="241300" indent="-228600">
+              <a:lnSpc>
+                <a:spcPct val="100000"/>
+              </a:lnSpc>
+              <a:spcBef>
+                <a:spcPts val="105"/>
+              </a:spcBef>
+              <a:buFont typeface="Arial"/>
+              <a:buChar char="•"/>
+              <a:tabLst>
+                <a:tab pos="240665" algn="l"/>
+                <a:tab pos="241300" algn="l"/>
+              </a:tabLst>
+            </a:pPr>
+            <a:endParaRPr lang="en-US" altLang="ko-KR" sz="2000" dirty="0">
+              <a:latin typeface="UKIJ CJK"/>
+              <a:cs typeface="UKIJ CJK"/>
+            </a:endParaRPr>
+          </a:p>
+          <a:p>
+            <a:pPr marL="241300" indent="-228600">
+              <a:lnSpc>
+                <a:spcPct val="100000"/>
+              </a:lnSpc>
+              <a:spcBef>
+                <a:spcPts val="105"/>
+              </a:spcBef>
+              <a:buFont typeface="Arial"/>
+              <a:buChar char="•"/>
+              <a:tabLst>
+                <a:tab pos="240665" algn="l"/>
+                <a:tab pos="241300" algn="l"/>
+              </a:tabLst>
+            </a:pPr>
+            <a:r>
+              <a:rPr lang="en-US" altLang="ko-KR" sz="2000" dirty="0">
+                <a:latin typeface="UKIJ CJK"/>
+                <a:cs typeface="UKIJ CJK"/>
+              </a:rPr>
+              <a:t>Rekognition.py</a:t>
+            </a:r>
+            <a:r>
+              <a:rPr lang="ko-KR" altLang="en-US" sz="2000" dirty="0">
+                <a:latin typeface="UKIJ CJK"/>
+                <a:cs typeface="UKIJ CJK"/>
+              </a:rPr>
+              <a:t>와 </a:t>
+            </a:r>
+            <a:r>
+              <a:rPr lang="en-US" altLang="ko-KR" sz="2000" dirty="0">
+                <a:latin typeface="UKIJ CJK"/>
+                <a:cs typeface="UKIJ CJK"/>
+              </a:rPr>
+              <a:t>test2.jpg</a:t>
+            </a:r>
+            <a:r>
+              <a:rPr lang="ko-KR" altLang="en-US" sz="2000" dirty="0">
+                <a:latin typeface="UKIJ CJK"/>
+                <a:cs typeface="UKIJ CJK"/>
+              </a:rPr>
+              <a:t>를 </a:t>
+            </a:r>
+            <a:r>
+              <a:rPr lang="en-US" altLang="ko-KR" sz="2000" dirty="0">
+                <a:latin typeface="UKIJ CJK"/>
+                <a:cs typeface="UKIJ CJK"/>
+              </a:rPr>
+              <a:t>.zip</a:t>
+            </a:r>
+            <a:r>
+              <a:rPr lang="ko-KR" altLang="en-US" sz="2000" dirty="0">
+                <a:latin typeface="UKIJ CJK"/>
+                <a:cs typeface="UKIJ CJK"/>
+              </a:rPr>
+              <a:t>로 압축</a:t>
+            </a:r>
+            <a:endParaRPr lang="en-US" altLang="ko-KR" sz="2000" dirty="0">
+              <a:latin typeface="UKIJ CJK"/>
+              <a:cs typeface="UKIJ CJK"/>
+            </a:endParaRPr>
+          </a:p>
+        </p:txBody>
+      </p:sp>
+    </p:spTree>
+    <p:extLst>
+      <p:ext uri="{BB962C8B-B14F-4D97-AF65-F5344CB8AC3E}">
+        <p14:creationId xmlns:p14="http://schemas.microsoft.com/office/powerpoint/2010/main" val="2044882189"/>
+      </p:ext>
+    </p:extLst>
+  </p:cSld>
+  <p:clrMapOvr>
+    <a:masterClrMapping/>
+  </p:clrMapOvr>
+</p:sld>
+</file>
+
+<file path=ppt/slides/slide55.xml><?xml version="1.0" encoding="utf-8"?>
+<p:sld xmlns:a="http://schemas.openxmlformats.org/drawingml/2006/main" xmlns:r="http://schemas.openxmlformats.org/officeDocument/2006/relationships" xmlns:p="http://schemas.openxmlformats.org/presentationml/2006/main">
+  <p:cSld>
+    <p:spTree>
+      <p:nvGrpSpPr>
+        <p:cNvPr id="1" name=""/>
+        <p:cNvGrpSpPr/>
+        <p:nvPr/>
+      </p:nvGrpSpPr>
+      <p:grpSpPr>
+        <a:xfrm>
+          <a:off x="0" y="0"/>
+          <a:ext cx="0" cy="0"/>
+          <a:chOff x="0" y="0"/>
+          <a:chExt cx="0" cy="0"/>
+        </a:xfrm>
+      </p:grpSpPr>
+      <p:sp>
+        <p:nvSpPr>
+          <p:cNvPr id="7" name="object 7"/>
+          <p:cNvSpPr txBox="1">
+            <a:spLocks noGrp="1"/>
+          </p:cNvSpPr>
+          <p:nvPr>
+            <p:ph type="sldNum" sz="quarter" idx="7"/>
+          </p:nvPr>
+        </p:nvSpPr>
+        <p:spPr>
+          <a:prstGeom prst="rect">
+            <a:avLst/>
+          </a:prstGeom>
+        </p:spPr>
+        <p:txBody>
+          <a:bodyPr vert="horz" wrap="square" lIns="0" tIns="0" rIns="0" bIns="0" rtlCol="0">
+            <a:spAutoFit/>
+          </a:bodyPr>
+          <a:lstStyle/>
+          <a:p>
+            <a:pPr marL="38100">
+              <a:lnSpc>
+                <a:spcPts val="1240"/>
+              </a:lnSpc>
+            </a:pPr>
+            <a:fld id="{81D60167-4931-47E6-BA6A-407CBD079E47}" type="slidenum">
+              <a:rPr dirty="0"/>
+              <a:t>55</a:t>
+            </a:fld>
+            <a:endParaRPr dirty="0"/>
+          </a:p>
+        </p:txBody>
+      </p:sp>
+      <p:sp>
+        <p:nvSpPr>
+          <p:cNvPr id="6" name="object 2">
+            <a:extLst>
+              <a:ext uri="{FF2B5EF4-FFF2-40B4-BE49-F238E27FC236}">
+                <a16:creationId xmlns:a16="http://schemas.microsoft.com/office/drawing/2014/main" id="{CF44945E-01F7-49BA-AF07-2208DBC26874}"/>
+              </a:ext>
+            </a:extLst>
+          </p:cNvPr>
+          <p:cNvSpPr txBox="1"/>
+          <p:nvPr/>
+        </p:nvSpPr>
+        <p:spPr>
+          <a:xfrm>
+            <a:off x="474370" y="177546"/>
+            <a:ext cx="8364830" cy="566822"/>
+          </a:xfrm>
+          <a:prstGeom prst="rect">
+            <a:avLst/>
+          </a:prstGeom>
+        </p:spPr>
+        <p:txBody>
+          <a:bodyPr vert="horz" wrap="square" lIns="0" tIns="12700" rIns="0" bIns="0" rtlCol="0">
+            <a:spAutoFit/>
+          </a:bodyPr>
+          <a:lstStyle/>
+          <a:p>
+            <a:pPr marL="12700">
+              <a:lnSpc>
+                <a:spcPct val="100000"/>
+              </a:lnSpc>
+              <a:spcBef>
+                <a:spcPts val="100"/>
+              </a:spcBef>
+            </a:pPr>
+            <a:r>
+              <a:rPr lang="ko-KR" altLang="en-US" sz="3600" b="1" dirty="0">
+                <a:latin typeface="UnDinaru"/>
+                <a:cs typeface="UnDinaru"/>
+              </a:rPr>
+              <a:t>코드와 사진 업로드</a:t>
+            </a:r>
+            <a:endParaRPr sz="3600" b="1" dirty="0">
+              <a:latin typeface="UnDinaru"/>
+              <a:cs typeface="UnDinaru"/>
+            </a:endParaRPr>
+          </a:p>
+        </p:txBody>
+      </p:sp>
+      <p:pic>
+        <p:nvPicPr>
+          <p:cNvPr id="3" name="그림 2">
+            <a:extLst>
+              <a:ext uri="{FF2B5EF4-FFF2-40B4-BE49-F238E27FC236}">
+                <a16:creationId xmlns:a16="http://schemas.microsoft.com/office/drawing/2014/main" id="{680F7FF6-23EA-4FB2-AC68-D41321E948AC}"/>
+              </a:ext>
+            </a:extLst>
+          </p:cNvPr>
+          <p:cNvPicPr>
+            <a:picLocks noChangeAspect="1"/>
+          </p:cNvPicPr>
+          <p:nvPr/>
+        </p:nvPicPr>
+        <p:blipFill>
+          <a:blip r:embed="rId2">
+            <a:extLst>
+              <a:ext uri="{28A0092B-C50C-407E-A947-70E740481C1C}">
+                <a14:useLocalDpi xmlns:a14="http://schemas.microsoft.com/office/drawing/2010/main" val="0"/>
+              </a:ext>
+            </a:extLst>
+          </a:blip>
+          <a:stretch>
+            <a:fillRect/>
+          </a:stretch>
+        </p:blipFill>
+        <p:spPr>
+          <a:xfrm>
+            <a:off x="7856" y="744368"/>
+            <a:ext cx="9144000" cy="6090047"/>
+          </a:xfrm>
+          <a:prstGeom prst="rect">
+            <a:avLst/>
+          </a:prstGeom>
+        </p:spPr>
+      </p:pic>
+      <p:sp>
+        <p:nvSpPr>
+          <p:cNvPr id="4" name="TextBox 3">
+            <a:extLst>
+              <a:ext uri="{FF2B5EF4-FFF2-40B4-BE49-F238E27FC236}">
+                <a16:creationId xmlns:a16="http://schemas.microsoft.com/office/drawing/2014/main" id="{0DD41913-49A6-4C3D-A68A-B5A41168E067}"/>
+              </a:ext>
+            </a:extLst>
+          </p:cNvPr>
+          <p:cNvSpPr txBox="1"/>
+          <p:nvPr/>
+        </p:nvSpPr>
+        <p:spPr>
+          <a:xfrm>
+            <a:off x="5181600" y="1219200"/>
+            <a:ext cx="2367956" cy="369332"/>
+          </a:xfrm>
+          <a:prstGeom prst="rect">
+            <a:avLst/>
+          </a:prstGeom>
+          <a:noFill/>
+        </p:spPr>
+        <p:txBody>
+          <a:bodyPr wrap="none" rtlCol="0">
+            <a:spAutoFit/>
+          </a:bodyPr>
+          <a:lstStyle/>
+          <a:p>
+            <a:r>
+              <a:rPr lang="ko-KR" altLang="en-US" dirty="0"/>
+              <a:t>테스트에 사용한 사진</a:t>
+            </a:r>
+          </a:p>
+        </p:txBody>
+      </p:sp>
+    </p:spTree>
+    <p:extLst>
+      <p:ext uri="{BB962C8B-B14F-4D97-AF65-F5344CB8AC3E}">
+        <p14:creationId xmlns:p14="http://schemas.microsoft.com/office/powerpoint/2010/main" val="3043522439"/>
+      </p:ext>
+    </p:extLst>
+  </p:cSld>
+  <p:clrMapOvr>
+    <a:masterClrMapping/>
+  </p:clrMapOvr>
+</p:sld>
+</file>
+
+<file path=ppt/slides/slide56.xml><?xml version="1.0" encoding="utf-8"?>
+<p:sld xmlns:a="http://schemas.openxmlformats.org/drawingml/2006/main" xmlns:r="http://schemas.openxmlformats.org/officeDocument/2006/relationships" xmlns:p="http://schemas.openxmlformats.org/presentationml/2006/main">
+  <p:cSld>
+    <p:spTree>
+      <p:nvGrpSpPr>
+        <p:cNvPr id="1" name=""/>
+        <p:cNvGrpSpPr/>
+        <p:nvPr/>
+      </p:nvGrpSpPr>
+      <p:grpSpPr>
+        <a:xfrm>
+          <a:off x="0" y="0"/>
+          <a:ext cx="0" cy="0"/>
+          <a:chOff x="0" y="0"/>
+          <a:chExt cx="0" cy="0"/>
+        </a:xfrm>
+      </p:grpSpPr>
+      <p:sp>
+        <p:nvSpPr>
+          <p:cNvPr id="7" name="object 7"/>
+          <p:cNvSpPr txBox="1">
+            <a:spLocks noGrp="1"/>
+          </p:cNvSpPr>
+          <p:nvPr>
+            <p:ph type="sldNum" sz="quarter" idx="7"/>
+          </p:nvPr>
+        </p:nvSpPr>
+        <p:spPr>
+          <a:prstGeom prst="rect">
+            <a:avLst/>
+          </a:prstGeom>
+        </p:spPr>
+        <p:txBody>
+          <a:bodyPr vert="horz" wrap="square" lIns="0" tIns="0" rIns="0" bIns="0" rtlCol="0">
+            <a:spAutoFit/>
+          </a:bodyPr>
+          <a:lstStyle/>
+          <a:p>
+            <a:pPr marL="38100">
+              <a:lnSpc>
+                <a:spcPts val="1240"/>
+              </a:lnSpc>
+            </a:pPr>
+            <a:fld id="{81D60167-4931-47E6-BA6A-407CBD079E47}" type="slidenum">
+              <a:rPr dirty="0"/>
+              <a:t>56</a:t>
+            </a:fld>
+            <a:endParaRPr dirty="0"/>
+          </a:p>
+        </p:txBody>
+      </p:sp>
+      <p:sp>
+        <p:nvSpPr>
+          <p:cNvPr id="6" name="object 2">
+            <a:extLst>
+              <a:ext uri="{FF2B5EF4-FFF2-40B4-BE49-F238E27FC236}">
+                <a16:creationId xmlns:a16="http://schemas.microsoft.com/office/drawing/2014/main" id="{CF44945E-01F7-49BA-AF07-2208DBC26874}"/>
+              </a:ext>
+            </a:extLst>
+          </p:cNvPr>
+          <p:cNvSpPr txBox="1"/>
+          <p:nvPr/>
+        </p:nvSpPr>
+        <p:spPr>
+          <a:xfrm>
+            <a:off x="474370" y="177546"/>
+            <a:ext cx="8364830" cy="566822"/>
+          </a:xfrm>
+          <a:prstGeom prst="rect">
+            <a:avLst/>
+          </a:prstGeom>
+        </p:spPr>
+        <p:txBody>
+          <a:bodyPr vert="horz" wrap="square" lIns="0" tIns="12700" rIns="0" bIns="0" rtlCol="0">
+            <a:spAutoFit/>
+          </a:bodyPr>
+          <a:lstStyle/>
+          <a:p>
+            <a:pPr marL="12700">
+              <a:lnSpc>
+                <a:spcPct val="100000"/>
+              </a:lnSpc>
+              <a:spcBef>
+                <a:spcPts val="100"/>
+              </a:spcBef>
+            </a:pPr>
+            <a:r>
+              <a:rPr lang="ko-KR" altLang="en-US" sz="3600" b="1" dirty="0">
+                <a:latin typeface="UnDinaru"/>
+                <a:cs typeface="UnDinaru"/>
+              </a:rPr>
+              <a:t>코드와 사진 업로드</a:t>
+            </a:r>
+            <a:endParaRPr sz="3600" b="1" dirty="0">
+              <a:latin typeface="UnDinaru"/>
+              <a:cs typeface="UnDinaru"/>
+            </a:endParaRPr>
+          </a:p>
+        </p:txBody>
+      </p:sp>
+      <p:pic>
+        <p:nvPicPr>
+          <p:cNvPr id="2" name="그림 1">
+            <a:extLst>
+              <a:ext uri="{FF2B5EF4-FFF2-40B4-BE49-F238E27FC236}">
+                <a16:creationId xmlns:a16="http://schemas.microsoft.com/office/drawing/2014/main" id="{BCA291C0-7F47-4212-ACE3-97DC80E3B43A}"/>
+              </a:ext>
+            </a:extLst>
+          </p:cNvPr>
+          <p:cNvPicPr>
+            <a:picLocks noChangeAspect="1"/>
+          </p:cNvPicPr>
+          <p:nvPr/>
+        </p:nvPicPr>
+        <p:blipFill>
+          <a:blip r:embed="rId2"/>
+          <a:stretch>
+            <a:fillRect/>
+          </a:stretch>
+        </p:blipFill>
+        <p:spPr>
+          <a:xfrm>
+            <a:off x="304800" y="914400"/>
+            <a:ext cx="7410450" cy="3419475"/>
+          </a:xfrm>
+          <a:prstGeom prst="rect">
+            <a:avLst/>
+          </a:prstGeom>
+        </p:spPr>
+      </p:pic>
+      <p:pic>
+        <p:nvPicPr>
+          <p:cNvPr id="4" name="그림 3">
+            <a:extLst>
+              <a:ext uri="{FF2B5EF4-FFF2-40B4-BE49-F238E27FC236}">
+                <a16:creationId xmlns:a16="http://schemas.microsoft.com/office/drawing/2014/main" id="{1E551EE1-3FAD-408E-801C-D6F35CB37AA6}"/>
+              </a:ext>
+            </a:extLst>
+          </p:cNvPr>
+          <p:cNvPicPr>
+            <a:picLocks noChangeAspect="1"/>
+          </p:cNvPicPr>
+          <p:nvPr/>
+        </p:nvPicPr>
+        <p:blipFill>
+          <a:blip r:embed="rId3"/>
+          <a:stretch>
+            <a:fillRect/>
+          </a:stretch>
+        </p:blipFill>
+        <p:spPr>
+          <a:xfrm>
+            <a:off x="302443" y="4120493"/>
+            <a:ext cx="3810000" cy="2559961"/>
+          </a:xfrm>
+          <a:prstGeom prst="rect">
+            <a:avLst/>
+          </a:prstGeom>
+        </p:spPr>
+      </p:pic>
+      <p:sp>
+        <p:nvSpPr>
+          <p:cNvPr id="8" name="TextBox 7">
+            <a:extLst>
+              <a:ext uri="{FF2B5EF4-FFF2-40B4-BE49-F238E27FC236}">
+                <a16:creationId xmlns:a16="http://schemas.microsoft.com/office/drawing/2014/main" id="{B785C70F-016A-405C-91C8-1F442D975649}"/>
+              </a:ext>
+            </a:extLst>
+          </p:cNvPr>
+          <p:cNvSpPr txBox="1"/>
+          <p:nvPr/>
+        </p:nvSpPr>
+        <p:spPr>
+          <a:xfrm>
+            <a:off x="2667000" y="5715000"/>
+            <a:ext cx="3201517" cy="369332"/>
+          </a:xfrm>
+          <a:prstGeom prst="rect">
+            <a:avLst/>
+          </a:prstGeom>
+          <a:noFill/>
+        </p:spPr>
+        <p:txBody>
+          <a:bodyPr wrap="none" rtlCol="0">
+            <a:spAutoFit/>
+          </a:bodyPr>
+          <a:lstStyle/>
+          <a:p>
+            <a:r>
+              <a:rPr lang="ko-KR" altLang="en-US" dirty="0"/>
+              <a:t>방금 압축한 </a:t>
+            </a:r>
+            <a:r>
+              <a:rPr lang="en-US" altLang="ko-KR" dirty="0"/>
+              <a:t>zip </a:t>
+            </a:r>
+            <a:r>
+              <a:rPr lang="ko-KR" altLang="en-US" dirty="0"/>
+              <a:t>파일을 업로드</a:t>
+            </a:r>
+          </a:p>
+        </p:txBody>
+      </p:sp>
+    </p:spTree>
+    <p:extLst>
+      <p:ext uri="{BB962C8B-B14F-4D97-AF65-F5344CB8AC3E}">
+        <p14:creationId xmlns:p14="http://schemas.microsoft.com/office/powerpoint/2010/main" val="3678768690"/>
+      </p:ext>
+    </p:extLst>
+  </p:cSld>
+  <p:clrMapOvr>
+    <a:masterClrMapping/>
+  </p:clrMapOvr>
+</p:sld>
+</file>
+
+<file path=ppt/slides/slide57.xml><?xml version="1.0" encoding="utf-8"?>
+<p:sld xmlns:a="http://schemas.openxmlformats.org/drawingml/2006/main" xmlns:r="http://schemas.openxmlformats.org/officeDocument/2006/relationships" xmlns:p="http://schemas.openxmlformats.org/presentationml/2006/main">
+  <p:cSld>
+    <p:spTree>
+      <p:nvGrpSpPr>
+        <p:cNvPr id="1" name=""/>
+        <p:cNvGrpSpPr/>
+        <p:nvPr/>
+      </p:nvGrpSpPr>
+      <p:grpSpPr>
+        <a:xfrm>
+          <a:off x="0" y="0"/>
+          <a:ext cx="0" cy="0"/>
+          <a:chOff x="0" y="0"/>
+          <a:chExt cx="0" cy="0"/>
+        </a:xfrm>
+      </p:grpSpPr>
+      <p:sp>
+        <p:nvSpPr>
+          <p:cNvPr id="7" name="object 7"/>
+          <p:cNvSpPr txBox="1">
+            <a:spLocks noGrp="1"/>
+          </p:cNvSpPr>
+          <p:nvPr>
+            <p:ph type="sldNum" sz="quarter" idx="7"/>
+          </p:nvPr>
+        </p:nvSpPr>
+        <p:spPr>
+          <a:prstGeom prst="rect">
+            <a:avLst/>
+          </a:prstGeom>
+        </p:spPr>
+        <p:txBody>
+          <a:bodyPr vert="horz" wrap="square" lIns="0" tIns="0" rIns="0" bIns="0" rtlCol="0">
+            <a:spAutoFit/>
+          </a:bodyPr>
+          <a:lstStyle/>
+          <a:p>
+            <a:pPr marL="38100">
+              <a:lnSpc>
+                <a:spcPts val="1240"/>
+              </a:lnSpc>
+            </a:pPr>
+            <a:fld id="{81D60167-4931-47E6-BA6A-407CBD079E47}" type="slidenum">
+              <a:rPr dirty="0"/>
+              <a:t>57</a:t>
+            </a:fld>
+            <a:endParaRPr dirty="0"/>
+          </a:p>
+        </p:txBody>
+      </p:sp>
+      <p:sp>
+        <p:nvSpPr>
+          <p:cNvPr id="6" name="object 2">
+            <a:extLst>
+              <a:ext uri="{FF2B5EF4-FFF2-40B4-BE49-F238E27FC236}">
+                <a16:creationId xmlns:a16="http://schemas.microsoft.com/office/drawing/2014/main" id="{CF44945E-01F7-49BA-AF07-2208DBC26874}"/>
+              </a:ext>
+            </a:extLst>
+          </p:cNvPr>
+          <p:cNvSpPr txBox="1"/>
+          <p:nvPr/>
+        </p:nvSpPr>
+        <p:spPr>
+          <a:xfrm>
+            <a:off x="474370" y="177546"/>
+            <a:ext cx="8364830" cy="566822"/>
+          </a:xfrm>
+          <a:prstGeom prst="rect">
+            <a:avLst/>
+          </a:prstGeom>
+        </p:spPr>
+        <p:txBody>
+          <a:bodyPr vert="horz" wrap="square" lIns="0" tIns="12700" rIns="0" bIns="0" rtlCol="0">
+            <a:spAutoFit/>
+          </a:bodyPr>
+          <a:lstStyle/>
+          <a:p>
+            <a:pPr marL="12700">
+              <a:lnSpc>
+                <a:spcPct val="100000"/>
+              </a:lnSpc>
+              <a:spcBef>
+                <a:spcPts val="100"/>
+              </a:spcBef>
+            </a:pPr>
+            <a:r>
+              <a:rPr lang="ko-KR" altLang="en-US" sz="3600" b="1" dirty="0">
+                <a:latin typeface="UnDinaru"/>
+                <a:cs typeface="UnDinaru"/>
+              </a:rPr>
+              <a:t>코드와 사진 업로드</a:t>
+            </a:r>
+            <a:endParaRPr sz="3600" b="1" dirty="0">
+              <a:latin typeface="UnDinaru"/>
+              <a:cs typeface="UnDinaru"/>
+            </a:endParaRPr>
+          </a:p>
+        </p:txBody>
+      </p:sp>
+      <p:pic>
+        <p:nvPicPr>
+          <p:cNvPr id="3" name="그림 2">
+            <a:extLst>
+              <a:ext uri="{FF2B5EF4-FFF2-40B4-BE49-F238E27FC236}">
+                <a16:creationId xmlns:a16="http://schemas.microsoft.com/office/drawing/2014/main" id="{8A3E3C51-CECA-481F-B057-379681D8EF16}"/>
+              </a:ext>
+            </a:extLst>
+          </p:cNvPr>
+          <p:cNvPicPr>
+            <a:picLocks noChangeAspect="1"/>
+          </p:cNvPicPr>
+          <p:nvPr/>
+        </p:nvPicPr>
+        <p:blipFill>
+          <a:blip r:embed="rId2"/>
+          <a:stretch>
+            <a:fillRect/>
+          </a:stretch>
+        </p:blipFill>
+        <p:spPr>
+          <a:xfrm>
+            <a:off x="0" y="2077412"/>
+            <a:ext cx="9144000" cy="2703176"/>
+          </a:xfrm>
+          <a:prstGeom prst="rect">
+            <a:avLst/>
+          </a:prstGeom>
+        </p:spPr>
+      </p:pic>
+      <p:sp>
+        <p:nvSpPr>
+          <p:cNvPr id="5" name="TextBox 4">
+            <a:extLst>
+              <a:ext uri="{FF2B5EF4-FFF2-40B4-BE49-F238E27FC236}">
+                <a16:creationId xmlns:a16="http://schemas.microsoft.com/office/drawing/2014/main" id="{2C71F2AF-4905-4B0E-B492-BC877BE95A57}"/>
+              </a:ext>
+            </a:extLst>
+          </p:cNvPr>
+          <p:cNvSpPr txBox="1"/>
+          <p:nvPr/>
+        </p:nvSpPr>
+        <p:spPr>
+          <a:xfrm>
+            <a:off x="4873543" y="1877295"/>
+            <a:ext cx="3641766" cy="646331"/>
+          </a:xfrm>
+          <a:prstGeom prst="rect">
+            <a:avLst/>
+          </a:prstGeom>
+          <a:noFill/>
+        </p:spPr>
+        <p:txBody>
+          <a:bodyPr wrap="none" rtlCol="0">
+            <a:spAutoFit/>
+          </a:bodyPr>
+          <a:lstStyle/>
+          <a:p>
+            <a:r>
+              <a:rPr lang="ko-KR" altLang="en-US" dirty="0" err="1">
+                <a:solidFill>
+                  <a:srgbClr val="FF0000"/>
+                </a:solidFill>
+              </a:rPr>
+              <a:t>핸들러의</a:t>
+            </a:r>
+            <a:r>
+              <a:rPr lang="ko-KR" altLang="en-US" dirty="0">
+                <a:solidFill>
+                  <a:srgbClr val="FF0000"/>
+                </a:solidFill>
+              </a:rPr>
+              <a:t> 내용을</a:t>
+            </a:r>
+            <a:endParaRPr lang="en-US" altLang="ko-KR" dirty="0">
+              <a:solidFill>
+                <a:srgbClr val="FF0000"/>
+              </a:solidFill>
+            </a:endParaRPr>
+          </a:p>
+          <a:p>
+            <a:r>
+              <a:rPr lang="en-US" altLang="ko-KR" dirty="0" err="1">
+                <a:solidFill>
+                  <a:srgbClr val="FF0000"/>
+                </a:solidFill>
+              </a:rPr>
+              <a:t>Rekognition.lambda_handler</a:t>
+            </a:r>
+            <a:r>
+              <a:rPr lang="ko-KR" altLang="en-US" dirty="0">
+                <a:solidFill>
+                  <a:srgbClr val="FF0000"/>
+                </a:solidFill>
+              </a:rPr>
+              <a:t>로 변경</a:t>
+            </a:r>
+          </a:p>
+        </p:txBody>
+      </p:sp>
+    </p:spTree>
+    <p:extLst>
+      <p:ext uri="{BB962C8B-B14F-4D97-AF65-F5344CB8AC3E}">
+        <p14:creationId xmlns:p14="http://schemas.microsoft.com/office/powerpoint/2010/main" val="3899221653"/>
+      </p:ext>
+    </p:extLst>
+  </p:cSld>
+  <p:clrMapOvr>
+    <a:masterClrMapping/>
+  </p:clrMapOvr>
+</p:sld>
+</file>
+
+<file path=ppt/slides/slide58.xml><?xml version="1.0" encoding="utf-8"?>
+<p:sld xmlns:a="http://schemas.openxmlformats.org/drawingml/2006/main" xmlns:r="http://schemas.openxmlformats.org/officeDocument/2006/relationships" xmlns:p="http://schemas.openxmlformats.org/presentationml/2006/main">
+  <p:cSld>
+    <p:spTree>
+      <p:nvGrpSpPr>
+        <p:cNvPr id="1" name=""/>
+        <p:cNvGrpSpPr/>
+        <p:nvPr/>
+      </p:nvGrpSpPr>
+      <p:grpSpPr>
+        <a:xfrm>
+          <a:off x="0" y="0"/>
+          <a:ext cx="0" cy="0"/>
+          <a:chOff x="0" y="0"/>
+          <a:chExt cx="0" cy="0"/>
+        </a:xfrm>
+      </p:grpSpPr>
+      <p:sp>
+        <p:nvSpPr>
+          <p:cNvPr id="7" name="object 7"/>
+          <p:cNvSpPr txBox="1">
+            <a:spLocks noGrp="1"/>
+          </p:cNvSpPr>
+          <p:nvPr>
+            <p:ph type="sldNum" sz="quarter" idx="7"/>
+          </p:nvPr>
+        </p:nvSpPr>
+        <p:spPr>
+          <a:prstGeom prst="rect">
+            <a:avLst/>
+          </a:prstGeom>
+        </p:spPr>
+        <p:txBody>
+          <a:bodyPr vert="horz" wrap="square" lIns="0" tIns="0" rIns="0" bIns="0" rtlCol="0">
+            <a:spAutoFit/>
+          </a:bodyPr>
+          <a:lstStyle/>
+          <a:p>
+            <a:pPr marL="38100">
+              <a:lnSpc>
+                <a:spcPts val="1240"/>
+              </a:lnSpc>
+            </a:pPr>
+            <a:fld id="{81D60167-4931-47E6-BA6A-407CBD079E47}" type="slidenum">
+              <a:rPr dirty="0"/>
+              <a:t>58</a:t>
+            </a:fld>
+            <a:endParaRPr dirty="0"/>
+          </a:p>
+        </p:txBody>
+      </p:sp>
+      <p:sp>
+        <p:nvSpPr>
+          <p:cNvPr id="6" name="object 2">
+            <a:extLst>
+              <a:ext uri="{FF2B5EF4-FFF2-40B4-BE49-F238E27FC236}">
+                <a16:creationId xmlns:a16="http://schemas.microsoft.com/office/drawing/2014/main" id="{CF44945E-01F7-49BA-AF07-2208DBC26874}"/>
+              </a:ext>
+            </a:extLst>
+          </p:cNvPr>
+          <p:cNvSpPr txBox="1"/>
+          <p:nvPr/>
+        </p:nvSpPr>
+        <p:spPr>
+          <a:xfrm>
+            <a:off x="474370" y="177546"/>
+            <a:ext cx="8364830" cy="566822"/>
+          </a:xfrm>
+          <a:prstGeom prst="rect">
+            <a:avLst/>
+          </a:prstGeom>
+        </p:spPr>
+        <p:txBody>
+          <a:bodyPr vert="horz" wrap="square" lIns="0" tIns="12700" rIns="0" bIns="0" rtlCol="0">
+            <a:spAutoFit/>
+          </a:bodyPr>
+          <a:lstStyle/>
+          <a:p>
+            <a:pPr marL="12700">
+              <a:lnSpc>
+                <a:spcPct val="100000"/>
+              </a:lnSpc>
+              <a:spcBef>
+                <a:spcPts val="100"/>
+              </a:spcBef>
+            </a:pPr>
+            <a:r>
+              <a:rPr lang="ko-KR" altLang="en-US" sz="3600" b="1" dirty="0">
+                <a:latin typeface="UnDinaru"/>
+                <a:cs typeface="UnDinaru"/>
+              </a:rPr>
+              <a:t>저장 및 테스트</a:t>
+            </a:r>
+            <a:endParaRPr sz="3600" b="1" dirty="0">
+              <a:latin typeface="UnDinaru"/>
+              <a:cs typeface="UnDinaru"/>
+            </a:endParaRPr>
+          </a:p>
+        </p:txBody>
+      </p:sp>
+      <p:pic>
+        <p:nvPicPr>
+          <p:cNvPr id="4" name="그림 3">
+            <a:extLst>
+              <a:ext uri="{FF2B5EF4-FFF2-40B4-BE49-F238E27FC236}">
+                <a16:creationId xmlns:a16="http://schemas.microsoft.com/office/drawing/2014/main" id="{5C70F832-D589-4228-9E85-E00F2F7D7322}"/>
+              </a:ext>
+            </a:extLst>
+          </p:cNvPr>
+          <p:cNvPicPr>
+            <a:picLocks noChangeAspect="1"/>
+          </p:cNvPicPr>
+          <p:nvPr/>
+        </p:nvPicPr>
+        <p:blipFill>
+          <a:blip r:embed="rId2"/>
+          <a:stretch>
+            <a:fillRect/>
+          </a:stretch>
+        </p:blipFill>
+        <p:spPr>
+          <a:xfrm>
+            <a:off x="0" y="1676400"/>
+            <a:ext cx="9144000" cy="1200781"/>
+          </a:xfrm>
+          <a:prstGeom prst="rect">
+            <a:avLst/>
+          </a:prstGeom>
+        </p:spPr>
+      </p:pic>
+      <p:sp>
+        <p:nvSpPr>
+          <p:cNvPr id="8" name="TextBox 7">
+            <a:extLst>
+              <a:ext uri="{FF2B5EF4-FFF2-40B4-BE49-F238E27FC236}">
+                <a16:creationId xmlns:a16="http://schemas.microsoft.com/office/drawing/2014/main" id="{55D200A3-87AB-44E9-8A85-61937CBEDDC2}"/>
+              </a:ext>
+            </a:extLst>
+          </p:cNvPr>
+          <p:cNvSpPr txBox="1"/>
+          <p:nvPr/>
+        </p:nvSpPr>
+        <p:spPr>
+          <a:xfrm>
+            <a:off x="5299059" y="1312567"/>
+            <a:ext cx="2903680" cy="369332"/>
+          </a:xfrm>
+          <a:prstGeom prst="rect">
+            <a:avLst/>
+          </a:prstGeom>
+          <a:noFill/>
+        </p:spPr>
+        <p:txBody>
+          <a:bodyPr wrap="none" rtlCol="0">
+            <a:spAutoFit/>
+          </a:bodyPr>
+          <a:lstStyle/>
+          <a:p>
+            <a:r>
+              <a:rPr lang="en-US" altLang="ko-KR" dirty="0"/>
+              <a:t>Save</a:t>
+            </a:r>
+            <a:r>
+              <a:rPr lang="ko-KR" altLang="en-US" dirty="0"/>
+              <a:t>를 누른 뒤 테스트 클릭</a:t>
+            </a:r>
+          </a:p>
+        </p:txBody>
+      </p:sp>
+      <p:pic>
+        <p:nvPicPr>
+          <p:cNvPr id="9" name="그림 8">
+            <a:extLst>
+              <a:ext uri="{FF2B5EF4-FFF2-40B4-BE49-F238E27FC236}">
+                <a16:creationId xmlns:a16="http://schemas.microsoft.com/office/drawing/2014/main" id="{020E5214-7FC8-41B8-AAF4-12B180905B89}"/>
+              </a:ext>
+            </a:extLst>
+          </p:cNvPr>
+          <p:cNvPicPr>
+            <a:picLocks noChangeAspect="1"/>
+          </p:cNvPicPr>
+          <p:nvPr/>
+        </p:nvPicPr>
+        <p:blipFill>
+          <a:blip r:embed="rId3"/>
+          <a:stretch>
+            <a:fillRect/>
+          </a:stretch>
+        </p:blipFill>
+        <p:spPr>
+          <a:xfrm>
+            <a:off x="474370" y="3016128"/>
+            <a:ext cx="5220152" cy="3612193"/>
+          </a:xfrm>
+          <a:prstGeom prst="rect">
+            <a:avLst/>
+          </a:prstGeom>
+        </p:spPr>
+      </p:pic>
+    </p:spTree>
+    <p:extLst>
+      <p:ext uri="{BB962C8B-B14F-4D97-AF65-F5344CB8AC3E}">
+        <p14:creationId xmlns:p14="http://schemas.microsoft.com/office/powerpoint/2010/main" val="1275505582"/>
+      </p:ext>
+    </p:extLst>
+  </p:cSld>
+  <p:clrMapOvr>
+    <a:masterClrMapping/>
+  </p:clrMapOvr>
+</p:sld>
+</file>
+
+<file path=ppt/slides/slide59.xml><?xml version="1.0" encoding="utf-8"?>
+<p:sld xmlns:a="http://schemas.openxmlformats.org/drawingml/2006/main" xmlns:r="http://schemas.openxmlformats.org/officeDocument/2006/relationships" xmlns:p="http://schemas.openxmlformats.org/presentationml/2006/main">
+  <p:cSld>
+    <p:spTree>
+      <p:nvGrpSpPr>
+        <p:cNvPr id="1" name=""/>
+        <p:cNvGrpSpPr/>
+        <p:nvPr/>
+      </p:nvGrpSpPr>
+      <p:grpSpPr>
+        <a:xfrm>
+          <a:off x="0" y="0"/>
+          <a:ext cx="0" cy="0"/>
+          <a:chOff x="0" y="0"/>
+          <a:chExt cx="0" cy="0"/>
+        </a:xfrm>
+      </p:grpSpPr>
+      <p:sp>
+        <p:nvSpPr>
+          <p:cNvPr id="2" name="object 2"/>
+          <p:cNvSpPr txBox="1"/>
+          <p:nvPr/>
+        </p:nvSpPr>
+        <p:spPr>
+          <a:xfrm>
+            <a:off x="474370" y="177546"/>
+            <a:ext cx="8364830" cy="566822"/>
+          </a:xfrm>
+          <a:prstGeom prst="rect">
+            <a:avLst/>
+          </a:prstGeom>
+        </p:spPr>
+        <p:txBody>
+          <a:bodyPr vert="horz" wrap="square" lIns="0" tIns="12700" rIns="0" bIns="0" rtlCol="0">
+            <a:spAutoFit/>
+          </a:bodyPr>
+          <a:lstStyle/>
+          <a:p>
+            <a:pPr marL="12700">
+              <a:lnSpc>
+                <a:spcPct val="100000"/>
+              </a:lnSpc>
+              <a:spcBef>
+                <a:spcPts val="100"/>
+              </a:spcBef>
+            </a:pPr>
+            <a:r>
+              <a:rPr lang="ko-KR" altLang="en-US" sz="3600" b="1" spc="-185" dirty="0">
+                <a:latin typeface="Trebuchet MS"/>
+                <a:cs typeface="UnDinaru"/>
+              </a:rPr>
+              <a:t>웹 브라우저에서 테스트</a:t>
+            </a:r>
+            <a:endParaRPr sz="3600" b="1" dirty="0">
+              <a:latin typeface="UnDinaru"/>
+              <a:cs typeface="UnDinaru"/>
+            </a:endParaRPr>
+          </a:p>
+        </p:txBody>
+      </p:sp>
+      <p:pic>
+        <p:nvPicPr>
+          <p:cNvPr id="4" name="그림 3">
+            <a:extLst>
+              <a:ext uri="{FF2B5EF4-FFF2-40B4-BE49-F238E27FC236}">
+                <a16:creationId xmlns:a16="http://schemas.microsoft.com/office/drawing/2014/main" id="{0516CEDA-9B2D-4434-98F4-5B1298710734}"/>
+              </a:ext>
+            </a:extLst>
+          </p:cNvPr>
+          <p:cNvPicPr>
+            <a:picLocks noChangeAspect="1"/>
+          </p:cNvPicPr>
+          <p:nvPr/>
+        </p:nvPicPr>
+        <p:blipFill>
+          <a:blip r:embed="rId2"/>
+          <a:stretch>
+            <a:fillRect/>
+          </a:stretch>
+        </p:blipFill>
+        <p:spPr>
+          <a:xfrm>
+            <a:off x="0" y="990600"/>
+            <a:ext cx="9144000" cy="5397084"/>
+          </a:xfrm>
+          <a:prstGeom prst="rect">
+            <a:avLst/>
+          </a:prstGeom>
+        </p:spPr>
+      </p:pic>
+      <p:sp>
+        <p:nvSpPr>
+          <p:cNvPr id="6" name="TextBox 5">
+            <a:extLst>
+              <a:ext uri="{FF2B5EF4-FFF2-40B4-BE49-F238E27FC236}">
+                <a16:creationId xmlns:a16="http://schemas.microsoft.com/office/drawing/2014/main" id="{AE569C7F-09CB-4BE7-A541-6778A558B5F9}"/>
+              </a:ext>
+            </a:extLst>
+          </p:cNvPr>
+          <p:cNvSpPr txBox="1"/>
+          <p:nvPr/>
+        </p:nvSpPr>
+        <p:spPr>
+          <a:xfrm>
+            <a:off x="4724400" y="1524000"/>
+            <a:ext cx="2802370" cy="646331"/>
+          </a:xfrm>
+          <a:prstGeom prst="rect">
+            <a:avLst/>
+          </a:prstGeom>
+          <a:noFill/>
+        </p:spPr>
+        <p:txBody>
+          <a:bodyPr wrap="none" rtlCol="0">
+            <a:spAutoFit/>
+          </a:bodyPr>
+          <a:lstStyle/>
+          <a:p>
+            <a:r>
+              <a:rPr lang="en-US" altLang="ko-KR" dirty="0"/>
+              <a:t>API </a:t>
+            </a:r>
+            <a:r>
+              <a:rPr lang="ko-KR" altLang="en-US" dirty="0"/>
+              <a:t>게이트웨이의</a:t>
+            </a:r>
+            <a:endParaRPr lang="en-US" altLang="ko-KR" dirty="0"/>
+          </a:p>
+          <a:p>
+            <a:r>
+              <a:rPr lang="ko-KR" altLang="en-US" dirty="0"/>
+              <a:t>엔드 포인트 주소로 접속</a:t>
+            </a:r>
+            <a:r>
+              <a:rPr lang="en-US" altLang="ko-KR" dirty="0"/>
+              <a:t>!!</a:t>
+            </a:r>
+            <a:endParaRPr lang="ko-KR" altLang="en-US" dirty="0"/>
+          </a:p>
+        </p:txBody>
+      </p:sp>
+    </p:spTree>
+    <p:extLst>
+      <p:ext uri="{BB962C8B-B14F-4D97-AF65-F5344CB8AC3E}">
+        <p14:creationId xmlns:p14="http://schemas.microsoft.com/office/powerpoint/2010/main" val="3352078365"/>
+      </p:ext>
+    </p:extLst>
+  </p:cSld>
+  <p:clrMapOvr>
+    <a:masterClrMapping/>
+  </p:clrMapOvr>
+</p:sld>
+</file>
+
 <file path=ppt/slides/slide6.xml><?xml version="1.0" encoding="utf-8"?>
 <p:sld xmlns:a="http://schemas.openxmlformats.org/drawingml/2006/main" xmlns:r="http://schemas.openxmlformats.org/officeDocument/2006/relationships" xmlns:p="http://schemas.openxmlformats.org/presentationml/2006/main">
   <p:cSld>

--- a/ppt/AWS Rekognition Slide.pptx
+++ b/ppt/AWS Rekognition Slide.pptx
@@ -19378,6 +19378,56 @@
           </a:prstGeom>
         </p:spPr>
       </p:pic>
+      <p:sp>
+        <p:nvSpPr>
+          <p:cNvPr id="2" name="TextBox 1">
+            <a:extLst>
+              <a:ext uri="{FF2B5EF4-FFF2-40B4-BE49-F238E27FC236}">
+                <a16:creationId xmlns:a16="http://schemas.microsoft.com/office/drawing/2014/main" id="{97293AF4-BB1E-431F-9C70-51538277E150}"/>
+              </a:ext>
+            </a:extLst>
+          </p:cNvPr>
+          <p:cNvSpPr txBox="1"/>
+          <p:nvPr/>
+        </p:nvSpPr>
+        <p:spPr>
+          <a:xfrm>
+            <a:off x="5486400" y="2590800"/>
+            <a:ext cx="2704587" cy="923330"/>
+          </a:xfrm>
+          <a:prstGeom prst="rect">
+            <a:avLst/>
+          </a:prstGeom>
+          <a:noFill/>
+        </p:spPr>
+        <p:txBody>
+          <a:bodyPr wrap="none" rtlCol="0">
+            <a:spAutoFit/>
+          </a:bodyPr>
+          <a:lstStyle/>
+          <a:p>
+            <a:r>
+              <a:rPr lang="ko-KR" altLang="en-US" dirty="0"/>
+              <a:t>처음 테스트를 하는 경우</a:t>
+            </a:r>
+            <a:endParaRPr lang="en-US" altLang="ko-KR" dirty="0"/>
+          </a:p>
+          <a:p>
+            <a:r>
+              <a:rPr lang="ko-KR" altLang="en-US" dirty="0"/>
+              <a:t>팝업창이 뜸</a:t>
+            </a:r>
+            <a:endParaRPr lang="en-US" altLang="ko-KR" dirty="0"/>
+          </a:p>
+          <a:p>
+            <a:r>
+              <a:rPr lang="ko-KR" altLang="en-US" dirty="0"/>
+              <a:t>그 경우 그냥 확인 누르기</a:t>
+            </a:r>
+            <a:endParaRPr lang="en-US" altLang="ko-KR" dirty="0"/>
+          </a:p>
+        </p:txBody>
+      </p:sp>
     </p:spTree>
     <p:extLst>
       <p:ext uri="{BB962C8B-B14F-4D97-AF65-F5344CB8AC3E}">
